--- a/N06-Tutorial/教學文件.pptx
+++ b/N06-Tutorial/教學文件.pptx
@@ -5,14 +5,26 @@
     <p:sldMasterId id="2147483648" r:id="rId1"/>
   </p:sldMasterIdLst>
   <p:notesMasterIdLst>
-    <p:notesMasterId r:id="rId4"/>
+    <p:notesMasterId r:id="rId16"/>
   </p:notesMasterIdLst>
   <p:handoutMasterIdLst>
-    <p:handoutMasterId r:id="rId5"/>
+    <p:handoutMasterId r:id="rId17"/>
   </p:handoutMasterIdLst>
   <p:sldIdLst>
     <p:sldId id="259" r:id="rId2"/>
     <p:sldId id="262" r:id="rId3"/>
+    <p:sldId id="263" r:id="rId4"/>
+    <p:sldId id="265" r:id="rId5"/>
+    <p:sldId id="266" r:id="rId6"/>
+    <p:sldId id="267" r:id="rId7"/>
+    <p:sldId id="268" r:id="rId8"/>
+    <p:sldId id="269" r:id="rId9"/>
+    <p:sldId id="270" r:id="rId10"/>
+    <p:sldId id="271" r:id="rId11"/>
+    <p:sldId id="272" r:id="rId12"/>
+    <p:sldId id="274" r:id="rId13"/>
+    <p:sldId id="275" r:id="rId14"/>
+    <p:sldId id="273" r:id="rId15"/>
   </p:sldIdLst>
   <p:sldSz cx="12192000" cy="6858000"/>
   <p:notesSz cx="6858000" cy="9144000"/>
@@ -114,10 +126,62 @@
   <p:extLst>
     <p:ext uri="{521415D9-36F7-43E2-AB2F-B90AF26B5E84}">
       <p14:sectionLst xmlns:p14="http://schemas.microsoft.com/office/powerpoint/2010/main">
-        <p14:section name="2021.03.05" id="{71CEA3C6-4273-4CF8-B30B-F5CFBFEB996D}">
+        <p14:section name="心臟超音波影像教學文件" id="{5522E5C3-8F7A-446B-A49D-91062980C567}">
           <p14:sldIdLst>
             <p14:sldId id="259"/>
+          </p14:sldIdLst>
+        </p14:section>
+        <p14:section name="0.1 心臟超音波影像 9 類(缺瓣膜和short axis)" id="{60F58277-EDD0-459B-85E4-B3DB98A961DF}">
+          <p14:sldIdLst>
             <p14:sldId id="262"/>
+            <p14:sldId id="263"/>
+            <p14:sldId id="265"/>
+            <p14:sldId id="266"/>
+            <p14:sldId id="267"/>
+            <p14:sldId id="268"/>
+          </p14:sldIdLst>
+        </p14:section>
+        <p14:section name="0.2 醫學影像的檔案格式" id="{2D03B5E0-0D18-4EA1-B299-40EDBB40EC15}">
+          <p14:sldIdLst>
+            <p14:sldId id="269"/>
+            <p14:sldId id="270"/>
+            <p14:sldId id="271"/>
+          </p14:sldIdLst>
+        </p14:section>
+        <p14:section name="1. 骨架圖" id="{B607491F-DF75-4B94-A663-C1419F564D1C}">
+          <p14:sldIdLst/>
+        </p14:section>
+        <p14:section name="2. 利用機器學習分類 View" id="{EE60FB02-CD3C-4827-B18F-3C896C3D9D60}">
+          <p14:sldIdLst/>
+        </p14:section>
+        <p14:section name="3. 超音波影像 ROI" id="{6735660B-0167-4B3A-84BD-E563CE2DF8C2}">
+          <p14:sldIdLst>
+            <p14:sldId id="272"/>
+            <p14:sldId id="274"/>
+            <p14:sldId id="275"/>
+          </p14:sldIdLst>
+        </p14:section>
+        <p14:section name="Color Doppler" id="{378FA028-AF3C-46D4-9AC1-12653645B83D}">
+          <p14:sldIdLst/>
+        </p14:section>
+        <p14:section name="還原 Color Doppler 影像" id="{6249B5DF-C798-4AEB-B407-22225DC694B2}">
+          <p14:sldIdLst/>
+        </p14:section>
+        <p14:section name="PLA Matching with watershed" id="{A3399CC6-8CA0-4843-9AD3-1700C9AE8B06}">
+          <p14:sldIdLst/>
+        </p14:section>
+        <p14:section name="MultiThreshold C Code" id="{FAAAC5C2-68CB-4BAB-B2C2-E700129AB5AE}">
+          <p14:sldIdLst/>
+        </p14:section>
+        <p14:section name="A4C Segmentation" id="{826EFC0D-26E9-4AE5-AC8B-4779F63CE5F6}">
+          <p14:sldIdLst/>
+        </p14:section>
+        <p14:section name="A4C LVEF" id="{841E762C-BADF-45DA-8F69-31741D5938C2}">
+          <p14:sldIdLst/>
+        </p14:section>
+        <p14:section name="A4C Muscle Semantic" id="{42AA6A77-34B2-45F7-B558-7473E5A61827}">
+          <p14:sldIdLst>
+            <p14:sldId id="273"/>
           </p14:sldIdLst>
         </p14:section>
       </p14:sectionLst>
@@ -226,7 +290,7 @@
           <a:p>
             <a:fld id="{7829F8E0-05F2-4742-BB97-D2E4F51035C8}" type="datetimeFigureOut">
               <a:rPr lang="zh-TW" altLang="en-US" smtClean="0"/>
-              <a:t>2022/5/8</a:t>
+              <a:t>2022/5/9</a:t>
             </a:fld>
             <a:endParaRPr lang="zh-TW" altLang="en-US"/>
           </a:p>
@@ -391,7 +455,7 @@
           <a:p>
             <a:fld id="{2CB905C5-9D54-40E2-B40C-7996280CAB02}" type="datetimeFigureOut">
               <a:rPr lang="zh-TW" altLang="en-US" smtClean="0"/>
-              <a:t>2022/5/8</a:t>
+              <a:t>2022/5/9</a:t>
             </a:fld>
             <a:endParaRPr lang="zh-TW" altLang="en-US"/>
           </a:p>
@@ -876,7 +940,7 @@
           <a:p>
             <a:fld id="{0C0CC965-A63A-473D-BEFB-C8F9714D5269}" type="datetimeFigureOut">
               <a:rPr lang="zh-TW" altLang="en-US" smtClean="0"/>
-              <a:t>2022/5/8</a:t>
+              <a:t>2022/5/9</a:t>
             </a:fld>
             <a:endParaRPr lang="zh-TW" altLang="en-US"/>
           </a:p>
@@ -1044,7 +1108,7 @@
           <a:p>
             <a:fld id="{0C0CC965-A63A-473D-BEFB-C8F9714D5269}" type="datetimeFigureOut">
               <a:rPr lang="zh-TW" altLang="en-US" smtClean="0"/>
-              <a:t>2022/5/8</a:t>
+              <a:t>2022/5/9</a:t>
             </a:fld>
             <a:endParaRPr lang="zh-TW" altLang="en-US"/>
           </a:p>
@@ -1222,7 +1286,7 @@
           <a:p>
             <a:fld id="{0C0CC965-A63A-473D-BEFB-C8F9714D5269}" type="datetimeFigureOut">
               <a:rPr lang="zh-TW" altLang="en-US" smtClean="0"/>
-              <a:t>2022/5/8</a:t>
+              <a:t>2022/5/9</a:t>
             </a:fld>
             <a:endParaRPr lang="zh-TW" altLang="en-US"/>
           </a:p>
@@ -1417,7 +1481,7 @@
           <a:p>
             <a:fld id="{0C0CC965-A63A-473D-BEFB-C8F9714D5269}" type="datetimeFigureOut">
               <a:rPr lang="zh-TW" altLang="en-US" smtClean="0"/>
-              <a:t>2022/5/8</a:t>
+              <a:t>2022/5/9</a:t>
             </a:fld>
             <a:endParaRPr lang="zh-TW" altLang="en-US"/>
           </a:p>
@@ -1662,7 +1726,7 @@
           <a:p>
             <a:fld id="{0C0CC965-A63A-473D-BEFB-C8F9714D5269}" type="datetimeFigureOut">
               <a:rPr lang="zh-TW" altLang="en-US" smtClean="0"/>
-              <a:t>2022/5/8</a:t>
+              <a:t>2022/5/9</a:t>
             </a:fld>
             <a:endParaRPr lang="zh-TW" altLang="en-US"/>
           </a:p>
@@ -1891,7 +1955,7 @@
           <a:p>
             <a:fld id="{0C0CC965-A63A-473D-BEFB-C8F9714D5269}" type="datetimeFigureOut">
               <a:rPr lang="zh-TW" altLang="en-US" smtClean="0"/>
-              <a:t>2022/5/8</a:t>
+              <a:t>2022/5/9</a:t>
             </a:fld>
             <a:endParaRPr lang="zh-TW" altLang="en-US"/>
           </a:p>
@@ -2255,7 +2319,7 @@
           <a:p>
             <a:fld id="{0C0CC965-A63A-473D-BEFB-C8F9714D5269}" type="datetimeFigureOut">
               <a:rPr lang="zh-TW" altLang="en-US" smtClean="0"/>
-              <a:t>2022/5/8</a:t>
+              <a:t>2022/5/9</a:t>
             </a:fld>
             <a:endParaRPr lang="zh-TW" altLang="en-US"/>
           </a:p>
@@ -2372,7 +2436,7 @@
           <a:p>
             <a:fld id="{0C0CC965-A63A-473D-BEFB-C8F9714D5269}" type="datetimeFigureOut">
               <a:rPr lang="zh-TW" altLang="en-US" smtClean="0"/>
-              <a:t>2022/5/8</a:t>
+              <a:t>2022/5/9</a:t>
             </a:fld>
             <a:endParaRPr lang="zh-TW" altLang="en-US"/>
           </a:p>
@@ -2467,7 +2531,7 @@
           <a:p>
             <a:fld id="{0C0CC965-A63A-473D-BEFB-C8F9714D5269}" type="datetimeFigureOut">
               <a:rPr lang="zh-TW" altLang="en-US" smtClean="0"/>
-              <a:t>2022/5/8</a:t>
+              <a:t>2022/5/9</a:t>
             </a:fld>
             <a:endParaRPr lang="zh-TW" altLang="en-US"/>
           </a:p>
@@ -2742,7 +2806,7 @@
           <a:p>
             <a:fld id="{0C0CC965-A63A-473D-BEFB-C8F9714D5269}" type="datetimeFigureOut">
               <a:rPr lang="zh-TW" altLang="en-US" smtClean="0"/>
-              <a:t>2022/5/8</a:t>
+              <a:t>2022/5/9</a:t>
             </a:fld>
             <a:endParaRPr lang="zh-TW" altLang="en-US"/>
           </a:p>
@@ -2994,7 +3058,7 @@
           <a:p>
             <a:fld id="{0C0CC965-A63A-473D-BEFB-C8F9714D5269}" type="datetimeFigureOut">
               <a:rPr lang="zh-TW" altLang="en-US" smtClean="0"/>
-              <a:t>2022/5/8</a:t>
+              <a:t>2022/5/9</a:t>
             </a:fld>
             <a:endParaRPr lang="zh-TW" altLang="en-US"/>
           </a:p>
@@ -3208,7 +3272,7 @@
             <a:fld id="{0C0CC965-A63A-473D-BEFB-C8F9714D5269}" type="datetimeFigureOut">
               <a:rPr lang="zh-TW" altLang="en-US" smtClean="0"/>
               <a:pPr/>
-              <a:t>2022/5/8</a:t>
+              <a:t>2022/5/9</a:t>
             </a:fld>
             <a:endParaRPr lang="zh-TW" altLang="en-US"/>
           </a:p>
@@ -3748,8 +3812,15 @@
               <a:rPr lang="en-US" altLang="zh-TW" sz="4000" b="0" dirty="0"/>
             </a:br>
             <a:r>
-              <a:rPr lang="zh-TW" altLang="en-US" sz="4800" dirty="0"/>
-              <a:t>專案進度報告</a:t>
+              <a:rPr lang="zh-TW" altLang="en-US" sz="4000" b="0" dirty="0"/>
+              <a:t>心臟超音波影像</a:t>
+            </a:r>
+            <a:br>
+              <a:rPr lang="en-US" altLang="zh-TW" sz="4000" b="0" dirty="0"/>
+            </a:br>
+            <a:r>
+              <a:rPr lang="zh-TW" altLang="en-US" sz="4000" b="0" dirty="0"/>
+              <a:t>教學文件</a:t>
             </a:r>
             <a:endParaRPr lang="zh-TW" altLang="en-US" sz="4000" dirty="0"/>
           </a:p>
@@ -3767,8 +3838,8 @@
         </p:nvSpPr>
         <p:spPr>
           <a:xfrm>
-            <a:off x="838200" y="3933825"/>
-            <a:ext cx="10515600" cy="2325461"/>
+            <a:off x="838200" y="5327374"/>
+            <a:ext cx="10515600" cy="931912"/>
           </a:xfrm>
         </p:spPr>
         <p:txBody>
@@ -3783,42 +3854,6 @@
               <a:t>負  責  人：何佳曄</a:t>
             </a:r>
             <a:endParaRPr lang="en-US" altLang="zh-TW" dirty="0"/>
-          </a:p>
-          <a:p>
-            <a:pPr algn="l"/>
-            <a:r>
-              <a:rPr lang="zh-TW" altLang="en-US" dirty="0"/>
-              <a:t>目前成員：何佳曄</a:t>
-            </a:r>
-            <a:endParaRPr lang="en-US" altLang="zh-TW" dirty="0"/>
-          </a:p>
-          <a:p>
-            <a:pPr algn="l"/>
-            <a:r>
-              <a:rPr lang="zh-TW" altLang="en-US" dirty="0"/>
-              <a:t>報告日期：</a:t>
-            </a:r>
-            <a:r>
-              <a:rPr lang="en-US" altLang="zh-TW" dirty="0"/>
-              <a:t>2021.03.11</a:t>
-            </a:r>
-          </a:p>
-          <a:p>
-            <a:pPr algn="l"/>
-            <a:r>
-              <a:rPr lang="zh-TW" altLang="en-US" dirty="0"/>
-              <a:t>開始日期：</a:t>
-            </a:r>
-            <a:r>
-              <a:rPr lang="en-US" altLang="zh-TW" dirty="0"/>
-              <a:t>2021.03.05</a:t>
-            </a:r>
-          </a:p>
-          <a:p>
-            <a:r>
-              <a:rPr lang="zh-TW" altLang="en-US" dirty="0"/>
-              <a:t>結束日期：</a:t>
-            </a:r>
           </a:p>
         </p:txBody>
       </p:sp>
@@ -3826,6 +3861,1899 @@
     <p:extLst>
       <p:ext uri="{BB962C8B-B14F-4D97-AF65-F5344CB8AC3E}">
         <p14:creationId xmlns:p14="http://schemas.microsoft.com/office/powerpoint/2010/main" val="4056936614"/>
+      </p:ext>
+    </p:extLst>
+  </p:cSld>
+  <p:clrMapOvr>
+    <a:masterClrMapping/>
+  </p:clrMapOvr>
+</p:sld>
+</file>
+
+<file path=ppt/slides/slide10.xml><?xml version="1.0" encoding="utf-8"?>
+<p:sld xmlns:a="http://schemas.openxmlformats.org/drawingml/2006/main" xmlns:r="http://schemas.openxmlformats.org/officeDocument/2006/relationships" xmlns:p="http://schemas.openxmlformats.org/presentationml/2006/main">
+  <p:cSld>
+    <p:spTree>
+      <p:nvGrpSpPr>
+        <p:cNvPr id="1" name=""/>
+        <p:cNvGrpSpPr/>
+        <p:nvPr/>
+      </p:nvGrpSpPr>
+      <p:grpSpPr>
+        <a:xfrm>
+          <a:off x="0" y="0"/>
+          <a:ext cx="0" cy="0"/>
+          <a:chOff x="0" y="0"/>
+          <a:chExt cx="0" cy="0"/>
+        </a:xfrm>
+      </p:grpSpPr>
+      <p:sp>
+        <p:nvSpPr>
+          <p:cNvPr id="2" name="內容版面配置區 1">
+            <a:extLst>
+              <a:ext uri="{FF2B5EF4-FFF2-40B4-BE49-F238E27FC236}">
+                <a16:creationId xmlns:a16="http://schemas.microsoft.com/office/drawing/2014/main" id="{4E4E023D-3F40-4B3A-AEA0-AF9EA4EE7FCF}"/>
+              </a:ext>
+            </a:extLst>
+          </p:cNvPr>
+          <p:cNvSpPr>
+            <a:spLocks noGrp="1"/>
+          </p:cNvSpPr>
+          <p:nvPr>
+            <p:ph idx="1"/>
+          </p:nvPr>
+        </p:nvSpPr>
+        <p:spPr/>
+        <p:txBody>
+          <a:bodyPr>
+            <a:normAutofit/>
+          </a:bodyPr>
+          <a:lstStyle/>
+          <a:p>
+            <a:r>
+              <a:rPr lang="zh-TW" altLang="en-US" sz="2000" dirty="0"/>
+              <a:t> </a:t>
+            </a:r>
+            <a:r>
+              <a:rPr lang="en-US" altLang="zh-TW" sz="2000" dirty="0" err="1"/>
+              <a:t>Dicom</a:t>
+            </a:r>
+            <a:r>
+              <a:rPr lang="en-US" altLang="zh-TW" sz="2000" dirty="0"/>
+              <a:t> </a:t>
+            </a:r>
+            <a:r>
+              <a:rPr lang="zh-TW" altLang="en-US" sz="2000" dirty="0"/>
+              <a:t>裡面也包含了超音波影像資訊</a:t>
+            </a:r>
+            <a:r>
+              <a:rPr lang="en-US" altLang="zh-TW" sz="2000" dirty="0"/>
+              <a:t>(</a:t>
+            </a:r>
+            <a:r>
+              <a:rPr lang="en-US" altLang="zh-TW" sz="2000" dirty="0" err="1">
+                <a:solidFill>
+                  <a:srgbClr val="00B0F0"/>
+                </a:solidFill>
+              </a:rPr>
+              <a:t>pixel_array</a:t>
+            </a:r>
+            <a:r>
+              <a:rPr lang="en-US" altLang="zh-TW" sz="2000" dirty="0">
+                <a:solidFill>
+                  <a:srgbClr val="00B0F0"/>
+                </a:solidFill>
+              </a:rPr>
+              <a:t> </a:t>
+            </a:r>
+            <a:r>
+              <a:rPr lang="zh-TW" altLang="en-US" sz="2000" dirty="0"/>
+              <a:t>屬性</a:t>
+            </a:r>
+            <a:r>
+              <a:rPr lang="en-US" altLang="zh-TW" sz="2000" dirty="0"/>
+              <a:t>)</a:t>
+            </a:r>
+            <a:r>
+              <a:rPr lang="zh-TW" altLang="en-US" sz="2000" dirty="0"/>
+              <a:t>，由於要做影像處理通常會轉成較適合的影像格式，方便 </a:t>
+            </a:r>
+            <a:r>
+              <a:rPr lang="en-US" altLang="zh-TW" sz="2000" dirty="0"/>
+              <a:t>opencv</a:t>
+            </a:r>
+            <a:r>
+              <a:rPr lang="zh-TW" altLang="en-US" sz="2000" dirty="0"/>
+              <a:t> 讀取，因此先轉成 </a:t>
+            </a:r>
+            <a:r>
+              <a:rPr lang="en-US" altLang="zh-TW" sz="2000" dirty="0"/>
+              <a:t>avi </a:t>
+            </a:r>
+            <a:r>
+              <a:rPr lang="zh-TW" altLang="en-US" sz="2000" dirty="0"/>
+              <a:t>或 </a:t>
+            </a:r>
+            <a:r>
+              <a:rPr lang="en-US" altLang="zh-TW" sz="2000" dirty="0" err="1"/>
+              <a:t>png</a:t>
+            </a:r>
+            <a:r>
+              <a:rPr lang="zh-TW" altLang="en-US" sz="2000" dirty="0"/>
+              <a:t> 檔案。要注意的是 </a:t>
+            </a:r>
+            <a:r>
+              <a:rPr lang="en-US" altLang="zh-TW" sz="2000" dirty="0" err="1"/>
+              <a:t>Dicom</a:t>
+            </a:r>
+            <a:r>
+              <a:rPr lang="zh-TW" altLang="en-US" sz="2000" dirty="0"/>
+              <a:t> 的影像顏色通道並非為 </a:t>
+            </a:r>
+            <a:r>
+              <a:rPr lang="en-US" altLang="zh-TW" sz="2000" dirty="0"/>
+              <a:t>RGB</a:t>
+            </a:r>
+            <a:r>
+              <a:rPr lang="zh-TW" altLang="en-US" sz="2000" dirty="0"/>
+              <a:t>或 </a:t>
+            </a:r>
+            <a:r>
+              <a:rPr lang="en-US" altLang="zh-TW" sz="2000" dirty="0"/>
+              <a:t>BGR</a:t>
+            </a:r>
+            <a:r>
+              <a:rPr lang="zh-TW" altLang="en-US" sz="2000" dirty="0"/>
+              <a:t> 而是 </a:t>
+            </a:r>
+            <a:r>
+              <a:rPr lang="en-US" altLang="zh-TW" sz="2000" dirty="0"/>
+              <a:t>YUV</a:t>
+            </a:r>
+            <a:r>
+              <a:rPr lang="zh-TW" altLang="en-US" sz="2000" dirty="0"/>
+              <a:t>。</a:t>
+            </a:r>
+            <a:endParaRPr lang="en-US" altLang="zh-TW" sz="2000" dirty="0"/>
+          </a:p>
+        </p:txBody>
+      </p:sp>
+      <p:sp>
+        <p:nvSpPr>
+          <p:cNvPr id="3" name="標題 2">
+            <a:extLst>
+              <a:ext uri="{FF2B5EF4-FFF2-40B4-BE49-F238E27FC236}">
+                <a16:creationId xmlns:a16="http://schemas.microsoft.com/office/drawing/2014/main" id="{25064C52-DA7E-4B79-92ED-DAF7CB9A641A}"/>
+              </a:ext>
+            </a:extLst>
+          </p:cNvPr>
+          <p:cNvSpPr>
+            <a:spLocks noGrp="1"/>
+          </p:cNvSpPr>
+          <p:nvPr>
+            <p:ph type="title"/>
+          </p:nvPr>
+        </p:nvSpPr>
+        <p:spPr/>
+        <p:txBody>
+          <a:bodyPr/>
+          <a:lstStyle/>
+          <a:p>
+            <a:r>
+              <a:rPr lang="zh-TW" altLang="en-US" dirty="0"/>
+              <a:t>醫學影像轉成 </a:t>
+            </a:r>
+            <a:r>
+              <a:rPr lang="en-US" altLang="zh-TW" dirty="0"/>
+              <a:t>avi </a:t>
+            </a:r>
+            <a:r>
+              <a:rPr lang="zh-TW" altLang="en-US" dirty="0"/>
+              <a:t>或 </a:t>
+            </a:r>
+            <a:r>
+              <a:rPr lang="en-US" altLang="zh-TW" dirty="0" err="1"/>
+              <a:t>png</a:t>
+            </a:r>
+            <a:r>
+              <a:rPr lang="en-US" altLang="zh-TW" dirty="0"/>
+              <a:t> </a:t>
+            </a:r>
+            <a:r>
+              <a:rPr lang="zh-TW" altLang="en-US" dirty="0"/>
+              <a:t>檔案</a:t>
+            </a:r>
+          </a:p>
+        </p:txBody>
+      </p:sp>
+      <p:sp>
+        <p:nvSpPr>
+          <p:cNvPr id="5" name="文字方塊 4">
+            <a:extLst>
+              <a:ext uri="{FF2B5EF4-FFF2-40B4-BE49-F238E27FC236}">
+                <a16:creationId xmlns:a16="http://schemas.microsoft.com/office/drawing/2014/main" id="{5E221B54-8A9C-2526-13DD-553D743A0971}"/>
+              </a:ext>
+            </a:extLst>
+          </p:cNvPr>
+          <p:cNvSpPr txBox="1"/>
+          <p:nvPr/>
+        </p:nvSpPr>
+        <p:spPr>
+          <a:xfrm>
+            <a:off x="838200" y="5363762"/>
+            <a:ext cx="10577383" cy="584775"/>
+          </a:xfrm>
+          <a:prstGeom prst="rect">
+            <a:avLst/>
+          </a:prstGeom>
+          <a:noFill/>
+        </p:spPr>
+        <p:txBody>
+          <a:bodyPr wrap="none" rtlCol="0">
+            <a:spAutoFit/>
+          </a:bodyPr>
+          <a:lstStyle/>
+          <a:p>
+            <a:r>
+              <a:rPr lang="zh-TW" altLang="en-US" sz="1600" dirty="0">
+                <a:latin typeface="Times New Roman" panose="02020603050405020304" pitchFamily="18" charset="0"/>
+                <a:ea typeface="標楷體" panose="03000509000000000000" pitchFamily="65" charset="-120"/>
+              </a:rPr>
+              <a:t>在 </a:t>
+            </a:r>
+            <a:r>
+              <a:rPr lang="en-US" altLang="zh-TW" sz="1600" dirty="0">
+                <a:latin typeface="Times New Roman" panose="02020603050405020304" pitchFamily="18" charset="0"/>
+                <a:ea typeface="標楷體" panose="03000509000000000000" pitchFamily="65" charset="-120"/>
+              </a:rPr>
+              <a:t>G01-SourceCode/</a:t>
+            </a:r>
+            <a:r>
+              <a:rPr lang="zh-TW" altLang="en-US" sz="1600" dirty="0">
+                <a:latin typeface="Times New Roman" panose="02020603050405020304" pitchFamily="18" charset="0"/>
+                <a:ea typeface="標楷體" panose="03000509000000000000" pitchFamily="65" charset="-120"/>
+              </a:rPr>
+              <a:t>心臟超音波影像 </a:t>
+            </a:r>
+            <a:r>
+              <a:rPr lang="en-US" altLang="zh-TW" sz="1600" dirty="0">
+                <a:latin typeface="Times New Roman" panose="02020603050405020304" pitchFamily="18" charset="0"/>
+                <a:ea typeface="標楷體" panose="03000509000000000000" pitchFamily="65" charset="-120"/>
+              </a:rPr>
+              <a:t>1100507_1110429/A4C _To LV Muscle Semantic</a:t>
+            </a:r>
+            <a:r>
+              <a:rPr lang="zh-TW" altLang="en-US" sz="1600" dirty="0">
+                <a:latin typeface="Times New Roman" panose="02020603050405020304" pitchFamily="18" charset="0"/>
+                <a:ea typeface="標楷體" panose="03000509000000000000" pitchFamily="65" charset="-120"/>
+              </a:rPr>
+              <a:t>資料夾裡的 </a:t>
+            </a:r>
+            <a:r>
+              <a:rPr lang="en-US" altLang="zh-TW" sz="1600" dirty="0">
+                <a:latin typeface="Times New Roman" panose="02020603050405020304" pitchFamily="18" charset="0"/>
+                <a:ea typeface="標楷體" panose="03000509000000000000" pitchFamily="65" charset="-120"/>
+              </a:rPr>
+              <a:t>“DCMToAVI.py”</a:t>
+            </a:r>
+            <a:r>
+              <a:rPr lang="zh-TW" altLang="en-US" sz="1600" dirty="0">
+                <a:latin typeface="Times New Roman" panose="02020603050405020304" pitchFamily="18" charset="0"/>
+                <a:ea typeface="標楷體" panose="03000509000000000000" pitchFamily="65" charset="-120"/>
+              </a:rPr>
+              <a:t> 程式</a:t>
+            </a:r>
+            <a:endParaRPr lang="en-US" altLang="zh-TW" sz="1600" dirty="0">
+              <a:latin typeface="Times New Roman" panose="02020603050405020304" pitchFamily="18" charset="0"/>
+              <a:ea typeface="標楷體" panose="03000509000000000000" pitchFamily="65" charset="-120"/>
+            </a:endParaRPr>
+          </a:p>
+          <a:p>
+            <a:r>
+              <a:rPr lang="zh-TW" altLang="en-US" sz="1600" dirty="0">
+                <a:latin typeface="Times New Roman" panose="02020603050405020304" pitchFamily="18" charset="0"/>
+                <a:ea typeface="標楷體" panose="03000509000000000000" pitchFamily="65" charset="-120"/>
+              </a:rPr>
+              <a:t>在 </a:t>
+            </a:r>
+            <a:r>
+              <a:rPr lang="en-US" altLang="zh-TW" sz="1600" dirty="0">
+                <a:latin typeface="Times New Roman" panose="02020603050405020304" pitchFamily="18" charset="0"/>
+                <a:ea typeface="標楷體" panose="03000509000000000000" pitchFamily="65" charset="-120"/>
+              </a:rPr>
+              <a:t>N01-API</a:t>
+            </a:r>
+            <a:r>
+              <a:rPr lang="zh-TW" altLang="en-US" sz="1600" dirty="0">
+                <a:latin typeface="Times New Roman" panose="02020603050405020304" pitchFamily="18" charset="0"/>
+                <a:ea typeface="標楷體" panose="03000509000000000000" pitchFamily="65" charset="-120"/>
+              </a:rPr>
+              <a:t> 資料夾有 </a:t>
+            </a:r>
+            <a:r>
+              <a:rPr lang="en-US" altLang="zh-TW" sz="1600" dirty="0">
+                <a:latin typeface="Times New Roman" panose="02020603050405020304" pitchFamily="18" charset="0"/>
+                <a:ea typeface="標楷體" panose="03000509000000000000" pitchFamily="65" charset="-120"/>
+              </a:rPr>
+              <a:t>A4C LV Muscle Semantic API</a:t>
+            </a:r>
+            <a:r>
+              <a:rPr lang="zh-TW" altLang="en-US" sz="1600" dirty="0">
+                <a:latin typeface="Times New Roman" panose="02020603050405020304" pitchFamily="18" charset="0"/>
+                <a:ea typeface="標楷體" panose="03000509000000000000" pitchFamily="65" charset="-120"/>
+              </a:rPr>
+              <a:t> 文件裡的 </a:t>
+            </a:r>
+            <a:r>
+              <a:rPr lang="en-US" altLang="zh-TW" sz="1600" dirty="0">
+                <a:latin typeface="Times New Roman" panose="02020603050405020304" pitchFamily="18" charset="0"/>
+                <a:ea typeface="標楷體" panose="03000509000000000000" pitchFamily="65" charset="-120"/>
+              </a:rPr>
+              <a:t>DCMToAVI.py </a:t>
+            </a:r>
+            <a:r>
+              <a:rPr lang="zh-TW" altLang="en-US" sz="1600" dirty="0">
+                <a:latin typeface="Times New Roman" panose="02020603050405020304" pitchFamily="18" charset="0"/>
+                <a:ea typeface="標楷體" panose="03000509000000000000" pitchFamily="65" charset="-120"/>
+              </a:rPr>
+              <a:t>參考。</a:t>
+            </a:r>
+          </a:p>
+        </p:txBody>
+      </p:sp>
+      <p:sp>
+        <p:nvSpPr>
+          <p:cNvPr id="4" name="文字方塊 3">
+            <a:extLst>
+              <a:ext uri="{FF2B5EF4-FFF2-40B4-BE49-F238E27FC236}">
+                <a16:creationId xmlns:a16="http://schemas.microsoft.com/office/drawing/2014/main" id="{1484FF37-003A-4B6B-2A22-200217CDF27F}"/>
+              </a:ext>
+            </a:extLst>
+          </p:cNvPr>
+          <p:cNvSpPr txBox="1"/>
+          <p:nvPr/>
+        </p:nvSpPr>
+        <p:spPr>
+          <a:xfrm>
+            <a:off x="962025" y="2105025"/>
+            <a:ext cx="7412607" cy="584775"/>
+          </a:xfrm>
+          <a:prstGeom prst="rect">
+            <a:avLst/>
+          </a:prstGeom>
+          <a:noFill/>
+        </p:spPr>
+        <p:txBody>
+          <a:bodyPr wrap="none" rtlCol="0">
+            <a:spAutoFit/>
+          </a:bodyPr>
+          <a:lstStyle/>
+          <a:p>
+            <a:r>
+              <a:rPr lang="zh-TW" altLang="en-US" sz="1600" dirty="0">
+                <a:latin typeface="Times New Roman" panose="02020603050405020304" pitchFamily="18" charset="0"/>
+                <a:ea typeface="標楷體" panose="03000509000000000000" pitchFamily="65" charset="-120"/>
+              </a:rPr>
+              <a:t>在醫生給的資料集裡，</a:t>
+            </a:r>
+            <a:r>
+              <a:rPr lang="en-US" altLang="zh-TW" sz="1600" dirty="0" err="1">
+                <a:latin typeface="Times New Roman" panose="02020603050405020304" pitchFamily="18" charset="0"/>
+                <a:ea typeface="標楷體" panose="03000509000000000000" pitchFamily="65" charset="-120"/>
+              </a:rPr>
+              <a:t>Dicom</a:t>
+            </a:r>
+            <a:r>
+              <a:rPr lang="en-US" altLang="zh-TW" sz="1600" dirty="0">
+                <a:latin typeface="Times New Roman" panose="02020603050405020304" pitchFamily="18" charset="0"/>
+                <a:ea typeface="標楷體" panose="03000509000000000000" pitchFamily="65" charset="-120"/>
+              </a:rPr>
+              <a:t> </a:t>
+            </a:r>
+            <a:r>
+              <a:rPr lang="zh-TW" altLang="en-US" sz="1600" dirty="0">
+                <a:latin typeface="Times New Roman" panose="02020603050405020304" pitchFamily="18" charset="0"/>
+                <a:ea typeface="標楷體" panose="03000509000000000000" pitchFamily="65" charset="-120"/>
+              </a:rPr>
+              <a:t>檔案有圖片或影片，因此在轉換前必須先判斷屬於 </a:t>
+            </a:r>
+            <a:endParaRPr lang="en-US" altLang="zh-TW" sz="1600" dirty="0">
+              <a:latin typeface="Times New Roman" panose="02020603050405020304" pitchFamily="18" charset="0"/>
+              <a:ea typeface="標楷體" panose="03000509000000000000" pitchFamily="65" charset="-120"/>
+            </a:endParaRPr>
+          </a:p>
+          <a:p>
+            <a:r>
+              <a:rPr lang="zh-TW" altLang="en-US" sz="1600" dirty="0">
+                <a:latin typeface="Times New Roman" panose="02020603050405020304" pitchFamily="18" charset="0"/>
+                <a:ea typeface="標楷體" panose="03000509000000000000" pitchFamily="65" charset="-120"/>
+              </a:rPr>
+              <a:t>彩色影片、灰階影片、彩色圖片、灰階圖片再進行轉換。</a:t>
+            </a:r>
+            <a:endParaRPr lang="en-US" altLang="zh-TW" sz="1600" dirty="0">
+              <a:latin typeface="Times New Roman" panose="02020603050405020304" pitchFamily="18" charset="0"/>
+              <a:ea typeface="標楷體" panose="03000509000000000000" pitchFamily="65" charset="-120"/>
+            </a:endParaRPr>
+          </a:p>
+        </p:txBody>
+      </p:sp>
+    </p:spTree>
+    <p:extLst>
+      <p:ext uri="{BB962C8B-B14F-4D97-AF65-F5344CB8AC3E}">
+        <p14:creationId xmlns:p14="http://schemas.microsoft.com/office/powerpoint/2010/main" val="1474942272"/>
+      </p:ext>
+    </p:extLst>
+  </p:cSld>
+  <p:clrMapOvr>
+    <a:masterClrMapping/>
+  </p:clrMapOvr>
+</p:sld>
+</file>
+
+<file path=ppt/slides/slide11.xml><?xml version="1.0" encoding="utf-8"?>
+<p:sld xmlns:a="http://schemas.openxmlformats.org/drawingml/2006/main" xmlns:r="http://schemas.openxmlformats.org/officeDocument/2006/relationships" xmlns:p="http://schemas.openxmlformats.org/presentationml/2006/main">
+  <p:cSld>
+    <p:spTree>
+      <p:nvGrpSpPr>
+        <p:cNvPr id="1" name=""/>
+        <p:cNvGrpSpPr/>
+        <p:nvPr/>
+      </p:nvGrpSpPr>
+      <p:grpSpPr>
+        <a:xfrm>
+          <a:off x="0" y="0"/>
+          <a:ext cx="0" cy="0"/>
+          <a:chOff x="0" y="0"/>
+          <a:chExt cx="0" cy="0"/>
+        </a:xfrm>
+      </p:grpSpPr>
+      <p:sp>
+        <p:nvSpPr>
+          <p:cNvPr id="2" name="內容版面配置區 1">
+            <a:extLst>
+              <a:ext uri="{FF2B5EF4-FFF2-40B4-BE49-F238E27FC236}">
+                <a16:creationId xmlns:a16="http://schemas.microsoft.com/office/drawing/2014/main" id="{4E4E023D-3F40-4B3A-AEA0-AF9EA4EE7FCF}"/>
+              </a:ext>
+            </a:extLst>
+          </p:cNvPr>
+          <p:cNvSpPr>
+            <a:spLocks noGrp="1"/>
+          </p:cNvSpPr>
+          <p:nvPr>
+            <p:ph idx="1"/>
+          </p:nvPr>
+        </p:nvSpPr>
+        <p:spPr/>
+        <p:txBody>
+          <a:bodyPr>
+            <a:normAutofit/>
+          </a:bodyPr>
+          <a:lstStyle/>
+          <a:p>
+            <a:r>
+              <a:rPr lang="zh-TW" altLang="en-US" sz="2000" dirty="0"/>
+              <a:t> 由於真實患者的超音波影像會有診斷資料等文字。為了將目標鎖定在影像處理的區域，我們優先找出超音波影像範圍</a:t>
+            </a:r>
+            <a:r>
+              <a:rPr lang="en-US" altLang="zh-TW" sz="2000" dirty="0"/>
+              <a:t>(ROI)</a:t>
+            </a:r>
+            <a:r>
+              <a:rPr lang="zh-TW" altLang="en-US" sz="2000" dirty="0"/>
+              <a:t>。</a:t>
+            </a:r>
+            <a:r>
+              <a:rPr lang="zh-TW" altLang="en-US" sz="2000" dirty="0">
+                <a:solidFill>
+                  <a:srgbClr val="FF0000"/>
+                </a:solidFill>
+              </a:rPr>
+              <a:t>找出超音波影像邊緣</a:t>
+            </a:r>
+            <a:r>
+              <a:rPr lang="zh-TW" altLang="en-US" sz="2000" dirty="0"/>
+              <a:t>，利用遮罩的方法，將超音波影像區域取出。</a:t>
+            </a:r>
+            <a:r>
+              <a:rPr lang="en-US" altLang="zh-TW" sz="2000" dirty="0"/>
+              <a:t>(</a:t>
+            </a:r>
+            <a:r>
+              <a:rPr lang="zh-TW" altLang="en-US" sz="2000" dirty="0"/>
+              <a:t>後面會介紹做法，可跳過會使用即可。</a:t>
+            </a:r>
+            <a:r>
+              <a:rPr lang="en-US" altLang="zh-TW" sz="2000" dirty="0"/>
+              <a:t>)</a:t>
+            </a:r>
+          </a:p>
+        </p:txBody>
+      </p:sp>
+      <p:sp>
+        <p:nvSpPr>
+          <p:cNvPr id="3" name="標題 2">
+            <a:extLst>
+              <a:ext uri="{FF2B5EF4-FFF2-40B4-BE49-F238E27FC236}">
+                <a16:creationId xmlns:a16="http://schemas.microsoft.com/office/drawing/2014/main" id="{25064C52-DA7E-4B79-92ED-DAF7CB9A641A}"/>
+              </a:ext>
+            </a:extLst>
+          </p:cNvPr>
+          <p:cNvSpPr>
+            <a:spLocks noGrp="1"/>
+          </p:cNvSpPr>
+          <p:nvPr>
+            <p:ph type="title"/>
+          </p:nvPr>
+        </p:nvSpPr>
+        <p:spPr/>
+        <p:txBody>
+          <a:bodyPr/>
+          <a:lstStyle/>
+          <a:p>
+            <a:r>
+              <a:rPr lang="zh-TW" altLang="en-US" dirty="0"/>
+              <a:t>感興趣區域</a:t>
+            </a:r>
+            <a:r>
+              <a:rPr lang="en-US" altLang="zh-TW" dirty="0"/>
+              <a:t>(Region of Interest)</a:t>
+            </a:r>
+            <a:endParaRPr lang="zh-TW" altLang="en-US" dirty="0"/>
+          </a:p>
+        </p:txBody>
+      </p:sp>
+      <p:sp>
+        <p:nvSpPr>
+          <p:cNvPr id="5" name="文字方塊 4">
+            <a:extLst>
+              <a:ext uri="{FF2B5EF4-FFF2-40B4-BE49-F238E27FC236}">
+                <a16:creationId xmlns:a16="http://schemas.microsoft.com/office/drawing/2014/main" id="{5E221B54-8A9C-2526-13DD-553D743A0971}"/>
+              </a:ext>
+            </a:extLst>
+          </p:cNvPr>
+          <p:cNvSpPr txBox="1"/>
+          <p:nvPr/>
+        </p:nvSpPr>
+        <p:spPr>
+          <a:xfrm>
+            <a:off x="235808" y="5654851"/>
+            <a:ext cx="12094593" cy="584775"/>
+          </a:xfrm>
+          <a:prstGeom prst="rect">
+            <a:avLst/>
+          </a:prstGeom>
+          <a:noFill/>
+        </p:spPr>
+        <p:txBody>
+          <a:bodyPr wrap="none" rtlCol="0">
+            <a:spAutoFit/>
+          </a:bodyPr>
+          <a:lstStyle/>
+          <a:p>
+            <a:r>
+              <a:rPr lang="zh-TW" altLang="en-US" sz="1600" dirty="0">
+                <a:latin typeface="Times New Roman" panose="02020603050405020304" pitchFamily="18" charset="0"/>
+                <a:ea typeface="標楷體" panose="03000509000000000000" pitchFamily="65" charset="-120"/>
+              </a:rPr>
+              <a:t>在 </a:t>
+            </a:r>
+            <a:r>
+              <a:rPr lang="en-US" altLang="zh-TW" sz="1600" dirty="0">
+                <a:latin typeface="Times New Roman" panose="02020603050405020304" pitchFamily="18" charset="0"/>
+                <a:ea typeface="標楷體" panose="03000509000000000000" pitchFamily="65" charset="-120"/>
+              </a:rPr>
+              <a:t>G01-SourceCode/</a:t>
+            </a:r>
+            <a:r>
+              <a:rPr lang="zh-TW" altLang="en-US" sz="1600" dirty="0">
+                <a:latin typeface="Times New Roman" panose="02020603050405020304" pitchFamily="18" charset="0"/>
+                <a:ea typeface="標楷體" panose="03000509000000000000" pitchFamily="65" charset="-120"/>
+              </a:rPr>
+              <a:t>心臟超音波影像 </a:t>
+            </a:r>
+            <a:r>
+              <a:rPr lang="en-US" altLang="zh-TW" sz="1600" dirty="0">
+                <a:latin typeface="Times New Roman" panose="02020603050405020304" pitchFamily="18" charset="0"/>
+                <a:ea typeface="標楷體" panose="03000509000000000000" pitchFamily="65" charset="-120"/>
+              </a:rPr>
+              <a:t>1100507_1110429</a:t>
+            </a:r>
+            <a:r>
+              <a:rPr lang="zh-TW" altLang="en-US" sz="1600" dirty="0">
+                <a:latin typeface="Times New Roman" panose="02020603050405020304" pitchFamily="18" charset="0"/>
+                <a:ea typeface="標楷體" panose="03000509000000000000" pitchFamily="65" charset="-120"/>
+              </a:rPr>
+              <a:t> 資料夾裡的 </a:t>
+            </a:r>
+            <a:r>
+              <a:rPr lang="en-US" altLang="zh-TW" sz="1600" dirty="0">
+                <a:latin typeface="Times New Roman" panose="02020603050405020304" pitchFamily="18" charset="0"/>
+                <a:ea typeface="標楷體" panose="03000509000000000000" pitchFamily="65" charset="-120"/>
+              </a:rPr>
+              <a:t>“VideoROI.py”</a:t>
+            </a:r>
+            <a:r>
+              <a:rPr lang="zh-TW" altLang="en-US" sz="1600" dirty="0">
+                <a:latin typeface="Times New Roman" panose="02020603050405020304" pitchFamily="18" charset="0"/>
+                <a:ea typeface="標楷體" panose="03000509000000000000" pitchFamily="65" charset="-120"/>
+              </a:rPr>
+              <a:t> 程式</a:t>
+            </a:r>
+            <a:endParaRPr lang="en-US" altLang="zh-TW" sz="1600" dirty="0">
+              <a:latin typeface="Times New Roman" panose="02020603050405020304" pitchFamily="18" charset="0"/>
+              <a:ea typeface="標楷體" panose="03000509000000000000" pitchFamily="65" charset="-120"/>
+            </a:endParaRPr>
+          </a:p>
+          <a:p>
+            <a:r>
+              <a:rPr lang="zh-TW" altLang="en-US" sz="1600" dirty="0">
+                <a:latin typeface="Times New Roman" panose="02020603050405020304" pitchFamily="18" charset="0"/>
+                <a:ea typeface="標楷體" panose="03000509000000000000" pitchFamily="65" charset="-120"/>
+              </a:rPr>
+              <a:t>在 </a:t>
+            </a:r>
+            <a:r>
+              <a:rPr lang="en-US" altLang="zh-TW" sz="1600" dirty="0">
+                <a:latin typeface="Times New Roman" panose="02020603050405020304" pitchFamily="18" charset="0"/>
+                <a:ea typeface="標楷體" panose="03000509000000000000" pitchFamily="65" charset="-120"/>
+              </a:rPr>
+              <a:t>N01-API</a:t>
+            </a:r>
+            <a:r>
+              <a:rPr lang="zh-TW" altLang="en-US" sz="1600" dirty="0">
+                <a:latin typeface="Times New Roman" panose="02020603050405020304" pitchFamily="18" charset="0"/>
+                <a:ea typeface="標楷體" panose="03000509000000000000" pitchFamily="65" charset="-120"/>
+              </a:rPr>
+              <a:t> 資料夾有 </a:t>
+            </a:r>
+            <a:r>
+              <a:rPr lang="en-US" altLang="zh-TW" sz="1600" dirty="0" err="1">
+                <a:latin typeface="Times New Roman" panose="02020603050405020304" pitchFamily="18" charset="0"/>
+                <a:ea typeface="標楷體" panose="03000509000000000000" pitchFamily="65" charset="-120"/>
+              </a:rPr>
+              <a:t>VideoROI</a:t>
+            </a:r>
+            <a:r>
+              <a:rPr lang="en-US" altLang="zh-TW" sz="1600" dirty="0">
+                <a:latin typeface="Times New Roman" panose="02020603050405020304" pitchFamily="18" charset="0"/>
+                <a:ea typeface="標楷體" panose="03000509000000000000" pitchFamily="65" charset="-120"/>
+              </a:rPr>
+              <a:t>  API</a:t>
+            </a:r>
+            <a:r>
+              <a:rPr lang="zh-TW" altLang="en-US" sz="1600" dirty="0">
+                <a:latin typeface="Times New Roman" panose="02020603050405020304" pitchFamily="18" charset="0"/>
+                <a:ea typeface="標楷體" panose="03000509000000000000" pitchFamily="65" charset="-120"/>
+              </a:rPr>
+              <a:t> 文件裡的 </a:t>
+            </a:r>
+            <a:r>
+              <a:rPr lang="en-US" altLang="zh-TW" sz="1600" dirty="0">
+                <a:latin typeface="Times New Roman" panose="02020603050405020304" pitchFamily="18" charset="0"/>
+                <a:ea typeface="標楷體" panose="03000509000000000000" pitchFamily="65" charset="-120"/>
+              </a:rPr>
+              <a:t>VideoROI.py </a:t>
+            </a:r>
+            <a:r>
+              <a:rPr lang="zh-TW" altLang="en-US" sz="1600" dirty="0">
+                <a:latin typeface="Times New Roman" panose="02020603050405020304" pitchFamily="18" charset="0"/>
+                <a:ea typeface="標楷體" panose="03000509000000000000" pitchFamily="65" charset="-120"/>
+              </a:rPr>
+              <a:t>參考。</a:t>
+            </a:r>
+            <a:r>
+              <a:rPr lang="en-US" altLang="zh-TW" sz="1600" dirty="0">
+                <a:latin typeface="Times New Roman" panose="02020603050405020304" pitchFamily="18" charset="0"/>
+                <a:ea typeface="標楷體" panose="03000509000000000000" pitchFamily="65" charset="-120"/>
+              </a:rPr>
+              <a:t>(</a:t>
+            </a:r>
+            <a:r>
+              <a:rPr lang="zh-TW" altLang="en-US" sz="1600" dirty="0">
+                <a:latin typeface="Times New Roman" panose="02020603050405020304" pitchFamily="18" charset="0"/>
+                <a:ea typeface="標楷體" panose="03000509000000000000" pitchFamily="65" charset="-120"/>
+              </a:rPr>
+              <a:t>後來在 </a:t>
+            </a:r>
+            <a:r>
+              <a:rPr lang="en-US" altLang="zh-TW" sz="1600" dirty="0">
+                <a:latin typeface="Times New Roman" panose="02020603050405020304" pitchFamily="18" charset="0"/>
+                <a:ea typeface="標楷體" panose="03000509000000000000" pitchFamily="65" charset="-120"/>
+              </a:rPr>
+              <a:t>A4C</a:t>
+            </a:r>
+            <a:r>
+              <a:rPr lang="zh-TW" altLang="en-US" sz="1600" dirty="0">
+                <a:latin typeface="Times New Roman" panose="02020603050405020304" pitchFamily="18" charset="0"/>
+                <a:ea typeface="標楷體" panose="03000509000000000000" pitchFamily="65" charset="-120"/>
+              </a:rPr>
+              <a:t> </a:t>
+            </a:r>
+            <a:r>
+              <a:rPr lang="en-US" altLang="zh-TW" sz="1600" dirty="0">
+                <a:latin typeface="Times New Roman" panose="02020603050405020304" pitchFamily="18" charset="0"/>
+                <a:ea typeface="標楷體" panose="03000509000000000000" pitchFamily="65" charset="-120"/>
+              </a:rPr>
+              <a:t>LV Muscle Semantic</a:t>
+            </a:r>
+            <a:r>
+              <a:rPr lang="zh-TW" altLang="en-US" sz="1600" dirty="0">
+                <a:latin typeface="Times New Roman" panose="02020603050405020304" pitchFamily="18" charset="0"/>
+                <a:ea typeface="標楷體" panose="03000509000000000000" pitchFamily="65" charset="-120"/>
+              </a:rPr>
+              <a:t> 裡有調整回傳值，但過程相同</a:t>
+            </a:r>
+            <a:r>
+              <a:rPr lang="en-US" altLang="zh-TW" sz="1600" dirty="0">
+                <a:latin typeface="Times New Roman" panose="02020603050405020304" pitchFamily="18" charset="0"/>
+                <a:ea typeface="標楷體" panose="03000509000000000000" pitchFamily="65" charset="-120"/>
+              </a:rPr>
+              <a:t>)</a:t>
+            </a:r>
+            <a:endParaRPr lang="zh-TW" altLang="en-US" sz="1600" dirty="0">
+              <a:latin typeface="Times New Roman" panose="02020603050405020304" pitchFamily="18" charset="0"/>
+              <a:ea typeface="標楷體" panose="03000509000000000000" pitchFamily="65" charset="-120"/>
+            </a:endParaRPr>
+          </a:p>
+        </p:txBody>
+      </p:sp>
+      <p:pic>
+        <p:nvPicPr>
+          <p:cNvPr id="7" name="圖片 6">
+            <a:extLst>
+              <a:ext uri="{FF2B5EF4-FFF2-40B4-BE49-F238E27FC236}">
+                <a16:creationId xmlns:a16="http://schemas.microsoft.com/office/drawing/2014/main" id="{4B8C013C-B03E-6067-332C-7A1AF4F2D08A}"/>
+              </a:ext>
+            </a:extLst>
+          </p:cNvPr>
+          <p:cNvPicPr>
+            <a:picLocks noChangeAspect="1"/>
+          </p:cNvPicPr>
+          <p:nvPr/>
+        </p:nvPicPr>
+        <p:blipFill>
+          <a:blip r:embed="rId2" cstate="print">
+            <a:extLst>
+              <a:ext uri="{28A0092B-C50C-407E-A947-70E740481C1C}">
+                <a14:useLocalDpi xmlns:a14="http://schemas.microsoft.com/office/drawing/2010/main" val="0"/>
+              </a:ext>
+            </a:extLst>
+          </a:blip>
+          <a:stretch>
+            <a:fillRect/>
+          </a:stretch>
+        </p:blipFill>
+        <p:spPr>
+          <a:xfrm>
+            <a:off x="1016793" y="2119304"/>
+            <a:ext cx="4298156" cy="3118058"/>
+          </a:xfrm>
+          <a:prstGeom prst="rect">
+            <a:avLst/>
+          </a:prstGeom>
+        </p:spPr>
+      </p:pic>
+      <p:pic>
+        <p:nvPicPr>
+          <p:cNvPr id="9" name="圖片 8">
+            <a:extLst>
+              <a:ext uri="{FF2B5EF4-FFF2-40B4-BE49-F238E27FC236}">
+                <a16:creationId xmlns:a16="http://schemas.microsoft.com/office/drawing/2014/main" id="{32417CBF-F4BB-A04B-1606-610105540FBB}"/>
+              </a:ext>
+            </a:extLst>
+          </p:cNvPr>
+          <p:cNvPicPr>
+            <a:picLocks noChangeAspect="1"/>
+          </p:cNvPicPr>
+          <p:nvPr/>
+        </p:nvPicPr>
+        <p:blipFill>
+          <a:blip r:embed="rId3">
+            <a:extLst>
+              <a:ext uri="{28A0092B-C50C-407E-A947-70E740481C1C}">
+                <a14:useLocalDpi xmlns:a14="http://schemas.microsoft.com/office/drawing/2010/main" val="0"/>
+              </a:ext>
+            </a:extLst>
+          </a:blip>
+          <a:stretch>
+            <a:fillRect/>
+          </a:stretch>
+        </p:blipFill>
+        <p:spPr>
+          <a:xfrm>
+            <a:off x="5665291" y="2161709"/>
+            <a:ext cx="4171316" cy="3118058"/>
+          </a:xfrm>
+          <a:prstGeom prst="rect">
+            <a:avLst/>
+          </a:prstGeom>
+        </p:spPr>
+      </p:pic>
+      <p:sp>
+        <p:nvSpPr>
+          <p:cNvPr id="10" name="文字方塊 9">
+            <a:extLst>
+              <a:ext uri="{FF2B5EF4-FFF2-40B4-BE49-F238E27FC236}">
+                <a16:creationId xmlns:a16="http://schemas.microsoft.com/office/drawing/2014/main" id="{96F909A8-F2B1-1A77-1BFC-5A00671BBD27}"/>
+              </a:ext>
+            </a:extLst>
+          </p:cNvPr>
+          <p:cNvSpPr txBox="1"/>
+          <p:nvPr/>
+        </p:nvSpPr>
+        <p:spPr>
+          <a:xfrm>
+            <a:off x="2355393" y="5218251"/>
+            <a:ext cx="1620957" cy="338554"/>
+          </a:xfrm>
+          <a:prstGeom prst="rect">
+            <a:avLst/>
+          </a:prstGeom>
+          <a:noFill/>
+        </p:spPr>
+        <p:txBody>
+          <a:bodyPr wrap="none" rtlCol="0">
+            <a:spAutoFit/>
+          </a:bodyPr>
+          <a:lstStyle/>
+          <a:p>
+            <a:r>
+              <a:rPr lang="zh-TW" altLang="en-US" sz="1600" dirty="0">
+                <a:latin typeface="標楷體" panose="03000509000000000000" pitchFamily="65" charset="-120"/>
+                <a:ea typeface="標楷體" panose="03000509000000000000" pitchFamily="65" charset="-120"/>
+              </a:rPr>
+              <a:t>原始超音波影像</a:t>
+            </a:r>
+          </a:p>
+        </p:txBody>
+      </p:sp>
+      <p:sp>
+        <p:nvSpPr>
+          <p:cNvPr id="11" name="文字方塊 10">
+            <a:extLst>
+              <a:ext uri="{FF2B5EF4-FFF2-40B4-BE49-F238E27FC236}">
+                <a16:creationId xmlns:a16="http://schemas.microsoft.com/office/drawing/2014/main" id="{F5714B64-A02F-C3BB-CFA0-A5A49F5EB846}"/>
+              </a:ext>
+            </a:extLst>
+          </p:cNvPr>
+          <p:cNvSpPr txBox="1"/>
+          <p:nvPr/>
+        </p:nvSpPr>
+        <p:spPr>
+          <a:xfrm>
+            <a:off x="6984547" y="5223675"/>
+            <a:ext cx="1409360" cy="338554"/>
+          </a:xfrm>
+          <a:prstGeom prst="rect">
+            <a:avLst/>
+          </a:prstGeom>
+          <a:noFill/>
+        </p:spPr>
+        <p:txBody>
+          <a:bodyPr wrap="none" rtlCol="0">
+            <a:spAutoFit/>
+          </a:bodyPr>
+          <a:lstStyle/>
+          <a:p>
+            <a:r>
+              <a:rPr lang="en-US" altLang="zh-TW" sz="1600" dirty="0">
+                <a:latin typeface="Times New Roman" panose="02020603050405020304" pitchFamily="18" charset="0"/>
+                <a:ea typeface="標楷體" panose="03000509000000000000" pitchFamily="65" charset="-120"/>
+              </a:rPr>
+              <a:t>ROI </a:t>
+            </a:r>
+            <a:r>
+              <a:rPr lang="zh-TW" altLang="en-US" sz="1600" dirty="0">
+                <a:latin typeface="Times New Roman" panose="02020603050405020304" pitchFamily="18" charset="0"/>
+                <a:ea typeface="標楷體" panose="03000509000000000000" pitchFamily="65" charset="-120"/>
+              </a:rPr>
+              <a:t>遮罩區域</a:t>
+            </a:r>
+          </a:p>
+        </p:txBody>
+      </p:sp>
+    </p:spTree>
+    <p:extLst>
+      <p:ext uri="{BB962C8B-B14F-4D97-AF65-F5344CB8AC3E}">
+        <p14:creationId xmlns:p14="http://schemas.microsoft.com/office/powerpoint/2010/main" val="974154891"/>
+      </p:ext>
+    </p:extLst>
+  </p:cSld>
+  <p:clrMapOvr>
+    <a:masterClrMapping/>
+  </p:clrMapOvr>
+</p:sld>
+</file>
+
+<file path=ppt/slides/slide12.xml><?xml version="1.0" encoding="utf-8"?>
+<p:sld xmlns:a="http://schemas.openxmlformats.org/drawingml/2006/main" xmlns:r="http://schemas.openxmlformats.org/officeDocument/2006/relationships" xmlns:p="http://schemas.openxmlformats.org/presentationml/2006/main">
+  <p:cSld>
+    <p:spTree>
+      <p:nvGrpSpPr>
+        <p:cNvPr id="1" name=""/>
+        <p:cNvGrpSpPr/>
+        <p:nvPr/>
+      </p:nvGrpSpPr>
+      <p:grpSpPr>
+        <a:xfrm>
+          <a:off x="0" y="0"/>
+          <a:ext cx="0" cy="0"/>
+          <a:chOff x="0" y="0"/>
+          <a:chExt cx="0" cy="0"/>
+        </a:xfrm>
+      </p:grpSpPr>
+      <p:sp>
+        <p:nvSpPr>
+          <p:cNvPr id="2" name="內容版面配置區 1">
+            <a:extLst>
+              <a:ext uri="{FF2B5EF4-FFF2-40B4-BE49-F238E27FC236}">
+                <a16:creationId xmlns:a16="http://schemas.microsoft.com/office/drawing/2014/main" id="{4E4E023D-3F40-4B3A-AEA0-AF9EA4EE7FCF}"/>
+              </a:ext>
+            </a:extLst>
+          </p:cNvPr>
+          <p:cNvSpPr>
+            <a:spLocks noGrp="1"/>
+          </p:cNvSpPr>
+          <p:nvPr>
+            <p:ph idx="1"/>
+          </p:nvPr>
+        </p:nvSpPr>
+        <p:spPr/>
+        <p:txBody>
+          <a:bodyPr>
+            <a:normAutofit/>
+          </a:bodyPr>
+          <a:lstStyle/>
+          <a:p>
+            <a:pPr marL="457200" indent="-457200">
+              <a:buFont typeface="+mj-lt"/>
+              <a:buAutoNum type="arabicPeriod"/>
+            </a:pPr>
+            <a:r>
+              <a:rPr lang="zh-TW" altLang="en-US" sz="1800" dirty="0"/>
+              <a:t>利用超音波影像模糊特性，將每幀影像和第一幀影像做差幀算法。</a:t>
+            </a:r>
+            <a:endParaRPr lang="en-US" altLang="zh-TW" sz="1800" dirty="0"/>
+          </a:p>
+          <a:p>
+            <a:pPr marL="0" indent="0">
+              <a:buNone/>
+            </a:pPr>
+            <a:r>
+              <a:rPr lang="en-US" altLang="zh-TW" dirty="0"/>
+              <a:t>  (</a:t>
+            </a:r>
+            <a:r>
+              <a:rPr lang="zh-TW" altLang="en-US" dirty="0"/>
+              <a:t>使用 </a:t>
+            </a:r>
+            <a:r>
+              <a:rPr lang="en-US" altLang="zh-TW" dirty="0"/>
+              <a:t>cv2.absdiff(first frame, current frame))</a:t>
+            </a:r>
+          </a:p>
+          <a:p>
+            <a:pPr marL="342900" indent="-342900">
+              <a:buFont typeface="+mj-lt"/>
+              <a:buAutoNum type="arabicPeriod" startAt="2"/>
+            </a:pPr>
+            <a:r>
+              <a:rPr lang="zh-TW" altLang="en-US" sz="1800" dirty="0"/>
+              <a:t>  設定門檻值過濾掉部分區域。</a:t>
+            </a:r>
+            <a:r>
+              <a:rPr lang="en-US" altLang="zh-TW" dirty="0"/>
+              <a:t>(</a:t>
+            </a:r>
+            <a:r>
+              <a:rPr lang="zh-TW" altLang="en-US" dirty="0"/>
+              <a:t>設定 </a:t>
+            </a:r>
+            <a:r>
+              <a:rPr lang="en-US" altLang="zh-TW" dirty="0"/>
+              <a:t>10</a:t>
+            </a:r>
+            <a:r>
+              <a:rPr lang="zh-TW" altLang="en-US" dirty="0"/>
+              <a:t>，純屬經驗法則。大於或小於效果會不太好，且某些 </a:t>
+            </a:r>
+            <a:r>
+              <a:rPr lang="en-US" altLang="zh-TW" dirty="0"/>
+              <a:t>case </a:t>
+            </a:r>
+            <a:r>
+              <a:rPr lang="zh-TW" altLang="en-US" dirty="0"/>
+              <a:t>會出問題</a:t>
+            </a:r>
+            <a:r>
+              <a:rPr lang="en-US" altLang="zh-TW" dirty="0"/>
+              <a:t>)</a:t>
+            </a:r>
+          </a:p>
+          <a:p>
+            <a:pPr marL="342900" indent="-342900">
+              <a:buFont typeface="+mj-lt"/>
+              <a:buAutoNum type="arabicPeriod" startAt="2"/>
+            </a:pPr>
+            <a:r>
+              <a:rPr lang="zh-TW" altLang="en-US" sz="1800" dirty="0"/>
+              <a:t>  將差幀的影像疊加後，找輪廓後儲存成實心 </a:t>
+            </a:r>
+            <a:r>
+              <a:rPr lang="en-US" altLang="zh-TW" sz="1800" dirty="0"/>
+              <a:t>mask</a:t>
+            </a:r>
+            <a:r>
+              <a:rPr lang="zh-TW" altLang="en-US" sz="1800" dirty="0"/>
+              <a:t> 。</a:t>
+            </a:r>
+            <a:endParaRPr lang="en-US" altLang="zh-TW" sz="1800" dirty="0"/>
+          </a:p>
+          <a:p>
+            <a:pPr marL="342900" indent="-342900">
+              <a:buFont typeface="+mj-lt"/>
+              <a:buAutoNum type="arabicPeriod" startAt="2"/>
+            </a:pPr>
+            <a:r>
+              <a:rPr lang="zh-TW" altLang="en-US" sz="1800" dirty="0"/>
+              <a:t>  用 </a:t>
+            </a:r>
+            <a:r>
+              <a:rPr lang="en-US" altLang="zh-TW" sz="1800" dirty="0"/>
+              <a:t>mask </a:t>
+            </a:r>
+            <a:r>
+              <a:rPr lang="zh-TW" altLang="en-US" sz="1800" dirty="0"/>
+              <a:t>形態學侵蝕 </a:t>
+            </a:r>
+            <a:r>
+              <a:rPr lang="en-US" altLang="zh-TW" sz="1800" dirty="0"/>
+              <a:t>3</a:t>
+            </a:r>
+            <a:r>
+              <a:rPr lang="zh-TW" altLang="en-US" sz="1800" dirty="0"/>
+              <a:t> 次、膨脹 </a:t>
+            </a:r>
+            <a:r>
+              <a:rPr lang="en-US" altLang="zh-TW" sz="1800" dirty="0"/>
+              <a:t>2</a:t>
+            </a:r>
+            <a:r>
+              <a:rPr lang="zh-TW" altLang="en-US" sz="1800" dirty="0"/>
+              <a:t> 次，</a:t>
+            </a:r>
+            <a:r>
+              <a:rPr lang="en-US" altLang="zh-TW" sz="1800" dirty="0"/>
+              <a:t>kernel </a:t>
+            </a:r>
+            <a:r>
+              <a:rPr lang="zh-TW" altLang="en-US" sz="1800" dirty="0"/>
+              <a:t>設為 </a:t>
+            </a:r>
+            <a:r>
+              <a:rPr lang="en-US" altLang="zh-TW" sz="1800" dirty="0"/>
+              <a:t>3</a:t>
+            </a:r>
+            <a:r>
+              <a:rPr lang="zh-TW" altLang="en-US" sz="1800" dirty="0"/>
+              <a:t>*</a:t>
+            </a:r>
+            <a:r>
+              <a:rPr lang="en-US" altLang="zh-TW" sz="1800" dirty="0"/>
+              <a:t>3</a:t>
+            </a:r>
+            <a:r>
+              <a:rPr lang="zh-TW" altLang="en-US" sz="1800" dirty="0"/>
+              <a:t> 且值都為</a:t>
+            </a:r>
+            <a:r>
+              <a:rPr lang="en-US" altLang="zh-TW" sz="1800" dirty="0"/>
+              <a:t>1</a:t>
+            </a:r>
+            <a:r>
+              <a:rPr lang="zh-TW" altLang="en-US" sz="1800" dirty="0"/>
+              <a:t>。</a:t>
+            </a:r>
+            <a:r>
+              <a:rPr lang="en-US" altLang="zh-TW" sz="1800" dirty="0"/>
+              <a:t>(</a:t>
+            </a:r>
+            <a:r>
+              <a:rPr lang="zh-TW" altLang="en-US" sz="1800" dirty="0"/>
+              <a:t>屬經驗法則</a:t>
+            </a:r>
+            <a:r>
+              <a:rPr lang="en-US" altLang="zh-TW" sz="1800" dirty="0"/>
+              <a:t>)</a:t>
+            </a:r>
+          </a:p>
+          <a:p>
+            <a:pPr marL="342900" indent="-342900">
+              <a:buFont typeface="+mj-lt"/>
+              <a:buAutoNum type="arabicPeriod" startAt="2"/>
+            </a:pPr>
+            <a:r>
+              <a:rPr lang="zh-TW" altLang="en-US" sz="1800" dirty="0"/>
+              <a:t>  第二次找 </a:t>
+            </a:r>
+            <a:r>
+              <a:rPr lang="en-US" altLang="zh-TW" sz="1800" dirty="0"/>
+              <a:t>mask </a:t>
+            </a:r>
+            <a:r>
+              <a:rPr lang="zh-TW" altLang="en-US" sz="1800" dirty="0"/>
+              <a:t>輪廓，並過濾面積小於 </a:t>
+            </a:r>
+            <a:r>
+              <a:rPr lang="en-US" altLang="zh-TW" sz="1800" dirty="0"/>
+              <a:t>300</a:t>
+            </a:r>
+            <a:r>
+              <a:rPr lang="zh-TW" altLang="en-US" sz="1800" dirty="0"/>
+              <a:t> </a:t>
+            </a:r>
+            <a:r>
+              <a:rPr lang="en-US" altLang="zh-TW" sz="1800" dirty="0"/>
+              <a:t>pixel</a:t>
+            </a:r>
+            <a:r>
+              <a:rPr lang="zh-TW" altLang="en-US" sz="1800" dirty="0"/>
+              <a:t> 的輪廓面積 </a:t>
+            </a:r>
+            <a:r>
+              <a:rPr lang="en-US" altLang="zh-TW" sz="1800" dirty="0"/>
+              <a:t>(</a:t>
+            </a:r>
+            <a:r>
+              <a:rPr lang="zh-TW" altLang="en-US" sz="1800" dirty="0"/>
+              <a:t>得到 </a:t>
+            </a:r>
+            <a:r>
+              <a:rPr lang="en-US" altLang="zh-TW" sz="1800" dirty="0"/>
+              <a:t>mask2)</a:t>
+            </a:r>
+            <a:r>
+              <a:rPr lang="zh-TW" altLang="en-US" sz="1800" dirty="0"/>
+              <a:t>。</a:t>
+            </a:r>
+            <a:endParaRPr lang="en-US" altLang="zh-TW" sz="1800" dirty="0"/>
+          </a:p>
+          <a:p>
+            <a:pPr marL="342900" indent="-342900">
+              <a:buFont typeface="+mj-lt"/>
+              <a:buAutoNum type="arabicPeriod" startAt="2"/>
+            </a:pPr>
+            <a:r>
+              <a:rPr lang="zh-TW" altLang="en-US" sz="1800" dirty="0"/>
+              <a:t>  第三次找 </a:t>
+            </a:r>
+            <a:r>
+              <a:rPr lang="en-US" altLang="zh-TW" sz="1800" dirty="0"/>
+              <a:t>mask2 </a:t>
+            </a:r>
+            <a:r>
+              <a:rPr lang="zh-TW" altLang="en-US" sz="1800" dirty="0"/>
+              <a:t>輪廓，接著用霍夫變換找直線。</a:t>
+            </a:r>
+            <a:endParaRPr lang="en-US" altLang="zh-TW" sz="1800" dirty="0"/>
+          </a:p>
+          <a:p>
+            <a:pPr marL="0" indent="0">
+              <a:buNone/>
+            </a:pPr>
+            <a:r>
+              <a:rPr lang="zh-TW" altLang="en-US" sz="1800" dirty="0"/>
+              <a:t>        </a:t>
+            </a:r>
+            <a:r>
+              <a:rPr lang="en-US" altLang="zh-TW" sz="1800" dirty="0"/>
+              <a:t>(</a:t>
+            </a:r>
+            <a:r>
+              <a:rPr lang="zh-TW" altLang="en-US" sz="1800" dirty="0"/>
+              <a:t>使用 </a:t>
+            </a:r>
+            <a:r>
+              <a:rPr lang="en-US" altLang="zh-TW" sz="1800" dirty="0"/>
+              <a:t>cv2.HoughLinesP(mask2, 1, </a:t>
+            </a:r>
+            <a:r>
+              <a:rPr lang="en-US" altLang="zh-TW" sz="1800" dirty="0" err="1"/>
+              <a:t>numpy.pi</a:t>
+            </a:r>
+            <a:r>
+              <a:rPr lang="en-US" altLang="zh-TW" sz="1800" dirty="0"/>
+              <a:t>/180, </a:t>
+            </a:r>
+            <a:r>
+              <a:rPr lang="en-US" altLang="zh-TW" sz="1800" dirty="0">
+                <a:solidFill>
+                  <a:srgbClr val="FF0000"/>
+                </a:solidFill>
+              </a:rPr>
+              <a:t>threshold</a:t>
+            </a:r>
+            <a:r>
+              <a:rPr lang="en-US" altLang="zh-TW" sz="1800" dirty="0"/>
+              <a:t>=200, </a:t>
+            </a:r>
+            <a:r>
+              <a:rPr lang="en-US" altLang="zh-TW" sz="1800" dirty="0" err="1">
+                <a:solidFill>
+                  <a:srgbClr val="FF0000"/>
+                </a:solidFill>
+              </a:rPr>
+              <a:t>minLineLength</a:t>
+            </a:r>
+            <a:r>
+              <a:rPr lang="en-US" altLang="zh-TW" sz="1800" dirty="0"/>
+              <a:t>=60, </a:t>
+            </a:r>
+            <a:r>
+              <a:rPr lang="en-US" altLang="zh-TW" sz="1800" dirty="0" err="1">
+                <a:solidFill>
+                  <a:srgbClr val="FF0000"/>
+                </a:solidFill>
+              </a:rPr>
+              <a:t>maxLineGap</a:t>
+            </a:r>
+            <a:r>
+              <a:rPr lang="en-US" altLang="zh-TW" sz="1800" dirty="0"/>
+              <a:t>=130))</a:t>
+            </a:r>
+          </a:p>
+          <a:p>
+            <a:pPr marL="0" indent="0">
+              <a:buNone/>
+            </a:pPr>
+            <a:r>
+              <a:rPr lang="en-US" altLang="zh-TW" sz="1800" dirty="0"/>
+              <a:t>        (</a:t>
+            </a:r>
+            <a:r>
+              <a:rPr lang="zh-TW" altLang="en-US" sz="1800" dirty="0"/>
+              <a:t>紅色的參數皆為實驗多組參數後得到當前較佳的結果</a:t>
+            </a:r>
+            <a:r>
+              <a:rPr lang="en-US" altLang="zh-TW" sz="1800" dirty="0"/>
+              <a:t>)</a:t>
+            </a:r>
+          </a:p>
+          <a:p>
+            <a:pPr marL="0" indent="0">
+              <a:buNone/>
+            </a:pPr>
+            <a:endParaRPr lang="en-US" altLang="zh-TW" sz="1800" dirty="0"/>
+          </a:p>
+          <a:p>
+            <a:pPr marL="0" indent="0">
+              <a:buNone/>
+            </a:pPr>
+            <a:endParaRPr lang="en-US" altLang="zh-TW" sz="1800" dirty="0"/>
+          </a:p>
+          <a:p>
+            <a:pPr marL="0" indent="0">
+              <a:buNone/>
+            </a:pPr>
+            <a:endParaRPr lang="en-US" altLang="zh-TW" sz="2000" dirty="0"/>
+          </a:p>
+        </p:txBody>
+      </p:sp>
+      <p:sp>
+        <p:nvSpPr>
+          <p:cNvPr id="3" name="標題 2">
+            <a:extLst>
+              <a:ext uri="{FF2B5EF4-FFF2-40B4-BE49-F238E27FC236}">
+                <a16:creationId xmlns:a16="http://schemas.microsoft.com/office/drawing/2014/main" id="{25064C52-DA7E-4B79-92ED-DAF7CB9A641A}"/>
+              </a:ext>
+            </a:extLst>
+          </p:cNvPr>
+          <p:cNvSpPr>
+            <a:spLocks noGrp="1"/>
+          </p:cNvSpPr>
+          <p:nvPr>
+            <p:ph type="title"/>
+          </p:nvPr>
+        </p:nvSpPr>
+        <p:spPr/>
+        <p:txBody>
+          <a:bodyPr/>
+          <a:lstStyle/>
+          <a:p>
+            <a:r>
+              <a:rPr lang="en-US" altLang="zh-TW" dirty="0"/>
+              <a:t>ROI</a:t>
+            </a:r>
+            <a:r>
+              <a:rPr lang="zh-TW" altLang="en-US" dirty="0"/>
+              <a:t> 抓取方式 </a:t>
+            </a:r>
+          </a:p>
+        </p:txBody>
+      </p:sp>
+      <p:pic>
+        <p:nvPicPr>
+          <p:cNvPr id="6" name="圖片 5">
+            <a:extLst>
+              <a:ext uri="{FF2B5EF4-FFF2-40B4-BE49-F238E27FC236}">
+                <a16:creationId xmlns:a16="http://schemas.microsoft.com/office/drawing/2014/main" id="{FC50C219-25B1-47CC-8452-2BB613371BB4}"/>
+              </a:ext>
+            </a:extLst>
+          </p:cNvPr>
+          <p:cNvPicPr>
+            <a:picLocks noChangeAspect="1"/>
+          </p:cNvPicPr>
+          <p:nvPr/>
+        </p:nvPicPr>
+        <p:blipFill rotWithShape="1">
+          <a:blip r:embed="rId2"/>
+          <a:srcRect t="5163"/>
+          <a:stretch/>
+        </p:blipFill>
+        <p:spPr>
+          <a:xfrm>
+            <a:off x="838200" y="3840700"/>
+            <a:ext cx="6405520" cy="2398926"/>
+          </a:xfrm>
+          <a:prstGeom prst="rect">
+            <a:avLst/>
+          </a:prstGeom>
+        </p:spPr>
+      </p:pic>
+      <p:sp>
+        <p:nvSpPr>
+          <p:cNvPr id="4" name="文字方塊 3">
+            <a:extLst>
+              <a:ext uri="{FF2B5EF4-FFF2-40B4-BE49-F238E27FC236}">
+                <a16:creationId xmlns:a16="http://schemas.microsoft.com/office/drawing/2014/main" id="{1D16D353-1586-8AB6-E90F-55BD94DE5648}"/>
+              </a:ext>
+            </a:extLst>
+          </p:cNvPr>
+          <p:cNvSpPr txBox="1"/>
+          <p:nvPr/>
+        </p:nvSpPr>
+        <p:spPr>
+          <a:xfrm>
+            <a:off x="7339693" y="5968093"/>
+            <a:ext cx="1620957" cy="338554"/>
+          </a:xfrm>
+          <a:prstGeom prst="rect">
+            <a:avLst/>
+          </a:prstGeom>
+          <a:noFill/>
+        </p:spPr>
+        <p:txBody>
+          <a:bodyPr wrap="none" rtlCol="0">
+            <a:spAutoFit/>
+          </a:bodyPr>
+          <a:lstStyle/>
+          <a:p>
+            <a:r>
+              <a:rPr lang="zh-TW" altLang="en-US" sz="1600" dirty="0">
+                <a:latin typeface="Times New Roman" panose="02020603050405020304" pitchFamily="18" charset="0"/>
+                <a:ea typeface="標楷體" panose="03000509000000000000" pitchFamily="65" charset="-120"/>
+              </a:rPr>
+              <a:t>左圖為實作結果</a:t>
+            </a:r>
+          </a:p>
+        </p:txBody>
+      </p:sp>
+    </p:spTree>
+    <p:extLst>
+      <p:ext uri="{BB962C8B-B14F-4D97-AF65-F5344CB8AC3E}">
+        <p14:creationId xmlns:p14="http://schemas.microsoft.com/office/powerpoint/2010/main" val="1172659114"/>
+      </p:ext>
+    </p:extLst>
+  </p:cSld>
+  <p:clrMapOvr>
+    <a:masterClrMapping/>
+  </p:clrMapOvr>
+</p:sld>
+</file>
+
+<file path=ppt/slides/slide13.xml><?xml version="1.0" encoding="utf-8"?>
+<p:sld xmlns:a="http://schemas.openxmlformats.org/drawingml/2006/main" xmlns:r="http://schemas.openxmlformats.org/officeDocument/2006/relationships" xmlns:p="http://schemas.openxmlformats.org/presentationml/2006/main">
+  <p:cSld>
+    <p:spTree>
+      <p:nvGrpSpPr>
+        <p:cNvPr id="1" name=""/>
+        <p:cNvGrpSpPr/>
+        <p:nvPr/>
+      </p:nvGrpSpPr>
+      <p:grpSpPr>
+        <a:xfrm>
+          <a:off x="0" y="0"/>
+          <a:ext cx="0" cy="0"/>
+          <a:chOff x="0" y="0"/>
+          <a:chExt cx="0" cy="0"/>
+        </a:xfrm>
+      </p:grpSpPr>
+      <p:sp>
+        <p:nvSpPr>
+          <p:cNvPr id="2" name="內容版面配置區 1">
+            <a:extLst>
+              <a:ext uri="{FF2B5EF4-FFF2-40B4-BE49-F238E27FC236}">
+                <a16:creationId xmlns:a16="http://schemas.microsoft.com/office/drawing/2014/main" id="{4E4E023D-3F40-4B3A-AEA0-AF9EA4EE7FCF}"/>
+              </a:ext>
+            </a:extLst>
+          </p:cNvPr>
+          <p:cNvSpPr>
+            <a:spLocks noGrp="1"/>
+          </p:cNvSpPr>
+          <p:nvPr>
+            <p:ph idx="1"/>
+          </p:nvPr>
+        </p:nvSpPr>
+        <p:spPr/>
+        <p:txBody>
+          <a:bodyPr>
+            <a:normAutofit/>
+          </a:bodyPr>
+          <a:lstStyle/>
+          <a:p>
+            <a:r>
+              <a:rPr lang="zh-TW" altLang="en-US" sz="2000" dirty="0"/>
+              <a:t> 不同 </a:t>
+            </a:r>
+            <a:r>
+              <a:rPr lang="en-US" altLang="zh-TW" sz="2000" dirty="0"/>
+              <a:t>case</a:t>
+            </a:r>
+            <a:r>
+              <a:rPr lang="zh-TW" altLang="en-US" sz="2000" dirty="0"/>
+              <a:t> 的狀況</a:t>
+            </a:r>
+            <a:endParaRPr lang="en-US" altLang="zh-TW" sz="2000" dirty="0"/>
+          </a:p>
+        </p:txBody>
+      </p:sp>
+      <p:sp>
+        <p:nvSpPr>
+          <p:cNvPr id="3" name="標題 2">
+            <a:extLst>
+              <a:ext uri="{FF2B5EF4-FFF2-40B4-BE49-F238E27FC236}">
+                <a16:creationId xmlns:a16="http://schemas.microsoft.com/office/drawing/2014/main" id="{25064C52-DA7E-4B79-92ED-DAF7CB9A641A}"/>
+              </a:ext>
+            </a:extLst>
+          </p:cNvPr>
+          <p:cNvSpPr>
+            <a:spLocks noGrp="1"/>
+          </p:cNvSpPr>
+          <p:nvPr>
+            <p:ph type="title"/>
+          </p:nvPr>
+        </p:nvSpPr>
+        <p:spPr/>
+        <p:txBody>
+          <a:bodyPr/>
+          <a:lstStyle/>
+          <a:p>
+            <a:r>
+              <a:rPr lang="en-US" altLang="zh-TW" dirty="0"/>
+              <a:t>ROI</a:t>
+            </a:r>
+            <a:r>
+              <a:rPr lang="zh-TW" altLang="en-US" dirty="0"/>
+              <a:t> 抓取方式 </a:t>
+            </a:r>
+          </a:p>
+        </p:txBody>
+      </p:sp>
+      <p:pic>
+        <p:nvPicPr>
+          <p:cNvPr id="6" name="圖片 5">
+            <a:extLst>
+              <a:ext uri="{FF2B5EF4-FFF2-40B4-BE49-F238E27FC236}">
+                <a16:creationId xmlns:a16="http://schemas.microsoft.com/office/drawing/2014/main" id="{CE37B883-1238-E109-32B5-E76A1CBFADFA}"/>
+              </a:ext>
+            </a:extLst>
+          </p:cNvPr>
+          <p:cNvPicPr>
+            <a:picLocks noChangeAspect="1"/>
+          </p:cNvPicPr>
+          <p:nvPr/>
+        </p:nvPicPr>
+        <p:blipFill rotWithShape="1">
+          <a:blip r:embed="rId2"/>
+          <a:srcRect t="13949"/>
+          <a:stretch/>
+        </p:blipFill>
+        <p:spPr>
+          <a:xfrm>
+            <a:off x="168729" y="1562951"/>
+            <a:ext cx="6681402" cy="2266100"/>
+          </a:xfrm>
+          <a:prstGeom prst="rect">
+            <a:avLst/>
+          </a:prstGeom>
+        </p:spPr>
+      </p:pic>
+      <p:pic>
+        <p:nvPicPr>
+          <p:cNvPr id="7" name="圖片 6">
+            <a:extLst>
+              <a:ext uri="{FF2B5EF4-FFF2-40B4-BE49-F238E27FC236}">
+                <a16:creationId xmlns:a16="http://schemas.microsoft.com/office/drawing/2014/main" id="{523377D4-7FFB-C4EF-FD25-3E3C97984693}"/>
+              </a:ext>
+            </a:extLst>
+          </p:cNvPr>
+          <p:cNvPicPr>
+            <a:picLocks noChangeAspect="1"/>
+          </p:cNvPicPr>
+          <p:nvPr/>
+        </p:nvPicPr>
+        <p:blipFill>
+          <a:blip r:embed="rId3"/>
+          <a:stretch>
+            <a:fillRect/>
+          </a:stretch>
+        </p:blipFill>
+        <p:spPr>
+          <a:xfrm>
+            <a:off x="168729" y="3945776"/>
+            <a:ext cx="6689994" cy="2266100"/>
+          </a:xfrm>
+          <a:prstGeom prst="rect">
+            <a:avLst/>
+          </a:prstGeom>
+        </p:spPr>
+      </p:pic>
+      <p:pic>
+        <p:nvPicPr>
+          <p:cNvPr id="8" name="圖片 7">
+            <a:extLst>
+              <a:ext uri="{FF2B5EF4-FFF2-40B4-BE49-F238E27FC236}">
+                <a16:creationId xmlns:a16="http://schemas.microsoft.com/office/drawing/2014/main" id="{E2C4B394-FB0E-EABE-1296-F701E30EFDA6}"/>
+              </a:ext>
+            </a:extLst>
+          </p:cNvPr>
+          <p:cNvPicPr>
+            <a:picLocks noChangeAspect="1"/>
+          </p:cNvPicPr>
+          <p:nvPr/>
+        </p:nvPicPr>
+        <p:blipFill>
+          <a:blip r:embed="rId4"/>
+          <a:stretch>
+            <a:fillRect/>
+          </a:stretch>
+        </p:blipFill>
+        <p:spPr>
+          <a:xfrm>
+            <a:off x="6858723" y="3945776"/>
+            <a:ext cx="3374481" cy="2286074"/>
+          </a:xfrm>
+          <a:prstGeom prst="rect">
+            <a:avLst/>
+          </a:prstGeom>
+        </p:spPr>
+      </p:pic>
+      <p:sp>
+        <p:nvSpPr>
+          <p:cNvPr id="4" name="文字方塊 3">
+            <a:extLst>
+              <a:ext uri="{FF2B5EF4-FFF2-40B4-BE49-F238E27FC236}">
+                <a16:creationId xmlns:a16="http://schemas.microsoft.com/office/drawing/2014/main" id="{CC7DA732-A476-5F84-4371-971E4A05B828}"/>
+              </a:ext>
+            </a:extLst>
+          </p:cNvPr>
+          <p:cNvSpPr txBox="1"/>
+          <p:nvPr/>
+        </p:nvSpPr>
+        <p:spPr>
+          <a:xfrm>
+            <a:off x="10238647" y="4825153"/>
+            <a:ext cx="1880508" cy="830997"/>
+          </a:xfrm>
+          <a:prstGeom prst="rect">
+            <a:avLst/>
+          </a:prstGeom>
+          <a:noFill/>
+        </p:spPr>
+        <p:txBody>
+          <a:bodyPr wrap="square" rtlCol="0">
+            <a:spAutoFit/>
+          </a:bodyPr>
+          <a:lstStyle/>
+          <a:p>
+            <a:r>
+              <a:rPr lang="zh-TW" altLang="en-US" sz="1600" dirty="0">
+                <a:latin typeface="Times New Roman" panose="02020603050405020304" pitchFamily="18" charset="0"/>
+                <a:ea typeface="標楷體" panose="03000509000000000000" pitchFamily="65" charset="-120"/>
+              </a:rPr>
+              <a:t>會有抓不準的情況，但幾乎都是影像非常模糊的情況造成</a:t>
+            </a:r>
+          </a:p>
+        </p:txBody>
+      </p:sp>
+    </p:spTree>
+    <p:extLst>
+      <p:ext uri="{BB962C8B-B14F-4D97-AF65-F5344CB8AC3E}">
+        <p14:creationId xmlns:p14="http://schemas.microsoft.com/office/powerpoint/2010/main" val="3244807885"/>
+      </p:ext>
+    </p:extLst>
+  </p:cSld>
+  <p:clrMapOvr>
+    <a:masterClrMapping/>
+  </p:clrMapOvr>
+</p:sld>
+</file>
+
+<file path=ppt/slides/slide14.xml><?xml version="1.0" encoding="utf-8"?>
+<p:sld xmlns:a="http://schemas.openxmlformats.org/drawingml/2006/main" xmlns:r="http://schemas.openxmlformats.org/officeDocument/2006/relationships" xmlns:p="http://schemas.openxmlformats.org/presentationml/2006/main">
+  <p:cSld>
+    <p:spTree>
+      <p:nvGrpSpPr>
+        <p:cNvPr id="1" name=""/>
+        <p:cNvGrpSpPr/>
+        <p:nvPr/>
+      </p:nvGrpSpPr>
+      <p:grpSpPr>
+        <a:xfrm>
+          <a:off x="0" y="0"/>
+          <a:ext cx="0" cy="0"/>
+          <a:chOff x="0" y="0"/>
+          <a:chExt cx="0" cy="0"/>
+        </a:xfrm>
+      </p:grpSpPr>
+      <p:sp>
+        <p:nvSpPr>
+          <p:cNvPr id="2" name="內容版面配置區 1">
+            <a:extLst>
+              <a:ext uri="{FF2B5EF4-FFF2-40B4-BE49-F238E27FC236}">
+                <a16:creationId xmlns:a16="http://schemas.microsoft.com/office/drawing/2014/main" id="{4E4E023D-3F40-4B3A-AEA0-AF9EA4EE7FCF}"/>
+              </a:ext>
+            </a:extLst>
+          </p:cNvPr>
+          <p:cNvSpPr>
+            <a:spLocks noGrp="1"/>
+          </p:cNvSpPr>
+          <p:nvPr>
+            <p:ph idx="1"/>
+          </p:nvPr>
+        </p:nvSpPr>
+        <p:spPr/>
+        <p:txBody>
+          <a:bodyPr>
+            <a:normAutofit/>
+          </a:bodyPr>
+          <a:lstStyle/>
+          <a:p>
+            <a:r>
+              <a:rPr lang="zh-TW" altLang="en-US" sz="2000" dirty="0"/>
+              <a:t> 內容</a:t>
+            </a:r>
+            <a:endParaRPr lang="en-US" altLang="zh-TW" sz="2000" dirty="0"/>
+          </a:p>
+        </p:txBody>
+      </p:sp>
+      <p:sp>
+        <p:nvSpPr>
+          <p:cNvPr id="3" name="標題 2">
+            <a:extLst>
+              <a:ext uri="{FF2B5EF4-FFF2-40B4-BE49-F238E27FC236}">
+                <a16:creationId xmlns:a16="http://schemas.microsoft.com/office/drawing/2014/main" id="{25064C52-DA7E-4B79-92ED-DAF7CB9A641A}"/>
+              </a:ext>
+            </a:extLst>
+          </p:cNvPr>
+          <p:cNvSpPr>
+            <a:spLocks noGrp="1"/>
+          </p:cNvSpPr>
+          <p:nvPr>
+            <p:ph type="title"/>
+          </p:nvPr>
+        </p:nvSpPr>
+        <p:spPr/>
+        <p:txBody>
+          <a:bodyPr/>
+          <a:lstStyle/>
+          <a:p>
+            <a:r>
+              <a:rPr lang="zh-TW" altLang="en-US" dirty="0"/>
+              <a:t>標題</a:t>
+            </a:r>
+          </a:p>
+        </p:txBody>
+      </p:sp>
+      <p:sp>
+        <p:nvSpPr>
+          <p:cNvPr id="5" name="文字方塊 4">
+            <a:extLst>
+              <a:ext uri="{FF2B5EF4-FFF2-40B4-BE49-F238E27FC236}">
+                <a16:creationId xmlns:a16="http://schemas.microsoft.com/office/drawing/2014/main" id="{5E221B54-8A9C-2526-13DD-553D743A0971}"/>
+              </a:ext>
+            </a:extLst>
+          </p:cNvPr>
+          <p:cNvSpPr txBox="1"/>
+          <p:nvPr/>
+        </p:nvSpPr>
+        <p:spPr>
+          <a:xfrm>
+            <a:off x="235808" y="5654851"/>
+            <a:ext cx="12094593" cy="584775"/>
+          </a:xfrm>
+          <a:prstGeom prst="rect">
+            <a:avLst/>
+          </a:prstGeom>
+          <a:noFill/>
+        </p:spPr>
+        <p:txBody>
+          <a:bodyPr wrap="none" rtlCol="0">
+            <a:spAutoFit/>
+          </a:bodyPr>
+          <a:lstStyle/>
+          <a:p>
+            <a:r>
+              <a:rPr lang="zh-TW" altLang="en-US" sz="1600" dirty="0">
+                <a:latin typeface="Times New Roman" panose="02020603050405020304" pitchFamily="18" charset="0"/>
+                <a:ea typeface="標楷體" panose="03000509000000000000" pitchFamily="65" charset="-120"/>
+              </a:rPr>
+              <a:t>在 </a:t>
+            </a:r>
+            <a:r>
+              <a:rPr lang="en-US" altLang="zh-TW" sz="1600" dirty="0">
+                <a:latin typeface="Times New Roman" panose="02020603050405020304" pitchFamily="18" charset="0"/>
+                <a:ea typeface="標楷體" panose="03000509000000000000" pitchFamily="65" charset="-120"/>
+              </a:rPr>
+              <a:t>G01-SourceCode/</a:t>
+            </a:r>
+            <a:r>
+              <a:rPr lang="zh-TW" altLang="en-US" sz="1600" dirty="0">
+                <a:latin typeface="Times New Roman" panose="02020603050405020304" pitchFamily="18" charset="0"/>
+                <a:ea typeface="標楷體" panose="03000509000000000000" pitchFamily="65" charset="-120"/>
+              </a:rPr>
+              <a:t>心臟超音波影像 </a:t>
+            </a:r>
+            <a:r>
+              <a:rPr lang="en-US" altLang="zh-TW" sz="1600" dirty="0">
+                <a:latin typeface="Times New Roman" panose="02020603050405020304" pitchFamily="18" charset="0"/>
+                <a:ea typeface="標楷體" panose="03000509000000000000" pitchFamily="65" charset="-120"/>
+              </a:rPr>
+              <a:t>1100507_1110429</a:t>
+            </a:r>
+            <a:r>
+              <a:rPr lang="zh-TW" altLang="en-US" sz="1600" dirty="0">
+                <a:latin typeface="Times New Roman" panose="02020603050405020304" pitchFamily="18" charset="0"/>
+                <a:ea typeface="標楷體" panose="03000509000000000000" pitchFamily="65" charset="-120"/>
+              </a:rPr>
+              <a:t> 資料夾裡的 </a:t>
+            </a:r>
+            <a:r>
+              <a:rPr lang="en-US" altLang="zh-TW" sz="1600" dirty="0">
+                <a:latin typeface="Times New Roman" panose="02020603050405020304" pitchFamily="18" charset="0"/>
+                <a:ea typeface="標楷體" panose="03000509000000000000" pitchFamily="65" charset="-120"/>
+              </a:rPr>
+              <a:t>“VideoROI.py”</a:t>
+            </a:r>
+            <a:r>
+              <a:rPr lang="zh-TW" altLang="en-US" sz="1600" dirty="0">
+                <a:latin typeface="Times New Roman" panose="02020603050405020304" pitchFamily="18" charset="0"/>
+                <a:ea typeface="標楷體" panose="03000509000000000000" pitchFamily="65" charset="-120"/>
+              </a:rPr>
+              <a:t> 程式</a:t>
+            </a:r>
+            <a:endParaRPr lang="en-US" altLang="zh-TW" sz="1600" dirty="0">
+              <a:latin typeface="Times New Roman" panose="02020603050405020304" pitchFamily="18" charset="0"/>
+              <a:ea typeface="標楷體" panose="03000509000000000000" pitchFamily="65" charset="-120"/>
+            </a:endParaRPr>
+          </a:p>
+          <a:p>
+            <a:r>
+              <a:rPr lang="zh-TW" altLang="en-US" sz="1600" dirty="0">
+                <a:latin typeface="Times New Roman" panose="02020603050405020304" pitchFamily="18" charset="0"/>
+                <a:ea typeface="標楷體" panose="03000509000000000000" pitchFamily="65" charset="-120"/>
+              </a:rPr>
+              <a:t>在 </a:t>
+            </a:r>
+            <a:r>
+              <a:rPr lang="en-US" altLang="zh-TW" sz="1600" dirty="0">
+                <a:latin typeface="Times New Roman" panose="02020603050405020304" pitchFamily="18" charset="0"/>
+                <a:ea typeface="標楷體" panose="03000509000000000000" pitchFamily="65" charset="-120"/>
+              </a:rPr>
+              <a:t>N01-API</a:t>
+            </a:r>
+            <a:r>
+              <a:rPr lang="zh-TW" altLang="en-US" sz="1600" dirty="0">
+                <a:latin typeface="Times New Roman" panose="02020603050405020304" pitchFamily="18" charset="0"/>
+                <a:ea typeface="標楷體" panose="03000509000000000000" pitchFamily="65" charset="-120"/>
+              </a:rPr>
+              <a:t> 資料夾有 </a:t>
+            </a:r>
+            <a:r>
+              <a:rPr lang="en-US" altLang="zh-TW" sz="1600" dirty="0" err="1">
+                <a:latin typeface="Times New Roman" panose="02020603050405020304" pitchFamily="18" charset="0"/>
+                <a:ea typeface="標楷體" panose="03000509000000000000" pitchFamily="65" charset="-120"/>
+              </a:rPr>
+              <a:t>VideoROI</a:t>
+            </a:r>
+            <a:r>
+              <a:rPr lang="en-US" altLang="zh-TW" sz="1600" dirty="0">
+                <a:latin typeface="Times New Roman" panose="02020603050405020304" pitchFamily="18" charset="0"/>
+                <a:ea typeface="標楷體" panose="03000509000000000000" pitchFamily="65" charset="-120"/>
+              </a:rPr>
+              <a:t>  API</a:t>
+            </a:r>
+            <a:r>
+              <a:rPr lang="zh-TW" altLang="en-US" sz="1600" dirty="0">
+                <a:latin typeface="Times New Roman" panose="02020603050405020304" pitchFamily="18" charset="0"/>
+                <a:ea typeface="標楷體" panose="03000509000000000000" pitchFamily="65" charset="-120"/>
+              </a:rPr>
+              <a:t> 文件裡的 </a:t>
+            </a:r>
+            <a:r>
+              <a:rPr lang="en-US" altLang="zh-TW" sz="1600" dirty="0">
+                <a:latin typeface="Times New Roman" panose="02020603050405020304" pitchFamily="18" charset="0"/>
+                <a:ea typeface="標楷體" panose="03000509000000000000" pitchFamily="65" charset="-120"/>
+              </a:rPr>
+              <a:t>VideoROI.py </a:t>
+            </a:r>
+            <a:r>
+              <a:rPr lang="zh-TW" altLang="en-US" sz="1600" dirty="0">
+                <a:latin typeface="Times New Roman" panose="02020603050405020304" pitchFamily="18" charset="0"/>
+                <a:ea typeface="標楷體" panose="03000509000000000000" pitchFamily="65" charset="-120"/>
+              </a:rPr>
+              <a:t>參考。</a:t>
+            </a:r>
+            <a:r>
+              <a:rPr lang="en-US" altLang="zh-TW" sz="1600" dirty="0">
+                <a:latin typeface="Times New Roman" panose="02020603050405020304" pitchFamily="18" charset="0"/>
+                <a:ea typeface="標楷體" panose="03000509000000000000" pitchFamily="65" charset="-120"/>
+              </a:rPr>
+              <a:t>(</a:t>
+            </a:r>
+            <a:r>
+              <a:rPr lang="zh-TW" altLang="en-US" sz="1600" dirty="0">
+                <a:latin typeface="Times New Roman" panose="02020603050405020304" pitchFamily="18" charset="0"/>
+                <a:ea typeface="標楷體" panose="03000509000000000000" pitchFamily="65" charset="-120"/>
+              </a:rPr>
+              <a:t>後來在 </a:t>
+            </a:r>
+            <a:r>
+              <a:rPr lang="en-US" altLang="zh-TW" sz="1600" dirty="0">
+                <a:latin typeface="Times New Roman" panose="02020603050405020304" pitchFamily="18" charset="0"/>
+                <a:ea typeface="標楷體" panose="03000509000000000000" pitchFamily="65" charset="-120"/>
+              </a:rPr>
+              <a:t>A4C</a:t>
+            </a:r>
+            <a:r>
+              <a:rPr lang="zh-TW" altLang="en-US" sz="1600" dirty="0">
+                <a:latin typeface="Times New Roman" panose="02020603050405020304" pitchFamily="18" charset="0"/>
+                <a:ea typeface="標楷體" panose="03000509000000000000" pitchFamily="65" charset="-120"/>
+              </a:rPr>
+              <a:t> </a:t>
+            </a:r>
+            <a:r>
+              <a:rPr lang="en-US" altLang="zh-TW" sz="1600" dirty="0">
+                <a:latin typeface="Times New Roman" panose="02020603050405020304" pitchFamily="18" charset="0"/>
+                <a:ea typeface="標楷體" panose="03000509000000000000" pitchFamily="65" charset="-120"/>
+              </a:rPr>
+              <a:t>LV Muscle Semantic</a:t>
+            </a:r>
+            <a:r>
+              <a:rPr lang="zh-TW" altLang="en-US" sz="1600" dirty="0">
+                <a:latin typeface="Times New Roman" panose="02020603050405020304" pitchFamily="18" charset="0"/>
+                <a:ea typeface="標楷體" panose="03000509000000000000" pitchFamily="65" charset="-120"/>
+              </a:rPr>
+              <a:t> 裡有調整回傳值，但過程相同</a:t>
+            </a:r>
+            <a:r>
+              <a:rPr lang="en-US" altLang="zh-TW" sz="1600" dirty="0">
+                <a:latin typeface="Times New Roman" panose="02020603050405020304" pitchFamily="18" charset="0"/>
+                <a:ea typeface="標楷體" panose="03000509000000000000" pitchFamily="65" charset="-120"/>
+              </a:rPr>
+              <a:t>)</a:t>
+            </a:r>
+            <a:endParaRPr lang="zh-TW" altLang="en-US" sz="1600" dirty="0">
+              <a:latin typeface="Times New Roman" panose="02020603050405020304" pitchFamily="18" charset="0"/>
+              <a:ea typeface="標楷體" panose="03000509000000000000" pitchFamily="65" charset="-120"/>
+            </a:endParaRPr>
+          </a:p>
+        </p:txBody>
+      </p:sp>
+    </p:spTree>
+    <p:extLst>
+      <p:ext uri="{BB962C8B-B14F-4D97-AF65-F5344CB8AC3E}">
+        <p14:creationId xmlns:p14="http://schemas.microsoft.com/office/powerpoint/2010/main" val="2381146828"/>
       </p:ext>
     </p:extLst>
   </p:cSld>
@@ -3876,70 +5804,44 @@
           <a:lstStyle/>
           <a:p>
             <a:r>
-              <a:rPr lang="zh-TW" altLang="en-US" sz="2000" dirty="0">
-                <a:solidFill>
-                  <a:srgbClr val="24292E"/>
-                </a:solidFill>
-              </a:rPr>
-              <a:t>兩塊 </a:t>
-            </a:r>
-            <a:r>
-              <a:rPr lang="en-US" altLang="zh-TW" sz="2000" dirty="0">
-                <a:solidFill>
-                  <a:srgbClr val="24292E"/>
-                </a:solidFill>
-              </a:rPr>
-              <a:t>FPGA</a:t>
-            </a:r>
-            <a:r>
-              <a:rPr lang="zh-TW" altLang="en-US" sz="2000" dirty="0">
-                <a:solidFill>
-                  <a:srgbClr val="24292E"/>
-                </a:solidFill>
-              </a:rPr>
-              <a:t> 板子互連乒乓球</a:t>
-            </a:r>
-            <a:endParaRPr lang="en-US" altLang="zh-TW" sz="2000" dirty="0">
-              <a:solidFill>
-                <a:srgbClr val="24292E"/>
-              </a:solidFill>
-            </a:endParaRPr>
-          </a:p>
-          <a:p>
-            <a:pPr marL="0" indent="0">
-              <a:buNone/>
-            </a:pPr>
-            <a:endParaRPr lang="en-US" altLang="zh-TW" sz="1800" dirty="0"/>
-          </a:p>
-          <a:p>
-            <a:pPr marL="0" indent="0">
-              <a:buNone/>
-            </a:pPr>
-            <a:r>
               <a:rPr lang="zh-TW" altLang="en-US" sz="2000" dirty="0"/>
-              <a:t>程式碼</a:t>
+              <a:t>不同的 </a:t>
             </a:r>
             <a:r>
               <a:rPr lang="en-US" altLang="zh-TW" sz="2000" dirty="0"/>
-              <a:t>: </a:t>
-            </a:r>
-            <a:r>
-              <a:rPr lang="en-US" altLang="zh-TW" sz="2000" dirty="0">
-                <a:hlinkClick r:id="rId2"/>
-              </a:rPr>
-              <a:t>fpga_pl1.vhd</a:t>
+              <a:t>View</a:t>
+            </a:r>
+            <a:r>
+              <a:rPr lang="zh-TW" altLang="en-US" sz="2000" dirty="0"/>
+              <a:t> 代表超音波探頭照射不同角度。目前我們主要分為 </a:t>
+            </a:r>
+            <a:r>
+              <a:rPr lang="en-US" altLang="zh-TW" sz="2000" dirty="0"/>
+              <a:t>apical</a:t>
             </a:r>
             <a:r>
               <a:rPr lang="zh-TW" altLang="en-US" sz="2000" dirty="0"/>
               <a:t>、</a:t>
             </a:r>
             <a:r>
-              <a:rPr lang="en-US" altLang="zh-TW" sz="2000" dirty="0">
-                <a:hlinkClick r:id="rId3"/>
-              </a:rPr>
-              <a:t>fpga_pl2.vhd</a:t>
+              <a:rPr lang="en-US" altLang="zh-TW" sz="2000" dirty="0"/>
+              <a:t>parasternal</a:t>
+            </a:r>
+            <a:r>
+              <a:rPr lang="zh-TW" altLang="en-US" sz="2000" dirty="0"/>
+              <a:t> 兩個角度。</a:t>
             </a:r>
             <a:endParaRPr lang="en-US" altLang="zh-TW" sz="2000" dirty="0"/>
+          </a:p>
+          <a:p>
+            <a:r>
+              <a:rPr lang="zh-TW" altLang="en-US" sz="2000" dirty="0"/>
+              <a:t>我們的資料集在這兩個角度下，分別有底下表格內容的 </a:t>
+            </a:r>
+            <a:r>
+              <a:rPr lang="en-US" altLang="zh-TW" sz="2000" dirty="0"/>
+              <a:t>View</a:t>
+            </a:r>
           </a:p>
         </p:txBody>
       </p:sp>
@@ -3966,7 +5868,453 @@
           <a:p>
             <a:r>
               <a:rPr lang="zh-TW" altLang="en-US" dirty="0"/>
-              <a:t>當周進度</a:t>
+              <a:t>心臟超音波影像的 </a:t>
+            </a:r>
+            <a:r>
+              <a:rPr lang="en-US" altLang="zh-TW" dirty="0"/>
+              <a:t>9</a:t>
+            </a:r>
+            <a:r>
+              <a:rPr lang="zh-TW" altLang="en-US" dirty="0"/>
+              <a:t> 種 </a:t>
+            </a:r>
+            <a:r>
+              <a:rPr lang="en-US" altLang="zh-TW" dirty="0"/>
+              <a:t>View</a:t>
+            </a:r>
+            <a:endParaRPr lang="zh-TW" altLang="en-US" dirty="0"/>
+          </a:p>
+        </p:txBody>
+      </p:sp>
+      <p:graphicFrame>
+        <p:nvGraphicFramePr>
+          <p:cNvPr id="7" name="表格 7">
+            <a:extLst>
+              <a:ext uri="{FF2B5EF4-FFF2-40B4-BE49-F238E27FC236}">
+                <a16:creationId xmlns:a16="http://schemas.microsoft.com/office/drawing/2014/main" id="{731C103D-AE68-FDB1-1930-7E0C92842133}"/>
+              </a:ext>
+            </a:extLst>
+          </p:cNvPr>
+          <p:cNvGraphicFramePr>
+            <a:graphicFrameLocks noGrp="1"/>
+          </p:cNvGraphicFramePr>
+          <p:nvPr>
+            <p:extLst>
+              <p:ext uri="{D42A27DB-BD31-4B8C-83A1-F6EECF244321}">
+                <p14:modId xmlns:p14="http://schemas.microsoft.com/office/powerpoint/2010/main" val="4112240973"/>
+              </p:ext>
+            </p:extLst>
+          </p:nvPr>
+        </p:nvGraphicFramePr>
+        <p:xfrm>
+          <a:off x="1028586" y="2495626"/>
+          <a:ext cx="9774282" cy="2194560"/>
+        </p:xfrm>
+        <a:graphic>
+          <a:graphicData uri="http://schemas.openxmlformats.org/drawingml/2006/table">
+            <a:tbl>
+              <a:tblPr firstRow="1" bandRow="1">
+                <a:tableStyleId>{5C22544A-7EE6-4342-B048-85BDC9FD1C3A}</a:tableStyleId>
+              </a:tblPr>
+              <a:tblGrid>
+                <a:gridCol w="4887141">
+                  <a:extLst>
+                    <a:ext uri="{9D8B030D-6E8A-4147-A177-3AD203B41FA5}">
+                      <a16:colId xmlns:a16="http://schemas.microsoft.com/office/drawing/2014/main" val="2363572159"/>
+                    </a:ext>
+                  </a:extLst>
+                </a:gridCol>
+                <a:gridCol w="4887141">
+                  <a:extLst>
+                    <a:ext uri="{9D8B030D-6E8A-4147-A177-3AD203B41FA5}">
+                      <a16:colId xmlns:a16="http://schemas.microsoft.com/office/drawing/2014/main" val="192273658"/>
+                    </a:ext>
+                  </a:extLst>
+                </a:gridCol>
+              </a:tblGrid>
+              <a:tr h="318589">
+                <a:tc>
+                  <a:txBody>
+                    <a:bodyPr/>
+                    <a:lstStyle/>
+                    <a:p>
+                      <a:pPr algn="ctr"/>
+                      <a:r>
+                        <a:rPr lang="en-US" altLang="zh-TW" baseline="0" dirty="0">
+                          <a:latin typeface="Times New Roman" panose="02020603050405020304" pitchFamily="18" charset="0"/>
+                          <a:ea typeface="標楷體" panose="03000509000000000000" pitchFamily="65" charset="-120"/>
+                        </a:rPr>
+                        <a:t>Apical</a:t>
+                      </a:r>
+                      <a:endParaRPr lang="zh-TW" altLang="en-US" baseline="0" dirty="0">
+                        <a:latin typeface="Times New Roman" panose="02020603050405020304" pitchFamily="18" charset="0"/>
+                        <a:ea typeface="標楷體" panose="03000509000000000000" pitchFamily="65" charset="-120"/>
+                      </a:endParaRPr>
+                    </a:p>
+                  </a:txBody>
+                  <a:tcPr anchor="ctr"/>
+                </a:tc>
+                <a:tc>
+                  <a:txBody>
+                    <a:bodyPr/>
+                    <a:lstStyle/>
+                    <a:p>
+                      <a:pPr algn="ctr"/>
+                      <a:r>
+                        <a:rPr lang="en-US" altLang="zh-TW" baseline="0" dirty="0">
+                          <a:latin typeface="Times New Roman" panose="02020603050405020304" pitchFamily="18" charset="0"/>
+                          <a:ea typeface="標楷體" panose="03000509000000000000" pitchFamily="65" charset="-120"/>
+                        </a:rPr>
+                        <a:t>Parasternal</a:t>
+                      </a:r>
+                      <a:endParaRPr lang="zh-TW" altLang="en-US" baseline="0" dirty="0">
+                        <a:latin typeface="Times New Roman" panose="02020603050405020304" pitchFamily="18" charset="0"/>
+                        <a:ea typeface="標楷體" panose="03000509000000000000" pitchFamily="65" charset="-120"/>
+                      </a:endParaRPr>
+                    </a:p>
+                  </a:txBody>
+                  <a:tcPr anchor="ctr"/>
+                </a:tc>
+                <a:extLst>
+                  <a:ext uri="{0D108BD9-81ED-4DB2-BD59-A6C34878D82A}">
+                    <a16:rowId xmlns:a16="http://schemas.microsoft.com/office/drawing/2014/main" val="3118433895"/>
+                  </a:ext>
+                </a:extLst>
+              </a:tr>
+              <a:tr h="318589">
+                <a:tc>
+                  <a:txBody>
+                    <a:bodyPr/>
+                    <a:lstStyle/>
+                    <a:p>
+                      <a:pPr marL="0" marR="0" lvl="0" indent="0" algn="ctr" defTabSz="914400" rtl="0" eaLnBrk="1" fontAlgn="auto" latinLnBrk="0" hangingPunct="1">
+                        <a:lnSpc>
+                          <a:spcPct val="100000"/>
+                        </a:lnSpc>
+                        <a:spcBef>
+                          <a:spcPts val="0"/>
+                        </a:spcBef>
+                        <a:spcAft>
+                          <a:spcPts val="0"/>
+                        </a:spcAft>
+                        <a:buClrTx/>
+                        <a:buSzTx/>
+                        <a:buFontTx/>
+                        <a:buNone/>
+                        <a:tabLst/>
+                        <a:defRPr/>
+                      </a:pPr>
+                      <a:r>
+                        <a:rPr lang="en-US" altLang="zh-TW" baseline="0" dirty="0">
+                          <a:latin typeface="Times New Roman" panose="02020603050405020304" pitchFamily="18" charset="0"/>
+                          <a:ea typeface="標楷體" panose="03000509000000000000" pitchFamily="65" charset="-120"/>
+                        </a:rPr>
+                        <a:t>Apical</a:t>
+                      </a:r>
+                      <a:r>
+                        <a:rPr lang="zh-TW" altLang="en-US" baseline="0" dirty="0">
+                          <a:latin typeface="Times New Roman" panose="02020603050405020304" pitchFamily="18" charset="0"/>
+                          <a:ea typeface="標楷體" panose="03000509000000000000" pitchFamily="65" charset="-120"/>
+                        </a:rPr>
+                        <a:t> </a:t>
+                      </a:r>
+                      <a:r>
+                        <a:rPr lang="en-US" altLang="zh-TW" baseline="0" dirty="0">
+                          <a:latin typeface="Times New Roman" panose="02020603050405020304" pitchFamily="18" charset="0"/>
+                          <a:ea typeface="標楷體" panose="03000509000000000000" pitchFamily="65" charset="-120"/>
+                        </a:rPr>
+                        <a:t>5</a:t>
+                      </a:r>
+                      <a:r>
+                        <a:rPr lang="zh-TW" altLang="en-US" baseline="0" dirty="0">
+                          <a:latin typeface="Times New Roman" panose="02020603050405020304" pitchFamily="18" charset="0"/>
+                          <a:ea typeface="標楷體" panose="03000509000000000000" pitchFamily="65" charset="-120"/>
+                        </a:rPr>
+                        <a:t> </a:t>
+                      </a:r>
+                      <a:r>
+                        <a:rPr lang="en-US" altLang="zh-TW" baseline="0" dirty="0">
+                          <a:latin typeface="Times New Roman" panose="02020603050405020304" pitchFamily="18" charset="0"/>
+                          <a:ea typeface="標楷體" panose="03000509000000000000" pitchFamily="65" charset="-120"/>
+                        </a:rPr>
+                        <a:t>Chamber</a:t>
+                      </a:r>
+                      <a:endParaRPr lang="zh-TW" altLang="en-US" baseline="0" dirty="0">
+                        <a:latin typeface="Times New Roman" panose="02020603050405020304" pitchFamily="18" charset="0"/>
+                        <a:ea typeface="標楷體" panose="03000509000000000000" pitchFamily="65" charset="-120"/>
+                      </a:endParaRPr>
+                    </a:p>
+                  </a:txBody>
+                  <a:tcPr anchor="ctr"/>
+                </a:tc>
+                <a:tc>
+                  <a:txBody>
+                    <a:bodyPr/>
+                    <a:lstStyle/>
+                    <a:p>
+                      <a:pPr algn="ctr"/>
+                      <a:r>
+                        <a:rPr lang="en-US" altLang="zh-TW" baseline="0" dirty="0">
+                          <a:latin typeface="Times New Roman" panose="02020603050405020304" pitchFamily="18" charset="0"/>
+                          <a:ea typeface="標楷體" panose="03000509000000000000" pitchFamily="65" charset="-120"/>
+                        </a:rPr>
+                        <a:t>Parasternal short axis view (aortic valve level)</a:t>
+                      </a:r>
+                      <a:endParaRPr lang="zh-TW" altLang="en-US" baseline="0" dirty="0">
+                        <a:latin typeface="Times New Roman" panose="02020603050405020304" pitchFamily="18" charset="0"/>
+                        <a:ea typeface="標楷體" panose="03000509000000000000" pitchFamily="65" charset="-120"/>
+                      </a:endParaRPr>
+                    </a:p>
+                  </a:txBody>
+                  <a:tcPr anchor="ctr"/>
+                </a:tc>
+                <a:extLst>
+                  <a:ext uri="{0D108BD9-81ED-4DB2-BD59-A6C34878D82A}">
+                    <a16:rowId xmlns:a16="http://schemas.microsoft.com/office/drawing/2014/main" val="685073900"/>
+                  </a:ext>
+                </a:extLst>
+              </a:tr>
+              <a:tr h="318589">
+                <a:tc>
+                  <a:txBody>
+                    <a:bodyPr/>
+                    <a:lstStyle/>
+                    <a:p>
+                      <a:pPr algn="ctr"/>
+                      <a:r>
+                        <a:rPr lang="en-US" altLang="zh-TW" baseline="0" dirty="0">
+                          <a:latin typeface="Times New Roman" panose="02020603050405020304" pitchFamily="18" charset="0"/>
+                          <a:ea typeface="標楷體" panose="03000509000000000000" pitchFamily="65" charset="-120"/>
+                        </a:rPr>
+                        <a:t>Apical 4 Chamber</a:t>
+                      </a:r>
+                      <a:endParaRPr lang="zh-TW" altLang="en-US" baseline="0" dirty="0">
+                        <a:latin typeface="Times New Roman" panose="02020603050405020304" pitchFamily="18" charset="0"/>
+                        <a:ea typeface="標楷體" panose="03000509000000000000" pitchFamily="65" charset="-120"/>
+                      </a:endParaRPr>
+                    </a:p>
+                  </a:txBody>
+                  <a:tcPr anchor="ctr"/>
+                </a:tc>
+                <a:tc>
+                  <a:txBody>
+                    <a:bodyPr/>
+                    <a:lstStyle/>
+                    <a:p>
+                      <a:pPr algn="ctr"/>
+                      <a:r>
+                        <a:rPr lang="en-US" altLang="zh-TW" baseline="0" dirty="0">
+                          <a:latin typeface="Times New Roman" panose="02020603050405020304" pitchFamily="18" charset="0"/>
+                          <a:ea typeface="標楷體" panose="03000509000000000000" pitchFamily="65" charset="-120"/>
+                        </a:rPr>
+                        <a:t>Parasternal short axis view (papillary muscle level)</a:t>
+                      </a:r>
+                      <a:endParaRPr lang="zh-TW" altLang="en-US" baseline="0" dirty="0">
+                        <a:latin typeface="Times New Roman" panose="02020603050405020304" pitchFamily="18" charset="0"/>
+                        <a:ea typeface="標楷體" panose="03000509000000000000" pitchFamily="65" charset="-120"/>
+                      </a:endParaRPr>
+                    </a:p>
+                  </a:txBody>
+                  <a:tcPr anchor="ctr"/>
+                </a:tc>
+                <a:extLst>
+                  <a:ext uri="{0D108BD9-81ED-4DB2-BD59-A6C34878D82A}">
+                    <a16:rowId xmlns:a16="http://schemas.microsoft.com/office/drawing/2014/main" val="559727483"/>
+                  </a:ext>
+                </a:extLst>
+              </a:tr>
+              <a:tr h="318589">
+                <a:tc>
+                  <a:txBody>
+                    <a:bodyPr/>
+                    <a:lstStyle/>
+                    <a:p>
+                      <a:pPr algn="ctr"/>
+                      <a:r>
+                        <a:rPr lang="en-US" altLang="zh-TW" baseline="0" dirty="0">
+                          <a:latin typeface="Times New Roman" panose="02020603050405020304" pitchFamily="18" charset="0"/>
+                          <a:ea typeface="標楷體" panose="03000509000000000000" pitchFamily="65" charset="-120"/>
+                        </a:rPr>
+                        <a:t>Apical 2 Chamber</a:t>
+                      </a:r>
+                      <a:endParaRPr lang="zh-TW" altLang="en-US" baseline="0" dirty="0">
+                        <a:latin typeface="Times New Roman" panose="02020603050405020304" pitchFamily="18" charset="0"/>
+                        <a:ea typeface="標楷體" panose="03000509000000000000" pitchFamily="65" charset="-120"/>
+                      </a:endParaRPr>
+                    </a:p>
+                  </a:txBody>
+                  <a:tcPr anchor="ctr"/>
+                </a:tc>
+                <a:tc>
+                  <a:txBody>
+                    <a:bodyPr/>
+                    <a:lstStyle/>
+                    <a:p>
+                      <a:pPr algn="ctr"/>
+                      <a:r>
+                        <a:rPr lang="en-US" altLang="zh-TW" baseline="0" dirty="0">
+                          <a:latin typeface="Times New Roman" panose="02020603050405020304" pitchFamily="18" charset="0"/>
+                          <a:ea typeface="標楷體" panose="03000509000000000000" pitchFamily="65" charset="-120"/>
+                        </a:rPr>
+                        <a:t>Parasternal short axis view (near apex)</a:t>
+                      </a:r>
+                      <a:endParaRPr lang="zh-TW" altLang="en-US" baseline="0" dirty="0">
+                        <a:latin typeface="Times New Roman" panose="02020603050405020304" pitchFamily="18" charset="0"/>
+                        <a:ea typeface="標楷體" panose="03000509000000000000" pitchFamily="65" charset="-120"/>
+                      </a:endParaRPr>
+                    </a:p>
+                  </a:txBody>
+                  <a:tcPr anchor="ctr"/>
+                </a:tc>
+                <a:extLst>
+                  <a:ext uri="{0D108BD9-81ED-4DB2-BD59-A6C34878D82A}">
+                    <a16:rowId xmlns:a16="http://schemas.microsoft.com/office/drawing/2014/main" val="582406865"/>
+                  </a:ext>
+                </a:extLst>
+              </a:tr>
+              <a:tr h="318589">
+                <a:tc>
+                  <a:txBody>
+                    <a:bodyPr/>
+                    <a:lstStyle/>
+                    <a:p>
+                      <a:pPr algn="ctr"/>
+                      <a:r>
+                        <a:rPr lang="en-US" altLang="zh-TW" baseline="0" dirty="0">
+                          <a:latin typeface="Times New Roman" panose="02020603050405020304" pitchFamily="18" charset="0"/>
+                          <a:ea typeface="標楷體" panose="03000509000000000000" pitchFamily="65" charset="-120"/>
+                        </a:rPr>
+                        <a:t>Apical Long Axis(Apical 3 Chamber)</a:t>
+                      </a:r>
+                      <a:endParaRPr lang="zh-TW" altLang="en-US" baseline="0" dirty="0">
+                        <a:latin typeface="Times New Roman" panose="02020603050405020304" pitchFamily="18" charset="0"/>
+                        <a:ea typeface="標楷體" panose="03000509000000000000" pitchFamily="65" charset="-120"/>
+                      </a:endParaRPr>
+                    </a:p>
+                  </a:txBody>
+                  <a:tcPr anchor="ctr"/>
+                </a:tc>
+                <a:tc>
+                  <a:txBody>
+                    <a:bodyPr/>
+                    <a:lstStyle/>
+                    <a:p>
+                      <a:pPr algn="ctr"/>
+                      <a:r>
+                        <a:rPr lang="en-US" altLang="zh-TW" baseline="0" dirty="0">
+                          <a:latin typeface="Times New Roman" panose="02020603050405020304" pitchFamily="18" charset="0"/>
+                          <a:ea typeface="標楷體" panose="03000509000000000000" pitchFamily="65" charset="-120"/>
+                        </a:rPr>
+                        <a:t>Parasternal short axis view (mitral valve level)</a:t>
+                      </a:r>
+                      <a:endParaRPr lang="zh-TW" altLang="en-US" baseline="0" dirty="0">
+                        <a:latin typeface="Times New Roman" panose="02020603050405020304" pitchFamily="18" charset="0"/>
+                        <a:ea typeface="標楷體" panose="03000509000000000000" pitchFamily="65" charset="-120"/>
+                      </a:endParaRPr>
+                    </a:p>
+                  </a:txBody>
+                  <a:tcPr anchor="ctr"/>
+                </a:tc>
+                <a:extLst>
+                  <a:ext uri="{0D108BD9-81ED-4DB2-BD59-A6C34878D82A}">
+                    <a16:rowId xmlns:a16="http://schemas.microsoft.com/office/drawing/2014/main" val="3252293290"/>
+                  </a:ext>
+                </a:extLst>
+              </a:tr>
+              <a:tr h="318589">
+                <a:tc>
+                  <a:txBody>
+                    <a:bodyPr/>
+                    <a:lstStyle/>
+                    <a:p>
+                      <a:pPr algn="ctr"/>
+                      <a:endParaRPr lang="zh-TW" altLang="en-US" baseline="0">
+                        <a:latin typeface="Times New Roman" panose="02020603050405020304" pitchFamily="18" charset="0"/>
+                        <a:ea typeface="標楷體" panose="03000509000000000000" pitchFamily="65" charset="-120"/>
+                      </a:endParaRPr>
+                    </a:p>
+                  </a:txBody>
+                  <a:tcPr anchor="ctr"/>
+                </a:tc>
+                <a:tc>
+                  <a:txBody>
+                    <a:bodyPr/>
+                    <a:lstStyle/>
+                    <a:p>
+                      <a:pPr algn="ctr"/>
+                      <a:r>
+                        <a:rPr lang="en-US" altLang="zh-TW" baseline="0" dirty="0">
+                          <a:latin typeface="Times New Roman" panose="02020603050405020304" pitchFamily="18" charset="0"/>
+                          <a:ea typeface="標楷體" panose="03000509000000000000" pitchFamily="65" charset="-120"/>
+                        </a:rPr>
+                        <a:t>Parasternal Long Axis</a:t>
+                      </a:r>
+                      <a:endParaRPr lang="zh-TW" altLang="en-US" baseline="0" dirty="0">
+                        <a:latin typeface="Times New Roman" panose="02020603050405020304" pitchFamily="18" charset="0"/>
+                        <a:ea typeface="標楷體" panose="03000509000000000000" pitchFamily="65" charset="-120"/>
+                      </a:endParaRPr>
+                    </a:p>
+                  </a:txBody>
+                  <a:tcPr anchor="ctr"/>
+                </a:tc>
+                <a:extLst>
+                  <a:ext uri="{0D108BD9-81ED-4DB2-BD59-A6C34878D82A}">
+                    <a16:rowId xmlns:a16="http://schemas.microsoft.com/office/drawing/2014/main" val="2299600117"/>
+                  </a:ext>
+                </a:extLst>
+              </a:tr>
+            </a:tbl>
+          </a:graphicData>
+        </a:graphic>
+      </p:graphicFrame>
+      <p:sp>
+        <p:nvSpPr>
+          <p:cNvPr id="8" name="文字方塊 7">
+            <a:extLst>
+              <a:ext uri="{FF2B5EF4-FFF2-40B4-BE49-F238E27FC236}">
+                <a16:creationId xmlns:a16="http://schemas.microsoft.com/office/drawing/2014/main" id="{197D1A1A-3831-E99E-5831-925A1D777F6B}"/>
+              </a:ext>
+            </a:extLst>
+          </p:cNvPr>
+          <p:cNvSpPr txBox="1"/>
+          <p:nvPr/>
+        </p:nvSpPr>
+        <p:spPr>
+          <a:xfrm>
+            <a:off x="1028586" y="4806911"/>
+            <a:ext cx="4178323" cy="338554"/>
+          </a:xfrm>
+          <a:prstGeom prst="rect">
+            <a:avLst/>
+          </a:prstGeom>
+          <a:noFill/>
+        </p:spPr>
+        <p:txBody>
+          <a:bodyPr wrap="none" rtlCol="0">
+            <a:spAutoFit/>
+          </a:bodyPr>
+          <a:lstStyle/>
+          <a:p>
+            <a:r>
+              <a:rPr lang="zh-TW" altLang="en-US" sz="1600" dirty="0">
+                <a:latin typeface="Times New Roman" panose="02020603050405020304" pitchFamily="18" charset="0"/>
+                <a:ea typeface="標楷體" panose="03000509000000000000" pitchFamily="65" charset="-120"/>
+              </a:rPr>
+              <a:t>接下來的五頁會介紹不同 </a:t>
+            </a:r>
+            <a:r>
+              <a:rPr lang="en-US" altLang="zh-TW" sz="1600" dirty="0">
+                <a:latin typeface="Times New Roman" panose="02020603050405020304" pitchFamily="18" charset="0"/>
+                <a:ea typeface="標楷體" panose="03000509000000000000" pitchFamily="65" charset="-120"/>
+              </a:rPr>
+              <a:t>View</a:t>
+            </a:r>
+            <a:r>
+              <a:rPr lang="zh-TW" altLang="en-US" sz="1600" dirty="0">
+                <a:latin typeface="Times New Roman" panose="02020603050405020304" pitchFamily="18" charset="0"/>
+                <a:ea typeface="標楷體" panose="03000509000000000000" pitchFamily="65" charset="-120"/>
+              </a:rPr>
+              <a:t> 的圖片及腔室</a:t>
             </a:r>
           </a:p>
         </p:txBody>
@@ -3975,6 +6323,4201 @@
     <p:extLst>
       <p:ext uri="{BB962C8B-B14F-4D97-AF65-F5344CB8AC3E}">
         <p14:creationId xmlns:p14="http://schemas.microsoft.com/office/powerpoint/2010/main" val="227385371"/>
+      </p:ext>
+    </p:extLst>
+  </p:cSld>
+  <p:clrMapOvr>
+    <a:masterClrMapping/>
+  </p:clrMapOvr>
+</p:sld>
+</file>
+
+<file path=ppt/slides/slide3.xml><?xml version="1.0" encoding="utf-8"?>
+<p:sld xmlns:a="http://schemas.openxmlformats.org/drawingml/2006/main" xmlns:r="http://schemas.openxmlformats.org/officeDocument/2006/relationships" xmlns:p="http://schemas.openxmlformats.org/presentationml/2006/main">
+  <p:cSld>
+    <p:spTree>
+      <p:nvGrpSpPr>
+        <p:cNvPr id="1" name=""/>
+        <p:cNvGrpSpPr/>
+        <p:nvPr/>
+      </p:nvGrpSpPr>
+      <p:grpSpPr>
+        <a:xfrm>
+          <a:off x="0" y="0"/>
+          <a:ext cx="0" cy="0"/>
+          <a:chOff x="0" y="0"/>
+          <a:chExt cx="0" cy="0"/>
+        </a:xfrm>
+      </p:grpSpPr>
+      <p:sp>
+        <p:nvSpPr>
+          <p:cNvPr id="2" name="內容版面配置區 1">
+            <a:extLst>
+              <a:ext uri="{FF2B5EF4-FFF2-40B4-BE49-F238E27FC236}">
+                <a16:creationId xmlns:a16="http://schemas.microsoft.com/office/drawing/2014/main" id="{4E4E023D-3F40-4B3A-AEA0-AF9EA4EE7FCF}"/>
+              </a:ext>
+            </a:extLst>
+          </p:cNvPr>
+          <p:cNvSpPr>
+            <a:spLocks noGrp="1"/>
+          </p:cNvSpPr>
+          <p:nvPr>
+            <p:ph idx="1"/>
+          </p:nvPr>
+        </p:nvSpPr>
+        <p:spPr/>
+        <p:txBody>
+          <a:bodyPr>
+            <a:normAutofit/>
+          </a:bodyPr>
+          <a:lstStyle/>
+          <a:p>
+            <a:r>
+              <a:rPr lang="zh-TW" altLang="en-US" sz="2000" dirty="0"/>
+              <a:t>以下皆為不同 </a:t>
+            </a:r>
+            <a:r>
+              <a:rPr lang="en-US" altLang="zh-TW" sz="2000" dirty="0"/>
+              <a:t>View </a:t>
+            </a:r>
+            <a:r>
+              <a:rPr lang="zh-TW" altLang="en-US" sz="2000" dirty="0"/>
+              <a:t>的圖片</a:t>
+            </a:r>
+            <a:r>
+              <a:rPr lang="en-US" altLang="zh-TW" sz="2000" dirty="0"/>
+              <a:t>(</a:t>
+            </a:r>
+            <a:r>
+              <a:rPr lang="zh-TW" altLang="en-US" sz="2000" dirty="0"/>
+              <a:t>編號代表類別</a:t>
+            </a:r>
+            <a:r>
+              <a:rPr lang="en-US" altLang="zh-TW" sz="2000" dirty="0"/>
+              <a:t>)</a:t>
+            </a:r>
+            <a:r>
+              <a:rPr lang="zh-TW" altLang="en-US" sz="2000" dirty="0"/>
+              <a:t> </a:t>
+            </a:r>
+            <a:endParaRPr lang="en-US" altLang="zh-TW" sz="2000" dirty="0"/>
+          </a:p>
+        </p:txBody>
+      </p:sp>
+      <p:sp>
+        <p:nvSpPr>
+          <p:cNvPr id="3" name="標題 2">
+            <a:extLst>
+              <a:ext uri="{FF2B5EF4-FFF2-40B4-BE49-F238E27FC236}">
+                <a16:creationId xmlns:a16="http://schemas.microsoft.com/office/drawing/2014/main" id="{25064C52-DA7E-4B79-92ED-DAF7CB9A641A}"/>
+              </a:ext>
+            </a:extLst>
+          </p:cNvPr>
+          <p:cNvSpPr>
+            <a:spLocks noGrp="1"/>
+          </p:cNvSpPr>
+          <p:nvPr>
+            <p:ph type="title"/>
+          </p:nvPr>
+        </p:nvSpPr>
+        <p:spPr/>
+        <p:txBody>
+          <a:bodyPr/>
+          <a:lstStyle/>
+          <a:p>
+            <a:r>
+              <a:rPr lang="zh-TW" altLang="en-US" dirty="0"/>
+              <a:t>心臟超音波影像的 </a:t>
+            </a:r>
+            <a:r>
+              <a:rPr lang="en-US" altLang="zh-TW" dirty="0"/>
+              <a:t>9</a:t>
+            </a:r>
+            <a:r>
+              <a:rPr lang="zh-TW" altLang="en-US" dirty="0"/>
+              <a:t> 種 </a:t>
+            </a:r>
+            <a:r>
+              <a:rPr lang="en-US" altLang="zh-TW" dirty="0"/>
+              <a:t>View</a:t>
+            </a:r>
+            <a:endParaRPr lang="zh-TW" altLang="en-US" dirty="0"/>
+          </a:p>
+        </p:txBody>
+      </p:sp>
+      <p:pic>
+        <p:nvPicPr>
+          <p:cNvPr id="5" name="圖片 4">
+            <a:extLst>
+              <a:ext uri="{FF2B5EF4-FFF2-40B4-BE49-F238E27FC236}">
+                <a16:creationId xmlns:a16="http://schemas.microsoft.com/office/drawing/2014/main" id="{E11403D8-272D-B202-C543-2FA8F81999EF}"/>
+              </a:ext>
+            </a:extLst>
+          </p:cNvPr>
+          <p:cNvPicPr>
+            <a:picLocks noChangeAspect="1"/>
+          </p:cNvPicPr>
+          <p:nvPr/>
+        </p:nvPicPr>
+        <p:blipFill>
+          <a:blip r:embed="rId2"/>
+          <a:stretch>
+            <a:fillRect/>
+          </a:stretch>
+        </p:blipFill>
+        <p:spPr>
+          <a:xfrm>
+            <a:off x="556107" y="1603887"/>
+            <a:ext cx="4873143" cy="3490114"/>
+          </a:xfrm>
+          <a:prstGeom prst="rect">
+            <a:avLst/>
+          </a:prstGeom>
+        </p:spPr>
+      </p:pic>
+      <p:sp>
+        <p:nvSpPr>
+          <p:cNvPr id="6" name="文字方塊 5">
+            <a:extLst>
+              <a:ext uri="{FF2B5EF4-FFF2-40B4-BE49-F238E27FC236}">
+                <a16:creationId xmlns:a16="http://schemas.microsoft.com/office/drawing/2014/main" id="{A84241F6-28ED-9D7B-0630-1E83A008B435}"/>
+              </a:ext>
+            </a:extLst>
+          </p:cNvPr>
+          <p:cNvSpPr txBox="1"/>
+          <p:nvPr/>
+        </p:nvSpPr>
+        <p:spPr>
+          <a:xfrm>
+            <a:off x="1275151" y="5070673"/>
+            <a:ext cx="2930289" cy="369332"/>
+          </a:xfrm>
+          <a:prstGeom prst="rect">
+            <a:avLst/>
+          </a:prstGeom>
+          <a:noFill/>
+        </p:spPr>
+        <p:txBody>
+          <a:bodyPr wrap="none" rtlCol="0">
+            <a:spAutoFit/>
+          </a:bodyPr>
+          <a:lstStyle/>
+          <a:p>
+            <a:r>
+              <a:rPr lang="en-US" altLang="zh-TW" dirty="0">
+                <a:latin typeface="Times New Roman" panose="02020603050405020304" pitchFamily="18" charset="0"/>
+                <a:ea typeface="標楷體" panose="03000509000000000000" pitchFamily="65" charset="-120"/>
+              </a:rPr>
+              <a:t>1.</a:t>
+            </a:r>
+            <a:r>
+              <a:rPr lang="zh-TW" altLang="en-US" dirty="0">
+                <a:latin typeface="Times New Roman" panose="02020603050405020304" pitchFamily="18" charset="0"/>
+                <a:ea typeface="標楷體" panose="03000509000000000000" pitchFamily="65" charset="-120"/>
+              </a:rPr>
+              <a:t> </a:t>
+            </a:r>
+            <a:r>
+              <a:rPr lang="en-US" altLang="zh-TW" dirty="0">
+                <a:latin typeface="Times New Roman" panose="02020603050405020304" pitchFamily="18" charset="0"/>
+                <a:ea typeface="標楷體" panose="03000509000000000000" pitchFamily="65" charset="-120"/>
+              </a:rPr>
+              <a:t>Apical Five Chamber View</a:t>
+            </a:r>
+            <a:endParaRPr lang="zh-TW" altLang="en-US" dirty="0">
+              <a:latin typeface="Times New Roman" panose="02020603050405020304" pitchFamily="18" charset="0"/>
+              <a:ea typeface="標楷體" panose="03000509000000000000" pitchFamily="65" charset="-120"/>
+            </a:endParaRPr>
+          </a:p>
+        </p:txBody>
+      </p:sp>
+      <p:pic>
+        <p:nvPicPr>
+          <p:cNvPr id="7" name="圖片 6">
+            <a:extLst>
+              <a:ext uri="{FF2B5EF4-FFF2-40B4-BE49-F238E27FC236}">
+                <a16:creationId xmlns:a16="http://schemas.microsoft.com/office/drawing/2014/main" id="{4EFE8074-979A-FA58-0484-FC09420B18FE}"/>
+              </a:ext>
+            </a:extLst>
+          </p:cNvPr>
+          <p:cNvPicPr>
+            <a:picLocks noChangeAspect="1"/>
+          </p:cNvPicPr>
+          <p:nvPr/>
+        </p:nvPicPr>
+        <p:blipFill>
+          <a:blip r:embed="rId3"/>
+          <a:stretch>
+            <a:fillRect/>
+          </a:stretch>
+        </p:blipFill>
+        <p:spPr>
+          <a:xfrm>
+            <a:off x="5964222" y="1602253"/>
+            <a:ext cx="4770453" cy="3516962"/>
+          </a:xfrm>
+          <a:prstGeom prst="rect">
+            <a:avLst/>
+          </a:prstGeom>
+        </p:spPr>
+      </p:pic>
+      <p:sp>
+        <p:nvSpPr>
+          <p:cNvPr id="8" name="文字方塊 7">
+            <a:extLst>
+              <a:ext uri="{FF2B5EF4-FFF2-40B4-BE49-F238E27FC236}">
+                <a16:creationId xmlns:a16="http://schemas.microsoft.com/office/drawing/2014/main" id="{08B082D2-FC87-07F2-1FAA-0E7A5521309E}"/>
+              </a:ext>
+            </a:extLst>
+          </p:cNvPr>
+          <p:cNvSpPr txBox="1"/>
+          <p:nvPr/>
+        </p:nvSpPr>
+        <p:spPr>
+          <a:xfrm>
+            <a:off x="2125947" y="3188827"/>
+            <a:ext cx="571500" cy="369332"/>
+          </a:xfrm>
+          <a:prstGeom prst="rect">
+            <a:avLst/>
+          </a:prstGeom>
+          <a:noFill/>
+        </p:spPr>
+        <p:txBody>
+          <a:bodyPr wrap="square" rtlCol="0">
+            <a:spAutoFit/>
+          </a:bodyPr>
+          <a:lstStyle/>
+          <a:p>
+            <a:r>
+              <a:rPr lang="en-US" altLang="zh-TW" dirty="0">
+                <a:solidFill>
+                  <a:srgbClr val="FF0000"/>
+                </a:solidFill>
+                <a:latin typeface="Times New Roman" panose="02020603050405020304" pitchFamily="18" charset="0"/>
+                <a:ea typeface="標楷體" panose="03000509000000000000" pitchFamily="65" charset="-120"/>
+              </a:rPr>
+              <a:t>RV</a:t>
+            </a:r>
+            <a:endParaRPr lang="zh-TW" altLang="en-US" dirty="0">
+              <a:solidFill>
+                <a:srgbClr val="FF0000"/>
+              </a:solidFill>
+              <a:latin typeface="Times New Roman" panose="02020603050405020304" pitchFamily="18" charset="0"/>
+              <a:ea typeface="標楷體" panose="03000509000000000000" pitchFamily="65" charset="-120"/>
+            </a:endParaRPr>
+          </a:p>
+        </p:txBody>
+      </p:sp>
+      <p:sp>
+        <p:nvSpPr>
+          <p:cNvPr id="9" name="文字方塊 8">
+            <a:extLst>
+              <a:ext uri="{FF2B5EF4-FFF2-40B4-BE49-F238E27FC236}">
+                <a16:creationId xmlns:a16="http://schemas.microsoft.com/office/drawing/2014/main" id="{5AD86168-C5FE-194E-213C-46976F822A0F}"/>
+              </a:ext>
+            </a:extLst>
+          </p:cNvPr>
+          <p:cNvSpPr txBox="1"/>
+          <p:nvPr/>
+        </p:nvSpPr>
+        <p:spPr>
+          <a:xfrm>
+            <a:off x="2034795" y="4042425"/>
+            <a:ext cx="571500" cy="369332"/>
+          </a:xfrm>
+          <a:prstGeom prst="rect">
+            <a:avLst/>
+          </a:prstGeom>
+          <a:noFill/>
+        </p:spPr>
+        <p:txBody>
+          <a:bodyPr wrap="square" rtlCol="0">
+            <a:spAutoFit/>
+          </a:bodyPr>
+          <a:lstStyle/>
+          <a:p>
+            <a:r>
+              <a:rPr lang="en-US" altLang="zh-TW" dirty="0">
+                <a:solidFill>
+                  <a:srgbClr val="FF0000"/>
+                </a:solidFill>
+                <a:latin typeface="Times New Roman" panose="02020603050405020304" pitchFamily="18" charset="0"/>
+                <a:ea typeface="標楷體" panose="03000509000000000000" pitchFamily="65" charset="-120"/>
+              </a:rPr>
+              <a:t>RA</a:t>
+            </a:r>
+            <a:endParaRPr lang="zh-TW" altLang="en-US" dirty="0">
+              <a:solidFill>
+                <a:srgbClr val="FF0000"/>
+              </a:solidFill>
+              <a:latin typeface="Times New Roman" panose="02020603050405020304" pitchFamily="18" charset="0"/>
+              <a:ea typeface="標楷體" panose="03000509000000000000" pitchFamily="65" charset="-120"/>
+            </a:endParaRPr>
+          </a:p>
+        </p:txBody>
+      </p:sp>
+      <p:sp>
+        <p:nvSpPr>
+          <p:cNvPr id="10" name="文字方塊 9">
+            <a:extLst>
+              <a:ext uri="{FF2B5EF4-FFF2-40B4-BE49-F238E27FC236}">
+                <a16:creationId xmlns:a16="http://schemas.microsoft.com/office/drawing/2014/main" id="{46E685EB-AC43-053C-48A4-420EC7DC2462}"/>
+              </a:ext>
+            </a:extLst>
+          </p:cNvPr>
+          <p:cNvSpPr txBox="1"/>
+          <p:nvPr/>
+        </p:nvSpPr>
+        <p:spPr>
+          <a:xfrm>
+            <a:off x="2712127" y="4193473"/>
+            <a:ext cx="571500" cy="369332"/>
+          </a:xfrm>
+          <a:prstGeom prst="rect">
+            <a:avLst/>
+          </a:prstGeom>
+          <a:noFill/>
+        </p:spPr>
+        <p:txBody>
+          <a:bodyPr wrap="square" rtlCol="0">
+            <a:spAutoFit/>
+          </a:bodyPr>
+          <a:lstStyle/>
+          <a:p>
+            <a:r>
+              <a:rPr lang="en-US" altLang="zh-TW" dirty="0">
+                <a:solidFill>
+                  <a:srgbClr val="FF0000"/>
+                </a:solidFill>
+                <a:latin typeface="Times New Roman" panose="02020603050405020304" pitchFamily="18" charset="0"/>
+                <a:ea typeface="標楷體" panose="03000509000000000000" pitchFamily="65" charset="-120"/>
+              </a:rPr>
+              <a:t>LA</a:t>
+            </a:r>
+            <a:endParaRPr lang="zh-TW" altLang="en-US" dirty="0">
+              <a:solidFill>
+                <a:srgbClr val="FF0000"/>
+              </a:solidFill>
+              <a:latin typeface="Times New Roman" panose="02020603050405020304" pitchFamily="18" charset="0"/>
+              <a:ea typeface="標楷體" panose="03000509000000000000" pitchFamily="65" charset="-120"/>
+            </a:endParaRPr>
+          </a:p>
+        </p:txBody>
+      </p:sp>
+      <p:sp>
+        <p:nvSpPr>
+          <p:cNvPr id="11" name="文字方塊 10">
+            <a:extLst>
+              <a:ext uri="{FF2B5EF4-FFF2-40B4-BE49-F238E27FC236}">
+                <a16:creationId xmlns:a16="http://schemas.microsoft.com/office/drawing/2014/main" id="{1D201A93-727C-A223-AB3A-2F8F16FF165D}"/>
+              </a:ext>
+            </a:extLst>
+          </p:cNvPr>
+          <p:cNvSpPr txBox="1"/>
+          <p:nvPr/>
+        </p:nvSpPr>
+        <p:spPr>
+          <a:xfrm>
+            <a:off x="2914921" y="3234322"/>
+            <a:ext cx="571500" cy="369332"/>
+          </a:xfrm>
+          <a:prstGeom prst="rect">
+            <a:avLst/>
+          </a:prstGeom>
+          <a:noFill/>
+        </p:spPr>
+        <p:txBody>
+          <a:bodyPr wrap="square" rtlCol="0">
+            <a:spAutoFit/>
+          </a:bodyPr>
+          <a:lstStyle/>
+          <a:p>
+            <a:r>
+              <a:rPr lang="en-US" altLang="zh-TW" dirty="0">
+                <a:solidFill>
+                  <a:srgbClr val="FF0000"/>
+                </a:solidFill>
+                <a:latin typeface="Times New Roman" panose="02020603050405020304" pitchFamily="18" charset="0"/>
+                <a:ea typeface="標楷體" panose="03000509000000000000" pitchFamily="65" charset="-120"/>
+              </a:rPr>
+              <a:t>LV</a:t>
+            </a:r>
+            <a:endParaRPr lang="zh-TW" altLang="en-US" dirty="0">
+              <a:solidFill>
+                <a:srgbClr val="FF0000"/>
+              </a:solidFill>
+              <a:latin typeface="Times New Roman" panose="02020603050405020304" pitchFamily="18" charset="0"/>
+              <a:ea typeface="標楷體" panose="03000509000000000000" pitchFamily="65" charset="-120"/>
+            </a:endParaRPr>
+          </a:p>
+        </p:txBody>
+      </p:sp>
+      <p:sp>
+        <p:nvSpPr>
+          <p:cNvPr id="12" name="文字方塊 11">
+            <a:extLst>
+              <a:ext uri="{FF2B5EF4-FFF2-40B4-BE49-F238E27FC236}">
+                <a16:creationId xmlns:a16="http://schemas.microsoft.com/office/drawing/2014/main" id="{5B2EB962-0B4C-9C9C-3AFD-F79A3926A296}"/>
+              </a:ext>
+            </a:extLst>
+          </p:cNvPr>
+          <p:cNvSpPr txBox="1"/>
+          <p:nvPr/>
+        </p:nvSpPr>
+        <p:spPr>
+          <a:xfrm>
+            <a:off x="2320545" y="3691150"/>
+            <a:ext cx="839503" cy="369332"/>
+          </a:xfrm>
+          <a:prstGeom prst="rect">
+            <a:avLst/>
+          </a:prstGeom>
+          <a:noFill/>
+        </p:spPr>
+        <p:txBody>
+          <a:bodyPr wrap="square" rtlCol="0">
+            <a:spAutoFit/>
+          </a:bodyPr>
+          <a:lstStyle/>
+          <a:p>
+            <a:r>
+              <a:rPr lang="en-US" altLang="zh-TW" dirty="0">
+                <a:solidFill>
+                  <a:srgbClr val="FF0000"/>
+                </a:solidFill>
+                <a:latin typeface="Times New Roman" panose="02020603050405020304" pitchFamily="18" charset="0"/>
+                <a:ea typeface="標楷體" panose="03000509000000000000" pitchFamily="65" charset="-120"/>
+              </a:rPr>
+              <a:t>Aortic</a:t>
+            </a:r>
+            <a:endParaRPr lang="zh-TW" altLang="en-US" dirty="0">
+              <a:solidFill>
+                <a:srgbClr val="FF0000"/>
+              </a:solidFill>
+              <a:latin typeface="Times New Roman" panose="02020603050405020304" pitchFamily="18" charset="0"/>
+              <a:ea typeface="標楷體" panose="03000509000000000000" pitchFamily="65" charset="-120"/>
+            </a:endParaRPr>
+          </a:p>
+        </p:txBody>
+      </p:sp>
+      <p:sp>
+        <p:nvSpPr>
+          <p:cNvPr id="13" name="文字方塊 12">
+            <a:extLst>
+              <a:ext uri="{FF2B5EF4-FFF2-40B4-BE49-F238E27FC236}">
+                <a16:creationId xmlns:a16="http://schemas.microsoft.com/office/drawing/2014/main" id="{F775683A-F593-702A-E0B6-D614B5C95DC6}"/>
+              </a:ext>
+            </a:extLst>
+          </p:cNvPr>
+          <p:cNvSpPr txBox="1"/>
+          <p:nvPr/>
+        </p:nvSpPr>
+        <p:spPr>
+          <a:xfrm>
+            <a:off x="4487533" y="5414836"/>
+            <a:ext cx="2649764" cy="923330"/>
+          </a:xfrm>
+          <a:prstGeom prst="rect">
+            <a:avLst/>
+          </a:prstGeom>
+          <a:noFill/>
+        </p:spPr>
+        <p:txBody>
+          <a:bodyPr wrap="none" rtlCol="0">
+            <a:spAutoFit/>
+          </a:bodyPr>
+          <a:lstStyle/>
+          <a:p>
+            <a:r>
+              <a:rPr lang="en-US" altLang="zh-TW" dirty="0">
+                <a:latin typeface="Times New Roman" panose="02020603050405020304" pitchFamily="18" charset="0"/>
+                <a:ea typeface="標楷體" panose="03000509000000000000" pitchFamily="65" charset="-120"/>
+              </a:rPr>
+              <a:t>RV: </a:t>
+            </a:r>
+            <a:r>
+              <a:rPr lang="zh-TW" altLang="en-US" dirty="0">
+                <a:latin typeface="Times New Roman" panose="02020603050405020304" pitchFamily="18" charset="0"/>
+                <a:ea typeface="標楷體" panose="03000509000000000000" pitchFamily="65" charset="-120"/>
+              </a:rPr>
+              <a:t>右心室，</a:t>
+            </a:r>
+            <a:r>
+              <a:rPr lang="en-US" altLang="zh-TW" dirty="0">
+                <a:latin typeface="Times New Roman" panose="02020603050405020304" pitchFamily="18" charset="0"/>
+                <a:ea typeface="標楷體" panose="03000509000000000000" pitchFamily="65" charset="-120"/>
+              </a:rPr>
+              <a:t>RA:</a:t>
+            </a:r>
+            <a:r>
+              <a:rPr lang="zh-TW" altLang="en-US" dirty="0">
+                <a:latin typeface="Times New Roman" panose="02020603050405020304" pitchFamily="18" charset="0"/>
+                <a:ea typeface="標楷體" panose="03000509000000000000" pitchFamily="65" charset="-120"/>
+              </a:rPr>
+              <a:t> 右心房</a:t>
+            </a:r>
+            <a:endParaRPr lang="en-US" altLang="zh-TW" dirty="0">
+              <a:latin typeface="Times New Roman" panose="02020603050405020304" pitchFamily="18" charset="0"/>
+              <a:ea typeface="標楷體" panose="03000509000000000000" pitchFamily="65" charset="-120"/>
+            </a:endParaRPr>
+          </a:p>
+          <a:p>
+            <a:r>
+              <a:rPr lang="en-US" altLang="zh-TW" dirty="0">
+                <a:latin typeface="Times New Roman" panose="02020603050405020304" pitchFamily="18" charset="0"/>
+                <a:ea typeface="標楷體" panose="03000509000000000000" pitchFamily="65" charset="-120"/>
+              </a:rPr>
+              <a:t>LV:</a:t>
+            </a:r>
+            <a:r>
+              <a:rPr lang="zh-TW" altLang="en-US" dirty="0">
+                <a:latin typeface="Times New Roman" panose="02020603050405020304" pitchFamily="18" charset="0"/>
+                <a:ea typeface="標楷體" panose="03000509000000000000" pitchFamily="65" charset="-120"/>
+              </a:rPr>
+              <a:t> 左心室，</a:t>
+            </a:r>
+            <a:r>
+              <a:rPr lang="en-US" altLang="zh-TW" dirty="0">
+                <a:latin typeface="Times New Roman" panose="02020603050405020304" pitchFamily="18" charset="0"/>
+                <a:ea typeface="標楷體" panose="03000509000000000000" pitchFamily="65" charset="-120"/>
+              </a:rPr>
+              <a:t>LA:</a:t>
+            </a:r>
+            <a:r>
+              <a:rPr lang="zh-TW" altLang="en-US" dirty="0">
+                <a:latin typeface="Times New Roman" panose="02020603050405020304" pitchFamily="18" charset="0"/>
+                <a:ea typeface="標楷體" panose="03000509000000000000" pitchFamily="65" charset="-120"/>
+              </a:rPr>
+              <a:t> 左心房</a:t>
+            </a:r>
+            <a:endParaRPr lang="en-US" altLang="zh-TW" dirty="0">
+              <a:latin typeface="Times New Roman" panose="02020603050405020304" pitchFamily="18" charset="0"/>
+              <a:ea typeface="標楷體" panose="03000509000000000000" pitchFamily="65" charset="-120"/>
+            </a:endParaRPr>
+          </a:p>
+          <a:p>
+            <a:r>
+              <a:rPr lang="en-US" altLang="zh-TW" dirty="0">
+                <a:latin typeface="Times New Roman" panose="02020603050405020304" pitchFamily="18" charset="0"/>
+                <a:ea typeface="標楷體" panose="03000509000000000000" pitchFamily="65" charset="-120"/>
+              </a:rPr>
+              <a:t>Aortic: </a:t>
+            </a:r>
+            <a:r>
+              <a:rPr lang="zh-TW" altLang="en-US" dirty="0">
+                <a:latin typeface="Times New Roman" panose="02020603050405020304" pitchFamily="18" charset="0"/>
+                <a:ea typeface="標楷體" panose="03000509000000000000" pitchFamily="65" charset="-120"/>
+              </a:rPr>
+              <a:t>動脈</a:t>
+            </a:r>
+          </a:p>
+        </p:txBody>
+      </p:sp>
+      <p:sp>
+        <p:nvSpPr>
+          <p:cNvPr id="14" name="文字方塊 13">
+            <a:extLst>
+              <a:ext uri="{FF2B5EF4-FFF2-40B4-BE49-F238E27FC236}">
+                <a16:creationId xmlns:a16="http://schemas.microsoft.com/office/drawing/2014/main" id="{B755888F-7022-B667-FF7E-5508E848CF76}"/>
+              </a:ext>
+            </a:extLst>
+          </p:cNvPr>
+          <p:cNvSpPr txBox="1"/>
+          <p:nvPr/>
+        </p:nvSpPr>
+        <p:spPr>
+          <a:xfrm>
+            <a:off x="7659972" y="3244334"/>
+            <a:ext cx="571500" cy="369332"/>
+          </a:xfrm>
+          <a:prstGeom prst="rect">
+            <a:avLst/>
+          </a:prstGeom>
+          <a:noFill/>
+        </p:spPr>
+        <p:txBody>
+          <a:bodyPr wrap="square" rtlCol="0">
+            <a:spAutoFit/>
+          </a:bodyPr>
+          <a:lstStyle/>
+          <a:p>
+            <a:r>
+              <a:rPr lang="en-US" altLang="zh-TW" dirty="0">
+                <a:solidFill>
+                  <a:srgbClr val="FF0000"/>
+                </a:solidFill>
+                <a:latin typeface="Times New Roman" panose="02020603050405020304" pitchFamily="18" charset="0"/>
+                <a:ea typeface="標楷體" panose="03000509000000000000" pitchFamily="65" charset="-120"/>
+              </a:rPr>
+              <a:t>RV</a:t>
+            </a:r>
+            <a:endParaRPr lang="zh-TW" altLang="en-US" dirty="0">
+              <a:solidFill>
+                <a:srgbClr val="FF0000"/>
+              </a:solidFill>
+              <a:latin typeface="Times New Roman" panose="02020603050405020304" pitchFamily="18" charset="0"/>
+              <a:ea typeface="標楷體" panose="03000509000000000000" pitchFamily="65" charset="-120"/>
+            </a:endParaRPr>
+          </a:p>
+        </p:txBody>
+      </p:sp>
+      <p:sp>
+        <p:nvSpPr>
+          <p:cNvPr id="15" name="文字方塊 14">
+            <a:extLst>
+              <a:ext uri="{FF2B5EF4-FFF2-40B4-BE49-F238E27FC236}">
+                <a16:creationId xmlns:a16="http://schemas.microsoft.com/office/drawing/2014/main" id="{64DA67CA-0C70-77FC-F0F9-20596F445052}"/>
+              </a:ext>
+            </a:extLst>
+          </p:cNvPr>
+          <p:cNvSpPr txBox="1"/>
+          <p:nvPr/>
+        </p:nvSpPr>
+        <p:spPr>
+          <a:xfrm>
+            <a:off x="8123899" y="4066870"/>
+            <a:ext cx="571500" cy="369332"/>
+          </a:xfrm>
+          <a:prstGeom prst="rect">
+            <a:avLst/>
+          </a:prstGeom>
+          <a:noFill/>
+        </p:spPr>
+        <p:txBody>
+          <a:bodyPr wrap="square" rtlCol="0">
+            <a:spAutoFit/>
+          </a:bodyPr>
+          <a:lstStyle/>
+          <a:p>
+            <a:r>
+              <a:rPr lang="en-US" altLang="zh-TW" dirty="0">
+                <a:solidFill>
+                  <a:srgbClr val="FF0000"/>
+                </a:solidFill>
+                <a:latin typeface="Times New Roman" panose="02020603050405020304" pitchFamily="18" charset="0"/>
+                <a:ea typeface="標楷體" panose="03000509000000000000" pitchFamily="65" charset="-120"/>
+              </a:rPr>
+              <a:t>LA</a:t>
+            </a:r>
+            <a:endParaRPr lang="zh-TW" altLang="en-US" dirty="0">
+              <a:solidFill>
+                <a:srgbClr val="FF0000"/>
+              </a:solidFill>
+              <a:latin typeface="Times New Roman" panose="02020603050405020304" pitchFamily="18" charset="0"/>
+              <a:ea typeface="標楷體" panose="03000509000000000000" pitchFamily="65" charset="-120"/>
+            </a:endParaRPr>
+          </a:p>
+        </p:txBody>
+      </p:sp>
+      <p:sp>
+        <p:nvSpPr>
+          <p:cNvPr id="16" name="文字方塊 15">
+            <a:extLst>
+              <a:ext uri="{FF2B5EF4-FFF2-40B4-BE49-F238E27FC236}">
+                <a16:creationId xmlns:a16="http://schemas.microsoft.com/office/drawing/2014/main" id="{BB27B928-D0C5-F49E-4C24-F323C4DBBB1F}"/>
+              </a:ext>
+            </a:extLst>
+          </p:cNvPr>
+          <p:cNvSpPr txBox="1"/>
+          <p:nvPr/>
+        </p:nvSpPr>
+        <p:spPr>
+          <a:xfrm>
+            <a:off x="7549630" y="3987396"/>
+            <a:ext cx="571500" cy="369332"/>
+          </a:xfrm>
+          <a:prstGeom prst="rect">
+            <a:avLst/>
+          </a:prstGeom>
+          <a:noFill/>
+        </p:spPr>
+        <p:txBody>
+          <a:bodyPr wrap="square" rtlCol="0">
+            <a:spAutoFit/>
+          </a:bodyPr>
+          <a:lstStyle/>
+          <a:p>
+            <a:r>
+              <a:rPr lang="en-US" altLang="zh-TW" dirty="0">
+                <a:solidFill>
+                  <a:srgbClr val="FF0000"/>
+                </a:solidFill>
+                <a:latin typeface="Times New Roman" panose="02020603050405020304" pitchFamily="18" charset="0"/>
+                <a:ea typeface="標楷體" panose="03000509000000000000" pitchFamily="65" charset="-120"/>
+              </a:rPr>
+              <a:t>RA</a:t>
+            </a:r>
+            <a:endParaRPr lang="zh-TW" altLang="en-US" dirty="0">
+              <a:solidFill>
+                <a:srgbClr val="FF0000"/>
+              </a:solidFill>
+              <a:latin typeface="Times New Roman" panose="02020603050405020304" pitchFamily="18" charset="0"/>
+              <a:ea typeface="標楷體" panose="03000509000000000000" pitchFamily="65" charset="-120"/>
+            </a:endParaRPr>
+          </a:p>
+        </p:txBody>
+      </p:sp>
+      <p:sp>
+        <p:nvSpPr>
+          <p:cNvPr id="17" name="文字方塊 16">
+            <a:extLst>
+              <a:ext uri="{FF2B5EF4-FFF2-40B4-BE49-F238E27FC236}">
+                <a16:creationId xmlns:a16="http://schemas.microsoft.com/office/drawing/2014/main" id="{6FD1A2EC-119E-B687-0309-942EB26823A9}"/>
+              </a:ext>
+            </a:extLst>
+          </p:cNvPr>
+          <p:cNvSpPr txBox="1"/>
+          <p:nvPr/>
+        </p:nvSpPr>
+        <p:spPr>
+          <a:xfrm>
+            <a:off x="8349719" y="3244334"/>
+            <a:ext cx="571500" cy="369332"/>
+          </a:xfrm>
+          <a:prstGeom prst="rect">
+            <a:avLst/>
+          </a:prstGeom>
+          <a:noFill/>
+        </p:spPr>
+        <p:txBody>
+          <a:bodyPr wrap="square" rtlCol="0">
+            <a:spAutoFit/>
+          </a:bodyPr>
+          <a:lstStyle/>
+          <a:p>
+            <a:r>
+              <a:rPr lang="en-US" altLang="zh-TW" dirty="0">
+                <a:solidFill>
+                  <a:srgbClr val="FF0000"/>
+                </a:solidFill>
+                <a:latin typeface="Times New Roman" panose="02020603050405020304" pitchFamily="18" charset="0"/>
+                <a:ea typeface="標楷體" panose="03000509000000000000" pitchFamily="65" charset="-120"/>
+              </a:rPr>
+              <a:t>LV</a:t>
+            </a:r>
+            <a:endParaRPr lang="zh-TW" altLang="en-US" dirty="0">
+              <a:solidFill>
+                <a:srgbClr val="FF0000"/>
+              </a:solidFill>
+              <a:latin typeface="Times New Roman" panose="02020603050405020304" pitchFamily="18" charset="0"/>
+              <a:ea typeface="標楷體" panose="03000509000000000000" pitchFamily="65" charset="-120"/>
+            </a:endParaRPr>
+          </a:p>
+        </p:txBody>
+      </p:sp>
+      <p:sp>
+        <p:nvSpPr>
+          <p:cNvPr id="18" name="文字方塊 17">
+            <a:extLst>
+              <a:ext uri="{FF2B5EF4-FFF2-40B4-BE49-F238E27FC236}">
+                <a16:creationId xmlns:a16="http://schemas.microsoft.com/office/drawing/2014/main" id="{E113BA16-E5BF-8577-0302-9A8BD2D354C7}"/>
+              </a:ext>
+            </a:extLst>
+          </p:cNvPr>
+          <p:cNvSpPr txBox="1"/>
+          <p:nvPr/>
+        </p:nvSpPr>
+        <p:spPr>
+          <a:xfrm>
+            <a:off x="6766327" y="5062766"/>
+            <a:ext cx="2955937" cy="369332"/>
+          </a:xfrm>
+          <a:prstGeom prst="rect">
+            <a:avLst/>
+          </a:prstGeom>
+          <a:noFill/>
+        </p:spPr>
+        <p:txBody>
+          <a:bodyPr wrap="none" rtlCol="0">
+            <a:spAutoFit/>
+          </a:bodyPr>
+          <a:lstStyle/>
+          <a:p>
+            <a:r>
+              <a:rPr lang="en-US" altLang="zh-TW" dirty="0">
+                <a:latin typeface="Times New Roman" panose="02020603050405020304" pitchFamily="18" charset="0"/>
+                <a:ea typeface="標楷體" panose="03000509000000000000" pitchFamily="65" charset="-120"/>
+              </a:rPr>
+              <a:t>2.</a:t>
+            </a:r>
+            <a:r>
+              <a:rPr lang="zh-TW" altLang="en-US" dirty="0">
+                <a:latin typeface="Times New Roman" panose="02020603050405020304" pitchFamily="18" charset="0"/>
+                <a:ea typeface="標楷體" panose="03000509000000000000" pitchFamily="65" charset="-120"/>
+              </a:rPr>
+              <a:t> </a:t>
+            </a:r>
+            <a:r>
+              <a:rPr lang="en-US" altLang="zh-TW" dirty="0">
+                <a:latin typeface="Times New Roman" panose="02020603050405020304" pitchFamily="18" charset="0"/>
+                <a:ea typeface="標楷體" panose="03000509000000000000" pitchFamily="65" charset="-120"/>
+              </a:rPr>
+              <a:t>Apical Four Chamber View</a:t>
+            </a:r>
+            <a:endParaRPr lang="zh-TW" altLang="en-US" dirty="0">
+              <a:latin typeface="Times New Roman" panose="02020603050405020304" pitchFamily="18" charset="0"/>
+              <a:ea typeface="標楷體" panose="03000509000000000000" pitchFamily="65" charset="-120"/>
+            </a:endParaRPr>
+          </a:p>
+        </p:txBody>
+      </p:sp>
+    </p:spTree>
+    <p:extLst>
+      <p:ext uri="{BB962C8B-B14F-4D97-AF65-F5344CB8AC3E}">
+        <p14:creationId xmlns:p14="http://schemas.microsoft.com/office/powerpoint/2010/main" val="3601181718"/>
+      </p:ext>
+    </p:extLst>
+  </p:cSld>
+  <p:clrMapOvr>
+    <a:masterClrMapping/>
+  </p:clrMapOvr>
+</p:sld>
+</file>
+
+<file path=ppt/slides/slide4.xml><?xml version="1.0" encoding="utf-8"?>
+<p:sld xmlns:a="http://schemas.openxmlformats.org/drawingml/2006/main" xmlns:r="http://schemas.openxmlformats.org/officeDocument/2006/relationships" xmlns:p="http://schemas.openxmlformats.org/presentationml/2006/main">
+  <p:cSld>
+    <p:spTree>
+      <p:nvGrpSpPr>
+        <p:cNvPr id="1" name=""/>
+        <p:cNvGrpSpPr/>
+        <p:nvPr/>
+      </p:nvGrpSpPr>
+      <p:grpSpPr>
+        <a:xfrm>
+          <a:off x="0" y="0"/>
+          <a:ext cx="0" cy="0"/>
+          <a:chOff x="0" y="0"/>
+          <a:chExt cx="0" cy="0"/>
+        </a:xfrm>
+      </p:grpSpPr>
+      <p:sp>
+        <p:nvSpPr>
+          <p:cNvPr id="2" name="內容版面配置區 1">
+            <a:extLst>
+              <a:ext uri="{FF2B5EF4-FFF2-40B4-BE49-F238E27FC236}">
+                <a16:creationId xmlns:a16="http://schemas.microsoft.com/office/drawing/2014/main" id="{4E4E023D-3F40-4B3A-AEA0-AF9EA4EE7FCF}"/>
+              </a:ext>
+            </a:extLst>
+          </p:cNvPr>
+          <p:cNvSpPr>
+            <a:spLocks noGrp="1"/>
+          </p:cNvSpPr>
+          <p:nvPr>
+            <p:ph idx="1"/>
+          </p:nvPr>
+        </p:nvSpPr>
+        <p:spPr/>
+        <p:txBody>
+          <a:bodyPr>
+            <a:normAutofit/>
+          </a:bodyPr>
+          <a:lstStyle/>
+          <a:p>
+            <a:r>
+              <a:rPr lang="zh-TW" altLang="en-US" sz="2000" dirty="0"/>
+              <a:t>以下皆為不同 </a:t>
+            </a:r>
+            <a:r>
+              <a:rPr lang="en-US" altLang="zh-TW" sz="2000" dirty="0"/>
+              <a:t>View </a:t>
+            </a:r>
+            <a:r>
+              <a:rPr lang="zh-TW" altLang="en-US" sz="2000" dirty="0"/>
+              <a:t>的圖片</a:t>
+            </a:r>
+            <a:r>
+              <a:rPr lang="en-US" altLang="zh-TW" sz="2000" dirty="0"/>
+              <a:t>(</a:t>
+            </a:r>
+            <a:r>
+              <a:rPr lang="zh-TW" altLang="en-US" sz="2000" dirty="0"/>
+              <a:t>編號代表類別</a:t>
+            </a:r>
+            <a:r>
+              <a:rPr lang="en-US" altLang="zh-TW" sz="2000" dirty="0"/>
+              <a:t>)</a:t>
+            </a:r>
+            <a:r>
+              <a:rPr lang="zh-TW" altLang="en-US" sz="2000" dirty="0"/>
+              <a:t> </a:t>
+            </a:r>
+            <a:endParaRPr lang="en-US" altLang="zh-TW" sz="2000" dirty="0"/>
+          </a:p>
+        </p:txBody>
+      </p:sp>
+      <p:sp>
+        <p:nvSpPr>
+          <p:cNvPr id="3" name="標題 2">
+            <a:extLst>
+              <a:ext uri="{FF2B5EF4-FFF2-40B4-BE49-F238E27FC236}">
+                <a16:creationId xmlns:a16="http://schemas.microsoft.com/office/drawing/2014/main" id="{25064C52-DA7E-4B79-92ED-DAF7CB9A641A}"/>
+              </a:ext>
+            </a:extLst>
+          </p:cNvPr>
+          <p:cNvSpPr>
+            <a:spLocks noGrp="1"/>
+          </p:cNvSpPr>
+          <p:nvPr>
+            <p:ph type="title"/>
+          </p:nvPr>
+        </p:nvSpPr>
+        <p:spPr/>
+        <p:txBody>
+          <a:bodyPr/>
+          <a:lstStyle/>
+          <a:p>
+            <a:r>
+              <a:rPr lang="zh-TW" altLang="en-US" dirty="0"/>
+              <a:t>心臟超音波影像的 </a:t>
+            </a:r>
+            <a:r>
+              <a:rPr lang="en-US" altLang="zh-TW" dirty="0"/>
+              <a:t>9</a:t>
+            </a:r>
+            <a:r>
+              <a:rPr lang="zh-TW" altLang="en-US" dirty="0"/>
+              <a:t> 種 </a:t>
+            </a:r>
+            <a:r>
+              <a:rPr lang="en-US" altLang="zh-TW" dirty="0"/>
+              <a:t>View</a:t>
+            </a:r>
+            <a:endParaRPr lang="zh-TW" altLang="en-US" dirty="0"/>
+          </a:p>
+        </p:txBody>
+      </p:sp>
+      <p:sp>
+        <p:nvSpPr>
+          <p:cNvPr id="6" name="文字方塊 5">
+            <a:extLst>
+              <a:ext uri="{FF2B5EF4-FFF2-40B4-BE49-F238E27FC236}">
+                <a16:creationId xmlns:a16="http://schemas.microsoft.com/office/drawing/2014/main" id="{A84241F6-28ED-9D7B-0630-1E83A008B435}"/>
+              </a:ext>
+            </a:extLst>
+          </p:cNvPr>
+          <p:cNvSpPr txBox="1"/>
+          <p:nvPr/>
+        </p:nvSpPr>
+        <p:spPr>
+          <a:xfrm>
+            <a:off x="1498444" y="5095873"/>
+            <a:ext cx="2922851" cy="369332"/>
+          </a:xfrm>
+          <a:prstGeom prst="rect">
+            <a:avLst/>
+          </a:prstGeom>
+          <a:noFill/>
+        </p:spPr>
+        <p:txBody>
+          <a:bodyPr wrap="none" rtlCol="0">
+            <a:spAutoFit/>
+          </a:bodyPr>
+          <a:lstStyle/>
+          <a:p>
+            <a:r>
+              <a:rPr lang="en-US" altLang="zh-TW" dirty="0">
+                <a:latin typeface="Times New Roman" panose="02020603050405020304" pitchFamily="18" charset="0"/>
+                <a:ea typeface="標楷體" panose="03000509000000000000" pitchFamily="65" charset="-120"/>
+              </a:rPr>
+              <a:t>3.</a:t>
+            </a:r>
+            <a:r>
+              <a:rPr lang="zh-TW" altLang="en-US" dirty="0">
+                <a:latin typeface="Times New Roman" panose="02020603050405020304" pitchFamily="18" charset="0"/>
+                <a:ea typeface="標楷體" panose="03000509000000000000" pitchFamily="65" charset="-120"/>
+              </a:rPr>
+              <a:t> </a:t>
+            </a:r>
+            <a:r>
+              <a:rPr lang="en-US" altLang="zh-TW" dirty="0">
+                <a:latin typeface="Times New Roman" panose="02020603050405020304" pitchFamily="18" charset="0"/>
+                <a:ea typeface="標楷體" panose="03000509000000000000" pitchFamily="65" charset="-120"/>
+              </a:rPr>
+              <a:t>Apical Two Chamber View</a:t>
+            </a:r>
+            <a:endParaRPr lang="zh-TW" altLang="en-US" dirty="0">
+              <a:latin typeface="Times New Roman" panose="02020603050405020304" pitchFamily="18" charset="0"/>
+              <a:ea typeface="標楷體" panose="03000509000000000000" pitchFamily="65" charset="-120"/>
+            </a:endParaRPr>
+          </a:p>
+        </p:txBody>
+      </p:sp>
+      <p:sp>
+        <p:nvSpPr>
+          <p:cNvPr id="13" name="文字方塊 12">
+            <a:extLst>
+              <a:ext uri="{FF2B5EF4-FFF2-40B4-BE49-F238E27FC236}">
+                <a16:creationId xmlns:a16="http://schemas.microsoft.com/office/drawing/2014/main" id="{F775683A-F593-702A-E0B6-D614B5C95DC6}"/>
+              </a:ext>
+            </a:extLst>
+          </p:cNvPr>
+          <p:cNvSpPr txBox="1"/>
+          <p:nvPr/>
+        </p:nvSpPr>
+        <p:spPr>
+          <a:xfrm>
+            <a:off x="4487533" y="5414836"/>
+            <a:ext cx="2649764" cy="923330"/>
+          </a:xfrm>
+          <a:prstGeom prst="rect">
+            <a:avLst/>
+          </a:prstGeom>
+          <a:noFill/>
+        </p:spPr>
+        <p:txBody>
+          <a:bodyPr wrap="none" rtlCol="0">
+            <a:spAutoFit/>
+          </a:bodyPr>
+          <a:lstStyle/>
+          <a:p>
+            <a:r>
+              <a:rPr lang="en-US" altLang="zh-TW" dirty="0">
+                <a:latin typeface="Times New Roman" panose="02020603050405020304" pitchFamily="18" charset="0"/>
+                <a:ea typeface="標楷體" panose="03000509000000000000" pitchFamily="65" charset="-120"/>
+              </a:rPr>
+              <a:t>RV: </a:t>
+            </a:r>
+            <a:r>
+              <a:rPr lang="zh-TW" altLang="en-US" dirty="0">
+                <a:latin typeface="Times New Roman" panose="02020603050405020304" pitchFamily="18" charset="0"/>
+                <a:ea typeface="標楷體" panose="03000509000000000000" pitchFamily="65" charset="-120"/>
+              </a:rPr>
+              <a:t>右心室，</a:t>
+            </a:r>
+            <a:r>
+              <a:rPr lang="en-US" altLang="zh-TW" dirty="0">
+                <a:latin typeface="Times New Roman" panose="02020603050405020304" pitchFamily="18" charset="0"/>
+                <a:ea typeface="標楷體" panose="03000509000000000000" pitchFamily="65" charset="-120"/>
+              </a:rPr>
+              <a:t>RA:</a:t>
+            </a:r>
+            <a:r>
+              <a:rPr lang="zh-TW" altLang="en-US" dirty="0">
+                <a:latin typeface="Times New Roman" panose="02020603050405020304" pitchFamily="18" charset="0"/>
+                <a:ea typeface="標楷體" panose="03000509000000000000" pitchFamily="65" charset="-120"/>
+              </a:rPr>
+              <a:t> 右心房</a:t>
+            </a:r>
+            <a:endParaRPr lang="en-US" altLang="zh-TW" dirty="0">
+              <a:latin typeface="Times New Roman" panose="02020603050405020304" pitchFamily="18" charset="0"/>
+              <a:ea typeface="標楷體" panose="03000509000000000000" pitchFamily="65" charset="-120"/>
+            </a:endParaRPr>
+          </a:p>
+          <a:p>
+            <a:r>
+              <a:rPr lang="en-US" altLang="zh-TW" dirty="0">
+                <a:latin typeface="Times New Roman" panose="02020603050405020304" pitchFamily="18" charset="0"/>
+                <a:ea typeface="標楷體" panose="03000509000000000000" pitchFamily="65" charset="-120"/>
+              </a:rPr>
+              <a:t>LV:</a:t>
+            </a:r>
+            <a:r>
+              <a:rPr lang="zh-TW" altLang="en-US" dirty="0">
+                <a:latin typeface="Times New Roman" panose="02020603050405020304" pitchFamily="18" charset="0"/>
+                <a:ea typeface="標楷體" panose="03000509000000000000" pitchFamily="65" charset="-120"/>
+              </a:rPr>
+              <a:t> 左心室，</a:t>
+            </a:r>
+            <a:r>
+              <a:rPr lang="en-US" altLang="zh-TW" dirty="0">
+                <a:latin typeface="Times New Roman" panose="02020603050405020304" pitchFamily="18" charset="0"/>
+                <a:ea typeface="標楷體" panose="03000509000000000000" pitchFamily="65" charset="-120"/>
+              </a:rPr>
+              <a:t>LA:</a:t>
+            </a:r>
+            <a:r>
+              <a:rPr lang="zh-TW" altLang="en-US" dirty="0">
+                <a:latin typeface="Times New Roman" panose="02020603050405020304" pitchFamily="18" charset="0"/>
+                <a:ea typeface="標楷體" panose="03000509000000000000" pitchFamily="65" charset="-120"/>
+              </a:rPr>
+              <a:t> 左心房</a:t>
+            </a:r>
+            <a:endParaRPr lang="en-US" altLang="zh-TW" dirty="0">
+              <a:latin typeface="Times New Roman" panose="02020603050405020304" pitchFamily="18" charset="0"/>
+              <a:ea typeface="標楷體" panose="03000509000000000000" pitchFamily="65" charset="-120"/>
+            </a:endParaRPr>
+          </a:p>
+          <a:p>
+            <a:r>
+              <a:rPr lang="en-US" altLang="zh-TW" dirty="0">
+                <a:latin typeface="Times New Roman" panose="02020603050405020304" pitchFamily="18" charset="0"/>
+                <a:ea typeface="標楷體" panose="03000509000000000000" pitchFamily="65" charset="-120"/>
+              </a:rPr>
+              <a:t>Aortic: </a:t>
+            </a:r>
+            <a:r>
+              <a:rPr lang="zh-TW" altLang="en-US" dirty="0">
+                <a:latin typeface="Times New Roman" panose="02020603050405020304" pitchFamily="18" charset="0"/>
+                <a:ea typeface="標楷體" panose="03000509000000000000" pitchFamily="65" charset="-120"/>
+              </a:rPr>
+              <a:t>動脈</a:t>
+            </a:r>
+          </a:p>
+        </p:txBody>
+      </p:sp>
+      <p:sp>
+        <p:nvSpPr>
+          <p:cNvPr id="18" name="文字方塊 17">
+            <a:extLst>
+              <a:ext uri="{FF2B5EF4-FFF2-40B4-BE49-F238E27FC236}">
+                <a16:creationId xmlns:a16="http://schemas.microsoft.com/office/drawing/2014/main" id="{E113BA16-E5BF-8577-0302-9A8BD2D354C7}"/>
+              </a:ext>
+            </a:extLst>
+          </p:cNvPr>
+          <p:cNvSpPr txBox="1"/>
+          <p:nvPr/>
+        </p:nvSpPr>
+        <p:spPr>
+          <a:xfrm>
+            <a:off x="6391105" y="5078300"/>
+            <a:ext cx="3834448" cy="369332"/>
+          </a:xfrm>
+          <a:prstGeom prst="rect">
+            <a:avLst/>
+          </a:prstGeom>
+          <a:noFill/>
+        </p:spPr>
+        <p:txBody>
+          <a:bodyPr wrap="none" rtlCol="0">
+            <a:spAutoFit/>
+          </a:bodyPr>
+          <a:lstStyle/>
+          <a:p>
+            <a:r>
+              <a:rPr lang="en-US" altLang="zh-TW" dirty="0">
+                <a:latin typeface="Times New Roman" panose="02020603050405020304" pitchFamily="18" charset="0"/>
+                <a:ea typeface="標楷體" panose="03000509000000000000" pitchFamily="65" charset="-120"/>
+              </a:rPr>
+              <a:t>4.</a:t>
+            </a:r>
+            <a:r>
+              <a:rPr lang="zh-TW" altLang="en-US" dirty="0">
+                <a:latin typeface="Times New Roman" panose="02020603050405020304" pitchFamily="18" charset="0"/>
+                <a:ea typeface="標楷體" panose="03000509000000000000" pitchFamily="65" charset="-120"/>
+              </a:rPr>
+              <a:t> </a:t>
+            </a:r>
+            <a:r>
+              <a:rPr lang="en-US" altLang="zh-TW" dirty="0">
+                <a:latin typeface="Times New Roman" panose="02020603050405020304" pitchFamily="18" charset="0"/>
+                <a:ea typeface="標楷體" panose="03000509000000000000" pitchFamily="65" charset="-120"/>
+              </a:rPr>
+              <a:t>Apical Long Axis (3-Chamber) View</a:t>
+            </a:r>
+            <a:endParaRPr lang="zh-TW" altLang="en-US" dirty="0">
+              <a:latin typeface="Times New Roman" panose="02020603050405020304" pitchFamily="18" charset="0"/>
+              <a:ea typeface="標楷體" panose="03000509000000000000" pitchFamily="65" charset="-120"/>
+            </a:endParaRPr>
+          </a:p>
+        </p:txBody>
+      </p:sp>
+      <p:pic>
+        <p:nvPicPr>
+          <p:cNvPr id="19" name="圖片 18">
+            <a:extLst>
+              <a:ext uri="{FF2B5EF4-FFF2-40B4-BE49-F238E27FC236}">
+                <a16:creationId xmlns:a16="http://schemas.microsoft.com/office/drawing/2014/main" id="{6A3900B4-1548-C802-6764-731EF538AA7F}"/>
+              </a:ext>
+            </a:extLst>
+          </p:cNvPr>
+          <p:cNvPicPr>
+            <a:picLocks noChangeAspect="1"/>
+          </p:cNvPicPr>
+          <p:nvPr/>
+        </p:nvPicPr>
+        <p:blipFill>
+          <a:blip r:embed="rId2"/>
+          <a:stretch>
+            <a:fillRect/>
+          </a:stretch>
+        </p:blipFill>
+        <p:spPr>
+          <a:xfrm>
+            <a:off x="574644" y="1607520"/>
+            <a:ext cx="4770453" cy="3538721"/>
+          </a:xfrm>
+          <a:prstGeom prst="rect">
+            <a:avLst/>
+          </a:prstGeom>
+        </p:spPr>
+      </p:pic>
+      <p:sp>
+        <p:nvSpPr>
+          <p:cNvPr id="20" name="文字方塊 19">
+            <a:extLst>
+              <a:ext uri="{FF2B5EF4-FFF2-40B4-BE49-F238E27FC236}">
+                <a16:creationId xmlns:a16="http://schemas.microsoft.com/office/drawing/2014/main" id="{A2439FFF-35F2-89EA-EB9D-ABD431FCD208}"/>
+              </a:ext>
+            </a:extLst>
+          </p:cNvPr>
+          <p:cNvSpPr txBox="1"/>
+          <p:nvPr/>
+        </p:nvSpPr>
+        <p:spPr>
+          <a:xfrm>
+            <a:off x="2749019" y="3244334"/>
+            <a:ext cx="571500" cy="369332"/>
+          </a:xfrm>
+          <a:prstGeom prst="rect">
+            <a:avLst/>
+          </a:prstGeom>
+          <a:noFill/>
+        </p:spPr>
+        <p:txBody>
+          <a:bodyPr wrap="square" rtlCol="0">
+            <a:spAutoFit/>
+          </a:bodyPr>
+          <a:lstStyle/>
+          <a:p>
+            <a:r>
+              <a:rPr lang="en-US" altLang="zh-TW" dirty="0">
+                <a:solidFill>
+                  <a:srgbClr val="FF0000"/>
+                </a:solidFill>
+                <a:latin typeface="Times New Roman" panose="02020603050405020304" pitchFamily="18" charset="0"/>
+                <a:ea typeface="標楷體" panose="03000509000000000000" pitchFamily="65" charset="-120"/>
+              </a:rPr>
+              <a:t>LV</a:t>
+            </a:r>
+            <a:endParaRPr lang="zh-TW" altLang="en-US" dirty="0">
+              <a:solidFill>
+                <a:srgbClr val="FF0000"/>
+              </a:solidFill>
+              <a:latin typeface="Times New Roman" panose="02020603050405020304" pitchFamily="18" charset="0"/>
+              <a:ea typeface="標楷體" panose="03000509000000000000" pitchFamily="65" charset="-120"/>
+            </a:endParaRPr>
+          </a:p>
+        </p:txBody>
+      </p:sp>
+      <p:sp>
+        <p:nvSpPr>
+          <p:cNvPr id="21" name="文字方塊 20">
+            <a:extLst>
+              <a:ext uri="{FF2B5EF4-FFF2-40B4-BE49-F238E27FC236}">
+                <a16:creationId xmlns:a16="http://schemas.microsoft.com/office/drawing/2014/main" id="{68F1AA5B-6BE2-8DF8-E312-E992CF936E2E}"/>
+              </a:ext>
+            </a:extLst>
+          </p:cNvPr>
+          <p:cNvSpPr txBox="1"/>
+          <p:nvPr/>
+        </p:nvSpPr>
+        <p:spPr>
+          <a:xfrm>
+            <a:off x="2765957" y="4066870"/>
+            <a:ext cx="571500" cy="369332"/>
+          </a:xfrm>
+          <a:prstGeom prst="rect">
+            <a:avLst/>
+          </a:prstGeom>
+          <a:noFill/>
+        </p:spPr>
+        <p:txBody>
+          <a:bodyPr wrap="square" rtlCol="0">
+            <a:spAutoFit/>
+          </a:bodyPr>
+          <a:lstStyle/>
+          <a:p>
+            <a:r>
+              <a:rPr lang="en-US" altLang="zh-TW" dirty="0">
+                <a:solidFill>
+                  <a:srgbClr val="FF0000"/>
+                </a:solidFill>
+                <a:latin typeface="Times New Roman" panose="02020603050405020304" pitchFamily="18" charset="0"/>
+                <a:ea typeface="標楷體" panose="03000509000000000000" pitchFamily="65" charset="-120"/>
+              </a:rPr>
+              <a:t>LA</a:t>
+            </a:r>
+            <a:endParaRPr lang="zh-TW" altLang="en-US" dirty="0">
+              <a:solidFill>
+                <a:srgbClr val="FF0000"/>
+              </a:solidFill>
+              <a:latin typeface="Times New Roman" panose="02020603050405020304" pitchFamily="18" charset="0"/>
+              <a:ea typeface="標楷體" panose="03000509000000000000" pitchFamily="65" charset="-120"/>
+            </a:endParaRPr>
+          </a:p>
+        </p:txBody>
+      </p:sp>
+      <p:pic>
+        <p:nvPicPr>
+          <p:cNvPr id="23" name="圖片 22">
+            <a:extLst>
+              <a:ext uri="{FF2B5EF4-FFF2-40B4-BE49-F238E27FC236}">
+                <a16:creationId xmlns:a16="http://schemas.microsoft.com/office/drawing/2014/main" id="{40BCB7D7-0436-A651-933E-75176061BB61}"/>
+              </a:ext>
+            </a:extLst>
+          </p:cNvPr>
+          <p:cNvPicPr>
+            <a:picLocks noChangeAspect="1"/>
+          </p:cNvPicPr>
+          <p:nvPr/>
+        </p:nvPicPr>
+        <p:blipFill>
+          <a:blip r:embed="rId3"/>
+          <a:stretch>
+            <a:fillRect/>
+          </a:stretch>
+        </p:blipFill>
+        <p:spPr>
+          <a:xfrm>
+            <a:off x="5923103" y="1594458"/>
+            <a:ext cx="4770453" cy="3551783"/>
+          </a:xfrm>
+          <a:prstGeom prst="rect">
+            <a:avLst/>
+          </a:prstGeom>
+        </p:spPr>
+      </p:pic>
+      <p:sp>
+        <p:nvSpPr>
+          <p:cNvPr id="24" name="文字方塊 23">
+            <a:extLst>
+              <a:ext uri="{FF2B5EF4-FFF2-40B4-BE49-F238E27FC236}">
+                <a16:creationId xmlns:a16="http://schemas.microsoft.com/office/drawing/2014/main" id="{34FB3F8C-D471-9488-82DB-900852586FD6}"/>
+              </a:ext>
+            </a:extLst>
+          </p:cNvPr>
+          <p:cNvSpPr txBox="1"/>
+          <p:nvPr/>
+        </p:nvSpPr>
+        <p:spPr>
+          <a:xfrm>
+            <a:off x="8308329" y="3138648"/>
+            <a:ext cx="571500" cy="369332"/>
+          </a:xfrm>
+          <a:prstGeom prst="rect">
+            <a:avLst/>
+          </a:prstGeom>
+          <a:noFill/>
+        </p:spPr>
+        <p:txBody>
+          <a:bodyPr wrap="square" rtlCol="0">
+            <a:spAutoFit/>
+          </a:bodyPr>
+          <a:lstStyle/>
+          <a:p>
+            <a:r>
+              <a:rPr lang="en-US" altLang="zh-TW" dirty="0">
+                <a:solidFill>
+                  <a:srgbClr val="FF0000"/>
+                </a:solidFill>
+                <a:latin typeface="Times New Roman" panose="02020603050405020304" pitchFamily="18" charset="0"/>
+                <a:ea typeface="標楷體" panose="03000509000000000000" pitchFamily="65" charset="-120"/>
+              </a:rPr>
+              <a:t>LV</a:t>
+            </a:r>
+            <a:endParaRPr lang="zh-TW" altLang="en-US" dirty="0">
+              <a:solidFill>
+                <a:srgbClr val="FF0000"/>
+              </a:solidFill>
+              <a:latin typeface="Times New Roman" panose="02020603050405020304" pitchFamily="18" charset="0"/>
+              <a:ea typeface="標楷體" panose="03000509000000000000" pitchFamily="65" charset="-120"/>
+            </a:endParaRPr>
+          </a:p>
+        </p:txBody>
+      </p:sp>
+      <p:sp>
+        <p:nvSpPr>
+          <p:cNvPr id="26" name="文字方塊 25">
+            <a:extLst>
+              <a:ext uri="{FF2B5EF4-FFF2-40B4-BE49-F238E27FC236}">
+                <a16:creationId xmlns:a16="http://schemas.microsoft.com/office/drawing/2014/main" id="{6E149FE8-24B9-C15F-6A31-716222CDE12A}"/>
+              </a:ext>
+            </a:extLst>
+          </p:cNvPr>
+          <p:cNvSpPr txBox="1"/>
+          <p:nvPr/>
+        </p:nvSpPr>
+        <p:spPr>
+          <a:xfrm>
+            <a:off x="8604058" y="3984915"/>
+            <a:ext cx="571500" cy="369332"/>
+          </a:xfrm>
+          <a:prstGeom prst="rect">
+            <a:avLst/>
+          </a:prstGeom>
+          <a:noFill/>
+        </p:spPr>
+        <p:txBody>
+          <a:bodyPr wrap="square" rtlCol="0">
+            <a:spAutoFit/>
+          </a:bodyPr>
+          <a:lstStyle/>
+          <a:p>
+            <a:r>
+              <a:rPr lang="en-US" altLang="zh-TW" dirty="0">
+                <a:solidFill>
+                  <a:srgbClr val="FF0000"/>
+                </a:solidFill>
+                <a:latin typeface="Times New Roman" panose="02020603050405020304" pitchFamily="18" charset="0"/>
+                <a:ea typeface="標楷體" panose="03000509000000000000" pitchFamily="65" charset="-120"/>
+              </a:rPr>
+              <a:t>LA</a:t>
+            </a:r>
+            <a:endParaRPr lang="zh-TW" altLang="en-US" dirty="0">
+              <a:solidFill>
+                <a:srgbClr val="FF0000"/>
+              </a:solidFill>
+              <a:latin typeface="Times New Roman" panose="02020603050405020304" pitchFamily="18" charset="0"/>
+              <a:ea typeface="標楷體" panose="03000509000000000000" pitchFamily="65" charset="-120"/>
+            </a:endParaRPr>
+          </a:p>
+        </p:txBody>
+      </p:sp>
+      <p:sp>
+        <p:nvSpPr>
+          <p:cNvPr id="27" name="文字方塊 26">
+            <a:extLst>
+              <a:ext uri="{FF2B5EF4-FFF2-40B4-BE49-F238E27FC236}">
+                <a16:creationId xmlns:a16="http://schemas.microsoft.com/office/drawing/2014/main" id="{54EFC2CA-C7AE-DCB1-0B32-7066CD229C4F}"/>
+              </a:ext>
+            </a:extLst>
+          </p:cNvPr>
+          <p:cNvSpPr txBox="1"/>
+          <p:nvPr/>
+        </p:nvSpPr>
+        <p:spPr>
+          <a:xfrm>
+            <a:off x="8755806" y="3557221"/>
+            <a:ext cx="839503" cy="369332"/>
+          </a:xfrm>
+          <a:prstGeom prst="rect">
+            <a:avLst/>
+          </a:prstGeom>
+          <a:noFill/>
+        </p:spPr>
+        <p:txBody>
+          <a:bodyPr wrap="square" rtlCol="0">
+            <a:spAutoFit/>
+          </a:bodyPr>
+          <a:lstStyle/>
+          <a:p>
+            <a:r>
+              <a:rPr lang="en-US" altLang="zh-TW" dirty="0">
+                <a:solidFill>
+                  <a:srgbClr val="FF0000"/>
+                </a:solidFill>
+                <a:latin typeface="Times New Roman" panose="02020603050405020304" pitchFamily="18" charset="0"/>
+                <a:ea typeface="標楷體" panose="03000509000000000000" pitchFamily="65" charset="-120"/>
+              </a:rPr>
+              <a:t>Aortic</a:t>
+            </a:r>
+            <a:endParaRPr lang="zh-TW" altLang="en-US" dirty="0">
+              <a:solidFill>
+                <a:srgbClr val="FF0000"/>
+              </a:solidFill>
+              <a:latin typeface="Times New Roman" panose="02020603050405020304" pitchFamily="18" charset="0"/>
+              <a:ea typeface="標楷體" panose="03000509000000000000" pitchFamily="65" charset="-120"/>
+            </a:endParaRPr>
+          </a:p>
+        </p:txBody>
+      </p:sp>
+    </p:spTree>
+    <p:extLst>
+      <p:ext uri="{BB962C8B-B14F-4D97-AF65-F5344CB8AC3E}">
+        <p14:creationId xmlns:p14="http://schemas.microsoft.com/office/powerpoint/2010/main" val="4260171352"/>
+      </p:ext>
+    </p:extLst>
+  </p:cSld>
+  <p:clrMapOvr>
+    <a:masterClrMapping/>
+  </p:clrMapOvr>
+</p:sld>
+</file>
+
+<file path=ppt/slides/slide5.xml><?xml version="1.0" encoding="utf-8"?>
+<p:sld xmlns:a="http://schemas.openxmlformats.org/drawingml/2006/main" xmlns:r="http://schemas.openxmlformats.org/officeDocument/2006/relationships" xmlns:p="http://schemas.openxmlformats.org/presentationml/2006/main">
+  <p:cSld>
+    <p:spTree>
+      <p:nvGrpSpPr>
+        <p:cNvPr id="1" name=""/>
+        <p:cNvGrpSpPr/>
+        <p:nvPr/>
+      </p:nvGrpSpPr>
+      <p:grpSpPr>
+        <a:xfrm>
+          <a:off x="0" y="0"/>
+          <a:ext cx="0" cy="0"/>
+          <a:chOff x="0" y="0"/>
+          <a:chExt cx="0" cy="0"/>
+        </a:xfrm>
+      </p:grpSpPr>
+      <p:sp>
+        <p:nvSpPr>
+          <p:cNvPr id="2" name="內容版面配置區 1">
+            <a:extLst>
+              <a:ext uri="{FF2B5EF4-FFF2-40B4-BE49-F238E27FC236}">
+                <a16:creationId xmlns:a16="http://schemas.microsoft.com/office/drawing/2014/main" id="{4E4E023D-3F40-4B3A-AEA0-AF9EA4EE7FCF}"/>
+              </a:ext>
+            </a:extLst>
+          </p:cNvPr>
+          <p:cNvSpPr>
+            <a:spLocks noGrp="1"/>
+          </p:cNvSpPr>
+          <p:nvPr>
+            <p:ph idx="1"/>
+          </p:nvPr>
+        </p:nvSpPr>
+        <p:spPr/>
+        <p:txBody>
+          <a:bodyPr>
+            <a:normAutofit/>
+          </a:bodyPr>
+          <a:lstStyle/>
+          <a:p>
+            <a:r>
+              <a:rPr lang="zh-TW" altLang="en-US" sz="2000" dirty="0"/>
+              <a:t>以下皆為不同 </a:t>
+            </a:r>
+            <a:r>
+              <a:rPr lang="en-US" altLang="zh-TW" sz="2000" dirty="0"/>
+              <a:t>View </a:t>
+            </a:r>
+            <a:r>
+              <a:rPr lang="zh-TW" altLang="en-US" sz="2000" dirty="0"/>
+              <a:t>的圖片</a:t>
+            </a:r>
+            <a:r>
+              <a:rPr lang="en-US" altLang="zh-TW" sz="2000" dirty="0"/>
+              <a:t>(</a:t>
+            </a:r>
+            <a:r>
+              <a:rPr lang="zh-TW" altLang="en-US" sz="2000" dirty="0"/>
+              <a:t>編號代表類別</a:t>
+            </a:r>
+            <a:r>
+              <a:rPr lang="en-US" altLang="zh-TW" sz="2000" dirty="0"/>
+              <a:t>)</a:t>
+            </a:r>
+            <a:r>
+              <a:rPr lang="zh-TW" altLang="en-US" sz="2000" dirty="0"/>
+              <a:t> </a:t>
+            </a:r>
+            <a:endParaRPr lang="en-US" altLang="zh-TW" sz="2000" dirty="0"/>
+          </a:p>
+        </p:txBody>
+      </p:sp>
+      <p:sp>
+        <p:nvSpPr>
+          <p:cNvPr id="3" name="標題 2">
+            <a:extLst>
+              <a:ext uri="{FF2B5EF4-FFF2-40B4-BE49-F238E27FC236}">
+                <a16:creationId xmlns:a16="http://schemas.microsoft.com/office/drawing/2014/main" id="{25064C52-DA7E-4B79-92ED-DAF7CB9A641A}"/>
+              </a:ext>
+            </a:extLst>
+          </p:cNvPr>
+          <p:cNvSpPr>
+            <a:spLocks noGrp="1"/>
+          </p:cNvSpPr>
+          <p:nvPr>
+            <p:ph type="title"/>
+          </p:nvPr>
+        </p:nvSpPr>
+        <p:spPr/>
+        <p:txBody>
+          <a:bodyPr/>
+          <a:lstStyle/>
+          <a:p>
+            <a:r>
+              <a:rPr lang="zh-TW" altLang="en-US" dirty="0"/>
+              <a:t>心臟超音波影像的 </a:t>
+            </a:r>
+            <a:r>
+              <a:rPr lang="en-US" altLang="zh-TW" dirty="0"/>
+              <a:t>9</a:t>
+            </a:r>
+            <a:r>
+              <a:rPr lang="zh-TW" altLang="en-US" dirty="0"/>
+              <a:t> 種 </a:t>
+            </a:r>
+            <a:r>
+              <a:rPr lang="en-US" altLang="zh-TW" dirty="0"/>
+              <a:t>View</a:t>
+            </a:r>
+            <a:endParaRPr lang="zh-TW" altLang="en-US" dirty="0"/>
+          </a:p>
+        </p:txBody>
+      </p:sp>
+      <p:sp>
+        <p:nvSpPr>
+          <p:cNvPr id="6" name="文字方塊 5">
+            <a:extLst>
+              <a:ext uri="{FF2B5EF4-FFF2-40B4-BE49-F238E27FC236}">
+                <a16:creationId xmlns:a16="http://schemas.microsoft.com/office/drawing/2014/main" id="{A84241F6-28ED-9D7B-0630-1E83A008B435}"/>
+              </a:ext>
+            </a:extLst>
+          </p:cNvPr>
+          <p:cNvSpPr txBox="1"/>
+          <p:nvPr/>
+        </p:nvSpPr>
+        <p:spPr>
+          <a:xfrm>
+            <a:off x="1275151" y="5070673"/>
+            <a:ext cx="2930289" cy="369332"/>
+          </a:xfrm>
+          <a:prstGeom prst="rect">
+            <a:avLst/>
+          </a:prstGeom>
+          <a:noFill/>
+        </p:spPr>
+        <p:txBody>
+          <a:bodyPr wrap="none" rtlCol="0">
+            <a:spAutoFit/>
+          </a:bodyPr>
+          <a:lstStyle/>
+          <a:p>
+            <a:r>
+              <a:rPr lang="en-US" altLang="zh-TW" dirty="0">
+                <a:latin typeface="Times New Roman" panose="02020603050405020304" pitchFamily="18" charset="0"/>
+                <a:ea typeface="標楷體" panose="03000509000000000000" pitchFamily="65" charset="-120"/>
+              </a:rPr>
+              <a:t>1.</a:t>
+            </a:r>
+            <a:r>
+              <a:rPr lang="zh-TW" altLang="en-US" dirty="0">
+                <a:latin typeface="Times New Roman" panose="02020603050405020304" pitchFamily="18" charset="0"/>
+                <a:ea typeface="標楷體" panose="03000509000000000000" pitchFamily="65" charset="-120"/>
+              </a:rPr>
+              <a:t> </a:t>
+            </a:r>
+            <a:r>
+              <a:rPr lang="en-US" altLang="zh-TW" dirty="0">
+                <a:latin typeface="Times New Roman" panose="02020603050405020304" pitchFamily="18" charset="0"/>
+                <a:ea typeface="標楷體" panose="03000509000000000000" pitchFamily="65" charset="-120"/>
+              </a:rPr>
+              <a:t>Apical Five Chamber View</a:t>
+            </a:r>
+            <a:endParaRPr lang="zh-TW" altLang="en-US" dirty="0">
+              <a:latin typeface="Times New Roman" panose="02020603050405020304" pitchFamily="18" charset="0"/>
+              <a:ea typeface="標楷體" panose="03000509000000000000" pitchFamily="65" charset="-120"/>
+            </a:endParaRPr>
+          </a:p>
+        </p:txBody>
+      </p:sp>
+      <p:pic>
+        <p:nvPicPr>
+          <p:cNvPr id="7" name="圖片 6">
+            <a:extLst>
+              <a:ext uri="{FF2B5EF4-FFF2-40B4-BE49-F238E27FC236}">
+                <a16:creationId xmlns:a16="http://schemas.microsoft.com/office/drawing/2014/main" id="{4EFE8074-979A-FA58-0484-FC09420B18FE}"/>
+              </a:ext>
+            </a:extLst>
+          </p:cNvPr>
+          <p:cNvPicPr>
+            <a:picLocks noChangeAspect="1"/>
+          </p:cNvPicPr>
+          <p:nvPr/>
+        </p:nvPicPr>
+        <p:blipFill>
+          <a:blip r:embed="rId2"/>
+          <a:stretch>
+            <a:fillRect/>
+          </a:stretch>
+        </p:blipFill>
+        <p:spPr>
+          <a:xfrm>
+            <a:off x="5964222" y="1602253"/>
+            <a:ext cx="4770453" cy="3516962"/>
+          </a:xfrm>
+          <a:prstGeom prst="rect">
+            <a:avLst/>
+          </a:prstGeom>
+        </p:spPr>
+      </p:pic>
+      <p:sp>
+        <p:nvSpPr>
+          <p:cNvPr id="13" name="文字方塊 12">
+            <a:extLst>
+              <a:ext uri="{FF2B5EF4-FFF2-40B4-BE49-F238E27FC236}">
+                <a16:creationId xmlns:a16="http://schemas.microsoft.com/office/drawing/2014/main" id="{F775683A-F593-702A-E0B6-D614B5C95DC6}"/>
+              </a:ext>
+            </a:extLst>
+          </p:cNvPr>
+          <p:cNvSpPr txBox="1"/>
+          <p:nvPr/>
+        </p:nvSpPr>
+        <p:spPr>
+          <a:xfrm>
+            <a:off x="4487533" y="5414836"/>
+            <a:ext cx="2649764" cy="923330"/>
+          </a:xfrm>
+          <a:prstGeom prst="rect">
+            <a:avLst/>
+          </a:prstGeom>
+          <a:noFill/>
+        </p:spPr>
+        <p:txBody>
+          <a:bodyPr wrap="none" rtlCol="0">
+            <a:spAutoFit/>
+          </a:bodyPr>
+          <a:lstStyle/>
+          <a:p>
+            <a:r>
+              <a:rPr lang="en-US" altLang="zh-TW" dirty="0">
+                <a:latin typeface="Times New Roman" panose="02020603050405020304" pitchFamily="18" charset="0"/>
+                <a:ea typeface="標楷體" panose="03000509000000000000" pitchFamily="65" charset="-120"/>
+              </a:rPr>
+              <a:t>RV: </a:t>
+            </a:r>
+            <a:r>
+              <a:rPr lang="zh-TW" altLang="en-US" dirty="0">
+                <a:latin typeface="Times New Roman" panose="02020603050405020304" pitchFamily="18" charset="0"/>
+                <a:ea typeface="標楷體" panose="03000509000000000000" pitchFamily="65" charset="-120"/>
+              </a:rPr>
+              <a:t>右心室，</a:t>
+            </a:r>
+            <a:r>
+              <a:rPr lang="en-US" altLang="zh-TW" dirty="0">
+                <a:latin typeface="Times New Roman" panose="02020603050405020304" pitchFamily="18" charset="0"/>
+                <a:ea typeface="標楷體" panose="03000509000000000000" pitchFamily="65" charset="-120"/>
+              </a:rPr>
+              <a:t>RA:</a:t>
+            </a:r>
+            <a:r>
+              <a:rPr lang="zh-TW" altLang="en-US" dirty="0">
+                <a:latin typeface="Times New Roman" panose="02020603050405020304" pitchFamily="18" charset="0"/>
+                <a:ea typeface="標楷體" panose="03000509000000000000" pitchFamily="65" charset="-120"/>
+              </a:rPr>
+              <a:t> 右心房</a:t>
+            </a:r>
+            <a:endParaRPr lang="en-US" altLang="zh-TW" dirty="0">
+              <a:latin typeface="Times New Roman" panose="02020603050405020304" pitchFamily="18" charset="0"/>
+              <a:ea typeface="標楷體" panose="03000509000000000000" pitchFamily="65" charset="-120"/>
+            </a:endParaRPr>
+          </a:p>
+          <a:p>
+            <a:r>
+              <a:rPr lang="en-US" altLang="zh-TW" dirty="0">
+                <a:latin typeface="Times New Roman" panose="02020603050405020304" pitchFamily="18" charset="0"/>
+                <a:ea typeface="標楷體" panose="03000509000000000000" pitchFamily="65" charset="-120"/>
+              </a:rPr>
+              <a:t>LV:</a:t>
+            </a:r>
+            <a:r>
+              <a:rPr lang="zh-TW" altLang="en-US" dirty="0">
+                <a:latin typeface="Times New Roman" panose="02020603050405020304" pitchFamily="18" charset="0"/>
+                <a:ea typeface="標楷體" panose="03000509000000000000" pitchFamily="65" charset="-120"/>
+              </a:rPr>
+              <a:t> 左心室，</a:t>
+            </a:r>
+            <a:r>
+              <a:rPr lang="en-US" altLang="zh-TW" dirty="0">
+                <a:latin typeface="Times New Roman" panose="02020603050405020304" pitchFamily="18" charset="0"/>
+                <a:ea typeface="標楷體" panose="03000509000000000000" pitchFamily="65" charset="-120"/>
+              </a:rPr>
+              <a:t>LA:</a:t>
+            </a:r>
+            <a:r>
+              <a:rPr lang="zh-TW" altLang="en-US" dirty="0">
+                <a:latin typeface="Times New Roman" panose="02020603050405020304" pitchFamily="18" charset="0"/>
+                <a:ea typeface="標楷體" panose="03000509000000000000" pitchFamily="65" charset="-120"/>
+              </a:rPr>
+              <a:t> 左心房</a:t>
+            </a:r>
+            <a:endParaRPr lang="en-US" altLang="zh-TW" dirty="0">
+              <a:latin typeface="Times New Roman" panose="02020603050405020304" pitchFamily="18" charset="0"/>
+              <a:ea typeface="標楷體" panose="03000509000000000000" pitchFamily="65" charset="-120"/>
+            </a:endParaRPr>
+          </a:p>
+          <a:p>
+            <a:r>
+              <a:rPr lang="en-US" altLang="zh-TW" dirty="0">
+                <a:latin typeface="Times New Roman" panose="02020603050405020304" pitchFamily="18" charset="0"/>
+                <a:ea typeface="標楷體" panose="03000509000000000000" pitchFamily="65" charset="-120"/>
+              </a:rPr>
+              <a:t>Aortic: </a:t>
+            </a:r>
+            <a:r>
+              <a:rPr lang="zh-TW" altLang="en-US" dirty="0">
+                <a:latin typeface="Times New Roman" panose="02020603050405020304" pitchFamily="18" charset="0"/>
+                <a:ea typeface="標楷體" panose="03000509000000000000" pitchFamily="65" charset="-120"/>
+              </a:rPr>
+              <a:t>動脈</a:t>
+            </a:r>
+          </a:p>
+        </p:txBody>
+      </p:sp>
+      <p:sp>
+        <p:nvSpPr>
+          <p:cNvPr id="14" name="文字方塊 13">
+            <a:extLst>
+              <a:ext uri="{FF2B5EF4-FFF2-40B4-BE49-F238E27FC236}">
+                <a16:creationId xmlns:a16="http://schemas.microsoft.com/office/drawing/2014/main" id="{B755888F-7022-B667-FF7E-5508E848CF76}"/>
+              </a:ext>
+            </a:extLst>
+          </p:cNvPr>
+          <p:cNvSpPr txBox="1"/>
+          <p:nvPr/>
+        </p:nvSpPr>
+        <p:spPr>
+          <a:xfrm>
+            <a:off x="7659972" y="3244334"/>
+            <a:ext cx="571500" cy="369332"/>
+          </a:xfrm>
+          <a:prstGeom prst="rect">
+            <a:avLst/>
+          </a:prstGeom>
+          <a:noFill/>
+        </p:spPr>
+        <p:txBody>
+          <a:bodyPr wrap="square" rtlCol="0">
+            <a:spAutoFit/>
+          </a:bodyPr>
+          <a:lstStyle/>
+          <a:p>
+            <a:r>
+              <a:rPr lang="en-US" altLang="zh-TW" dirty="0">
+                <a:solidFill>
+                  <a:srgbClr val="FF0000"/>
+                </a:solidFill>
+                <a:latin typeface="Times New Roman" panose="02020603050405020304" pitchFamily="18" charset="0"/>
+                <a:ea typeface="標楷體" panose="03000509000000000000" pitchFamily="65" charset="-120"/>
+              </a:rPr>
+              <a:t>RV</a:t>
+            </a:r>
+            <a:endParaRPr lang="zh-TW" altLang="en-US" dirty="0">
+              <a:solidFill>
+                <a:srgbClr val="FF0000"/>
+              </a:solidFill>
+              <a:latin typeface="Times New Roman" panose="02020603050405020304" pitchFamily="18" charset="0"/>
+              <a:ea typeface="標楷體" panose="03000509000000000000" pitchFamily="65" charset="-120"/>
+            </a:endParaRPr>
+          </a:p>
+        </p:txBody>
+      </p:sp>
+      <p:sp>
+        <p:nvSpPr>
+          <p:cNvPr id="15" name="文字方塊 14">
+            <a:extLst>
+              <a:ext uri="{FF2B5EF4-FFF2-40B4-BE49-F238E27FC236}">
+                <a16:creationId xmlns:a16="http://schemas.microsoft.com/office/drawing/2014/main" id="{64DA67CA-0C70-77FC-F0F9-20596F445052}"/>
+              </a:ext>
+            </a:extLst>
+          </p:cNvPr>
+          <p:cNvSpPr txBox="1"/>
+          <p:nvPr/>
+        </p:nvSpPr>
+        <p:spPr>
+          <a:xfrm>
+            <a:off x="8123899" y="4066870"/>
+            <a:ext cx="571500" cy="369332"/>
+          </a:xfrm>
+          <a:prstGeom prst="rect">
+            <a:avLst/>
+          </a:prstGeom>
+          <a:noFill/>
+        </p:spPr>
+        <p:txBody>
+          <a:bodyPr wrap="square" rtlCol="0">
+            <a:spAutoFit/>
+          </a:bodyPr>
+          <a:lstStyle/>
+          <a:p>
+            <a:r>
+              <a:rPr lang="en-US" altLang="zh-TW" dirty="0">
+                <a:solidFill>
+                  <a:srgbClr val="FF0000"/>
+                </a:solidFill>
+                <a:latin typeface="Times New Roman" panose="02020603050405020304" pitchFamily="18" charset="0"/>
+                <a:ea typeface="標楷體" panose="03000509000000000000" pitchFamily="65" charset="-120"/>
+              </a:rPr>
+              <a:t>LA</a:t>
+            </a:r>
+            <a:endParaRPr lang="zh-TW" altLang="en-US" dirty="0">
+              <a:solidFill>
+                <a:srgbClr val="FF0000"/>
+              </a:solidFill>
+              <a:latin typeface="Times New Roman" panose="02020603050405020304" pitchFamily="18" charset="0"/>
+              <a:ea typeface="標楷體" panose="03000509000000000000" pitchFamily="65" charset="-120"/>
+            </a:endParaRPr>
+          </a:p>
+        </p:txBody>
+      </p:sp>
+      <p:sp>
+        <p:nvSpPr>
+          <p:cNvPr id="16" name="文字方塊 15">
+            <a:extLst>
+              <a:ext uri="{FF2B5EF4-FFF2-40B4-BE49-F238E27FC236}">
+                <a16:creationId xmlns:a16="http://schemas.microsoft.com/office/drawing/2014/main" id="{BB27B928-D0C5-F49E-4C24-F323C4DBBB1F}"/>
+              </a:ext>
+            </a:extLst>
+          </p:cNvPr>
+          <p:cNvSpPr txBox="1"/>
+          <p:nvPr/>
+        </p:nvSpPr>
+        <p:spPr>
+          <a:xfrm>
+            <a:off x="7549630" y="3987396"/>
+            <a:ext cx="571500" cy="369332"/>
+          </a:xfrm>
+          <a:prstGeom prst="rect">
+            <a:avLst/>
+          </a:prstGeom>
+          <a:noFill/>
+        </p:spPr>
+        <p:txBody>
+          <a:bodyPr wrap="square" rtlCol="0">
+            <a:spAutoFit/>
+          </a:bodyPr>
+          <a:lstStyle/>
+          <a:p>
+            <a:r>
+              <a:rPr lang="en-US" altLang="zh-TW" dirty="0">
+                <a:solidFill>
+                  <a:srgbClr val="FF0000"/>
+                </a:solidFill>
+                <a:latin typeface="Times New Roman" panose="02020603050405020304" pitchFamily="18" charset="0"/>
+                <a:ea typeface="標楷體" panose="03000509000000000000" pitchFamily="65" charset="-120"/>
+              </a:rPr>
+              <a:t>RA</a:t>
+            </a:r>
+            <a:endParaRPr lang="zh-TW" altLang="en-US" dirty="0">
+              <a:solidFill>
+                <a:srgbClr val="FF0000"/>
+              </a:solidFill>
+              <a:latin typeface="Times New Roman" panose="02020603050405020304" pitchFamily="18" charset="0"/>
+              <a:ea typeface="標楷體" panose="03000509000000000000" pitchFamily="65" charset="-120"/>
+            </a:endParaRPr>
+          </a:p>
+        </p:txBody>
+      </p:sp>
+      <p:sp>
+        <p:nvSpPr>
+          <p:cNvPr id="17" name="文字方塊 16">
+            <a:extLst>
+              <a:ext uri="{FF2B5EF4-FFF2-40B4-BE49-F238E27FC236}">
+                <a16:creationId xmlns:a16="http://schemas.microsoft.com/office/drawing/2014/main" id="{6FD1A2EC-119E-B687-0309-942EB26823A9}"/>
+              </a:ext>
+            </a:extLst>
+          </p:cNvPr>
+          <p:cNvSpPr txBox="1"/>
+          <p:nvPr/>
+        </p:nvSpPr>
+        <p:spPr>
+          <a:xfrm>
+            <a:off x="8349719" y="3244334"/>
+            <a:ext cx="571500" cy="369332"/>
+          </a:xfrm>
+          <a:prstGeom prst="rect">
+            <a:avLst/>
+          </a:prstGeom>
+          <a:noFill/>
+        </p:spPr>
+        <p:txBody>
+          <a:bodyPr wrap="square" rtlCol="0">
+            <a:spAutoFit/>
+          </a:bodyPr>
+          <a:lstStyle/>
+          <a:p>
+            <a:r>
+              <a:rPr lang="en-US" altLang="zh-TW" dirty="0">
+                <a:solidFill>
+                  <a:srgbClr val="FF0000"/>
+                </a:solidFill>
+                <a:latin typeface="Times New Roman" panose="02020603050405020304" pitchFamily="18" charset="0"/>
+                <a:ea typeface="標楷體" panose="03000509000000000000" pitchFamily="65" charset="-120"/>
+              </a:rPr>
+              <a:t>LV</a:t>
+            </a:r>
+            <a:endParaRPr lang="zh-TW" altLang="en-US" dirty="0">
+              <a:solidFill>
+                <a:srgbClr val="FF0000"/>
+              </a:solidFill>
+              <a:latin typeface="Times New Roman" panose="02020603050405020304" pitchFamily="18" charset="0"/>
+              <a:ea typeface="標楷體" panose="03000509000000000000" pitchFamily="65" charset="-120"/>
+            </a:endParaRPr>
+          </a:p>
+        </p:txBody>
+      </p:sp>
+      <p:sp>
+        <p:nvSpPr>
+          <p:cNvPr id="18" name="文字方塊 17">
+            <a:extLst>
+              <a:ext uri="{FF2B5EF4-FFF2-40B4-BE49-F238E27FC236}">
+                <a16:creationId xmlns:a16="http://schemas.microsoft.com/office/drawing/2014/main" id="{E113BA16-E5BF-8577-0302-9A8BD2D354C7}"/>
+              </a:ext>
+            </a:extLst>
+          </p:cNvPr>
+          <p:cNvSpPr txBox="1"/>
+          <p:nvPr/>
+        </p:nvSpPr>
+        <p:spPr>
+          <a:xfrm>
+            <a:off x="6766327" y="5062766"/>
+            <a:ext cx="2955937" cy="369332"/>
+          </a:xfrm>
+          <a:prstGeom prst="rect">
+            <a:avLst/>
+          </a:prstGeom>
+          <a:noFill/>
+        </p:spPr>
+        <p:txBody>
+          <a:bodyPr wrap="none" rtlCol="0">
+            <a:spAutoFit/>
+          </a:bodyPr>
+          <a:lstStyle/>
+          <a:p>
+            <a:r>
+              <a:rPr lang="en-US" altLang="zh-TW" dirty="0">
+                <a:latin typeface="Times New Roman" panose="02020603050405020304" pitchFamily="18" charset="0"/>
+                <a:ea typeface="標楷體" panose="03000509000000000000" pitchFamily="65" charset="-120"/>
+              </a:rPr>
+              <a:t>2.</a:t>
+            </a:r>
+            <a:r>
+              <a:rPr lang="zh-TW" altLang="en-US" dirty="0">
+                <a:latin typeface="Times New Roman" panose="02020603050405020304" pitchFamily="18" charset="0"/>
+                <a:ea typeface="標楷體" panose="03000509000000000000" pitchFamily="65" charset="-120"/>
+              </a:rPr>
+              <a:t> </a:t>
+            </a:r>
+            <a:r>
+              <a:rPr lang="en-US" altLang="zh-TW" dirty="0">
+                <a:latin typeface="Times New Roman" panose="02020603050405020304" pitchFamily="18" charset="0"/>
+                <a:ea typeface="標楷體" panose="03000509000000000000" pitchFamily="65" charset="-120"/>
+              </a:rPr>
+              <a:t>Apical Four Chamber View</a:t>
+            </a:r>
+            <a:endParaRPr lang="zh-TW" altLang="en-US" dirty="0">
+              <a:latin typeface="Times New Roman" panose="02020603050405020304" pitchFamily="18" charset="0"/>
+              <a:ea typeface="標楷體" panose="03000509000000000000" pitchFamily="65" charset="-120"/>
+            </a:endParaRPr>
+          </a:p>
+        </p:txBody>
+      </p:sp>
+    </p:spTree>
+    <p:extLst>
+      <p:ext uri="{BB962C8B-B14F-4D97-AF65-F5344CB8AC3E}">
+        <p14:creationId xmlns:p14="http://schemas.microsoft.com/office/powerpoint/2010/main" val="919118414"/>
+      </p:ext>
+    </p:extLst>
+  </p:cSld>
+  <p:clrMapOvr>
+    <a:masterClrMapping/>
+  </p:clrMapOvr>
+</p:sld>
+</file>
+
+<file path=ppt/slides/slide6.xml><?xml version="1.0" encoding="utf-8"?>
+<p:sld xmlns:a="http://schemas.openxmlformats.org/drawingml/2006/main" xmlns:r="http://schemas.openxmlformats.org/officeDocument/2006/relationships" xmlns:p="http://schemas.openxmlformats.org/presentationml/2006/main">
+  <p:cSld>
+    <p:spTree>
+      <p:nvGrpSpPr>
+        <p:cNvPr id="1" name=""/>
+        <p:cNvGrpSpPr/>
+        <p:nvPr/>
+      </p:nvGrpSpPr>
+      <p:grpSpPr>
+        <a:xfrm>
+          <a:off x="0" y="0"/>
+          <a:ext cx="0" cy="0"/>
+          <a:chOff x="0" y="0"/>
+          <a:chExt cx="0" cy="0"/>
+        </a:xfrm>
+      </p:grpSpPr>
+      <p:sp>
+        <p:nvSpPr>
+          <p:cNvPr id="2" name="內容版面配置區 1">
+            <a:extLst>
+              <a:ext uri="{FF2B5EF4-FFF2-40B4-BE49-F238E27FC236}">
+                <a16:creationId xmlns:a16="http://schemas.microsoft.com/office/drawing/2014/main" id="{4E4E023D-3F40-4B3A-AEA0-AF9EA4EE7FCF}"/>
+              </a:ext>
+            </a:extLst>
+          </p:cNvPr>
+          <p:cNvSpPr>
+            <a:spLocks noGrp="1"/>
+          </p:cNvSpPr>
+          <p:nvPr>
+            <p:ph idx="1"/>
+          </p:nvPr>
+        </p:nvSpPr>
+        <p:spPr/>
+        <p:txBody>
+          <a:bodyPr>
+            <a:normAutofit/>
+          </a:bodyPr>
+          <a:lstStyle/>
+          <a:p>
+            <a:r>
+              <a:rPr lang="zh-TW" altLang="en-US" sz="2000" dirty="0"/>
+              <a:t>以下皆為不同 </a:t>
+            </a:r>
+            <a:r>
+              <a:rPr lang="en-US" altLang="zh-TW" sz="2000" dirty="0"/>
+              <a:t>View </a:t>
+            </a:r>
+            <a:r>
+              <a:rPr lang="zh-TW" altLang="en-US" sz="2000" dirty="0"/>
+              <a:t>的圖片</a:t>
+            </a:r>
+            <a:r>
+              <a:rPr lang="en-US" altLang="zh-TW" sz="2000" dirty="0"/>
+              <a:t>(</a:t>
+            </a:r>
+            <a:r>
+              <a:rPr lang="zh-TW" altLang="en-US" sz="2000" dirty="0"/>
+              <a:t>編號代表類別</a:t>
+            </a:r>
+            <a:r>
+              <a:rPr lang="en-US" altLang="zh-TW" sz="2000" dirty="0"/>
+              <a:t>)</a:t>
+            </a:r>
+            <a:r>
+              <a:rPr lang="zh-TW" altLang="en-US" sz="2000" dirty="0"/>
+              <a:t> </a:t>
+            </a:r>
+            <a:endParaRPr lang="en-US" altLang="zh-TW" sz="2000" dirty="0"/>
+          </a:p>
+        </p:txBody>
+      </p:sp>
+      <p:sp>
+        <p:nvSpPr>
+          <p:cNvPr id="3" name="標題 2">
+            <a:extLst>
+              <a:ext uri="{FF2B5EF4-FFF2-40B4-BE49-F238E27FC236}">
+                <a16:creationId xmlns:a16="http://schemas.microsoft.com/office/drawing/2014/main" id="{25064C52-DA7E-4B79-92ED-DAF7CB9A641A}"/>
+              </a:ext>
+            </a:extLst>
+          </p:cNvPr>
+          <p:cNvSpPr>
+            <a:spLocks noGrp="1"/>
+          </p:cNvSpPr>
+          <p:nvPr>
+            <p:ph type="title"/>
+          </p:nvPr>
+        </p:nvSpPr>
+        <p:spPr/>
+        <p:txBody>
+          <a:bodyPr/>
+          <a:lstStyle/>
+          <a:p>
+            <a:r>
+              <a:rPr lang="zh-TW" altLang="en-US" dirty="0"/>
+              <a:t>心臟超音波影像的 </a:t>
+            </a:r>
+            <a:r>
+              <a:rPr lang="en-US" altLang="zh-TW" dirty="0"/>
+              <a:t>9</a:t>
+            </a:r>
+            <a:r>
+              <a:rPr lang="zh-TW" altLang="en-US" dirty="0"/>
+              <a:t> 種 </a:t>
+            </a:r>
+            <a:r>
+              <a:rPr lang="en-US" altLang="zh-TW" dirty="0"/>
+              <a:t>View</a:t>
+            </a:r>
+            <a:endParaRPr lang="zh-TW" altLang="en-US" dirty="0"/>
+          </a:p>
+        </p:txBody>
+      </p:sp>
+      <p:pic>
+        <p:nvPicPr>
+          <p:cNvPr id="5" name="圖片 4">
+            <a:extLst>
+              <a:ext uri="{FF2B5EF4-FFF2-40B4-BE49-F238E27FC236}">
+                <a16:creationId xmlns:a16="http://schemas.microsoft.com/office/drawing/2014/main" id="{E11403D8-272D-B202-C543-2FA8F81999EF}"/>
+              </a:ext>
+            </a:extLst>
+          </p:cNvPr>
+          <p:cNvPicPr>
+            <a:picLocks noChangeAspect="1"/>
+          </p:cNvPicPr>
+          <p:nvPr/>
+        </p:nvPicPr>
+        <p:blipFill>
+          <a:blip r:embed="rId2"/>
+          <a:stretch>
+            <a:fillRect/>
+          </a:stretch>
+        </p:blipFill>
+        <p:spPr>
+          <a:xfrm>
+            <a:off x="556107" y="1603887"/>
+            <a:ext cx="4873143" cy="3490114"/>
+          </a:xfrm>
+          <a:prstGeom prst="rect">
+            <a:avLst/>
+          </a:prstGeom>
+        </p:spPr>
+      </p:pic>
+      <p:sp>
+        <p:nvSpPr>
+          <p:cNvPr id="6" name="文字方塊 5">
+            <a:extLst>
+              <a:ext uri="{FF2B5EF4-FFF2-40B4-BE49-F238E27FC236}">
+                <a16:creationId xmlns:a16="http://schemas.microsoft.com/office/drawing/2014/main" id="{A84241F6-28ED-9D7B-0630-1E83A008B435}"/>
+              </a:ext>
+            </a:extLst>
+          </p:cNvPr>
+          <p:cNvSpPr txBox="1"/>
+          <p:nvPr/>
+        </p:nvSpPr>
+        <p:spPr>
+          <a:xfrm>
+            <a:off x="1275151" y="5070673"/>
+            <a:ext cx="2930289" cy="369332"/>
+          </a:xfrm>
+          <a:prstGeom prst="rect">
+            <a:avLst/>
+          </a:prstGeom>
+          <a:noFill/>
+        </p:spPr>
+        <p:txBody>
+          <a:bodyPr wrap="none" rtlCol="0">
+            <a:spAutoFit/>
+          </a:bodyPr>
+          <a:lstStyle/>
+          <a:p>
+            <a:r>
+              <a:rPr lang="en-US" altLang="zh-TW" dirty="0">
+                <a:latin typeface="Times New Roman" panose="02020603050405020304" pitchFamily="18" charset="0"/>
+                <a:ea typeface="標楷體" panose="03000509000000000000" pitchFamily="65" charset="-120"/>
+              </a:rPr>
+              <a:t>1.</a:t>
+            </a:r>
+            <a:r>
+              <a:rPr lang="zh-TW" altLang="en-US" dirty="0">
+                <a:latin typeface="Times New Roman" panose="02020603050405020304" pitchFamily="18" charset="0"/>
+                <a:ea typeface="標楷體" panose="03000509000000000000" pitchFamily="65" charset="-120"/>
+              </a:rPr>
+              <a:t> </a:t>
+            </a:r>
+            <a:r>
+              <a:rPr lang="en-US" altLang="zh-TW" dirty="0">
+                <a:latin typeface="Times New Roman" panose="02020603050405020304" pitchFamily="18" charset="0"/>
+                <a:ea typeface="標楷體" panose="03000509000000000000" pitchFamily="65" charset="-120"/>
+              </a:rPr>
+              <a:t>Apical Five Chamber View</a:t>
+            </a:r>
+            <a:endParaRPr lang="zh-TW" altLang="en-US" dirty="0">
+              <a:latin typeface="Times New Roman" panose="02020603050405020304" pitchFamily="18" charset="0"/>
+              <a:ea typeface="標楷體" panose="03000509000000000000" pitchFamily="65" charset="-120"/>
+            </a:endParaRPr>
+          </a:p>
+        </p:txBody>
+      </p:sp>
+      <p:pic>
+        <p:nvPicPr>
+          <p:cNvPr id="7" name="圖片 6">
+            <a:extLst>
+              <a:ext uri="{FF2B5EF4-FFF2-40B4-BE49-F238E27FC236}">
+                <a16:creationId xmlns:a16="http://schemas.microsoft.com/office/drawing/2014/main" id="{4EFE8074-979A-FA58-0484-FC09420B18FE}"/>
+              </a:ext>
+            </a:extLst>
+          </p:cNvPr>
+          <p:cNvPicPr>
+            <a:picLocks noChangeAspect="1"/>
+          </p:cNvPicPr>
+          <p:nvPr/>
+        </p:nvPicPr>
+        <p:blipFill>
+          <a:blip r:embed="rId3"/>
+          <a:stretch>
+            <a:fillRect/>
+          </a:stretch>
+        </p:blipFill>
+        <p:spPr>
+          <a:xfrm>
+            <a:off x="5964222" y="1602253"/>
+            <a:ext cx="4770453" cy="3516962"/>
+          </a:xfrm>
+          <a:prstGeom prst="rect">
+            <a:avLst/>
+          </a:prstGeom>
+        </p:spPr>
+      </p:pic>
+      <p:sp>
+        <p:nvSpPr>
+          <p:cNvPr id="8" name="文字方塊 7">
+            <a:extLst>
+              <a:ext uri="{FF2B5EF4-FFF2-40B4-BE49-F238E27FC236}">
+                <a16:creationId xmlns:a16="http://schemas.microsoft.com/office/drawing/2014/main" id="{08B082D2-FC87-07F2-1FAA-0E7A5521309E}"/>
+              </a:ext>
+            </a:extLst>
+          </p:cNvPr>
+          <p:cNvSpPr txBox="1"/>
+          <p:nvPr/>
+        </p:nvSpPr>
+        <p:spPr>
+          <a:xfrm>
+            <a:off x="2125947" y="3188827"/>
+            <a:ext cx="571500" cy="369332"/>
+          </a:xfrm>
+          <a:prstGeom prst="rect">
+            <a:avLst/>
+          </a:prstGeom>
+          <a:noFill/>
+        </p:spPr>
+        <p:txBody>
+          <a:bodyPr wrap="square" rtlCol="0">
+            <a:spAutoFit/>
+          </a:bodyPr>
+          <a:lstStyle/>
+          <a:p>
+            <a:r>
+              <a:rPr lang="en-US" altLang="zh-TW" dirty="0">
+                <a:solidFill>
+                  <a:srgbClr val="FF0000"/>
+                </a:solidFill>
+                <a:latin typeface="Times New Roman" panose="02020603050405020304" pitchFamily="18" charset="0"/>
+                <a:ea typeface="標楷體" panose="03000509000000000000" pitchFamily="65" charset="-120"/>
+              </a:rPr>
+              <a:t>RV</a:t>
+            </a:r>
+            <a:endParaRPr lang="zh-TW" altLang="en-US" dirty="0">
+              <a:solidFill>
+                <a:srgbClr val="FF0000"/>
+              </a:solidFill>
+              <a:latin typeface="Times New Roman" panose="02020603050405020304" pitchFamily="18" charset="0"/>
+              <a:ea typeface="標楷體" panose="03000509000000000000" pitchFamily="65" charset="-120"/>
+            </a:endParaRPr>
+          </a:p>
+        </p:txBody>
+      </p:sp>
+      <p:sp>
+        <p:nvSpPr>
+          <p:cNvPr id="9" name="文字方塊 8">
+            <a:extLst>
+              <a:ext uri="{FF2B5EF4-FFF2-40B4-BE49-F238E27FC236}">
+                <a16:creationId xmlns:a16="http://schemas.microsoft.com/office/drawing/2014/main" id="{5AD86168-C5FE-194E-213C-46976F822A0F}"/>
+              </a:ext>
+            </a:extLst>
+          </p:cNvPr>
+          <p:cNvSpPr txBox="1"/>
+          <p:nvPr/>
+        </p:nvSpPr>
+        <p:spPr>
+          <a:xfrm>
+            <a:off x="2034795" y="4042425"/>
+            <a:ext cx="571500" cy="369332"/>
+          </a:xfrm>
+          <a:prstGeom prst="rect">
+            <a:avLst/>
+          </a:prstGeom>
+          <a:noFill/>
+        </p:spPr>
+        <p:txBody>
+          <a:bodyPr wrap="square" rtlCol="0">
+            <a:spAutoFit/>
+          </a:bodyPr>
+          <a:lstStyle/>
+          <a:p>
+            <a:r>
+              <a:rPr lang="en-US" altLang="zh-TW" dirty="0">
+                <a:solidFill>
+                  <a:srgbClr val="FF0000"/>
+                </a:solidFill>
+                <a:latin typeface="Times New Roman" panose="02020603050405020304" pitchFamily="18" charset="0"/>
+                <a:ea typeface="標楷體" panose="03000509000000000000" pitchFamily="65" charset="-120"/>
+              </a:rPr>
+              <a:t>RA</a:t>
+            </a:r>
+            <a:endParaRPr lang="zh-TW" altLang="en-US" dirty="0">
+              <a:solidFill>
+                <a:srgbClr val="FF0000"/>
+              </a:solidFill>
+              <a:latin typeface="Times New Roman" panose="02020603050405020304" pitchFamily="18" charset="0"/>
+              <a:ea typeface="標楷體" panose="03000509000000000000" pitchFamily="65" charset="-120"/>
+            </a:endParaRPr>
+          </a:p>
+        </p:txBody>
+      </p:sp>
+      <p:sp>
+        <p:nvSpPr>
+          <p:cNvPr id="10" name="文字方塊 9">
+            <a:extLst>
+              <a:ext uri="{FF2B5EF4-FFF2-40B4-BE49-F238E27FC236}">
+                <a16:creationId xmlns:a16="http://schemas.microsoft.com/office/drawing/2014/main" id="{46E685EB-AC43-053C-48A4-420EC7DC2462}"/>
+              </a:ext>
+            </a:extLst>
+          </p:cNvPr>
+          <p:cNvSpPr txBox="1"/>
+          <p:nvPr/>
+        </p:nvSpPr>
+        <p:spPr>
+          <a:xfrm>
+            <a:off x="2712127" y="4193473"/>
+            <a:ext cx="571500" cy="369332"/>
+          </a:xfrm>
+          <a:prstGeom prst="rect">
+            <a:avLst/>
+          </a:prstGeom>
+          <a:noFill/>
+        </p:spPr>
+        <p:txBody>
+          <a:bodyPr wrap="square" rtlCol="0">
+            <a:spAutoFit/>
+          </a:bodyPr>
+          <a:lstStyle/>
+          <a:p>
+            <a:r>
+              <a:rPr lang="en-US" altLang="zh-TW" dirty="0">
+                <a:solidFill>
+                  <a:srgbClr val="FF0000"/>
+                </a:solidFill>
+                <a:latin typeface="Times New Roman" panose="02020603050405020304" pitchFamily="18" charset="0"/>
+                <a:ea typeface="標楷體" panose="03000509000000000000" pitchFamily="65" charset="-120"/>
+              </a:rPr>
+              <a:t>LA</a:t>
+            </a:r>
+            <a:endParaRPr lang="zh-TW" altLang="en-US" dirty="0">
+              <a:solidFill>
+                <a:srgbClr val="FF0000"/>
+              </a:solidFill>
+              <a:latin typeface="Times New Roman" panose="02020603050405020304" pitchFamily="18" charset="0"/>
+              <a:ea typeface="標楷體" panose="03000509000000000000" pitchFamily="65" charset="-120"/>
+            </a:endParaRPr>
+          </a:p>
+        </p:txBody>
+      </p:sp>
+      <p:sp>
+        <p:nvSpPr>
+          <p:cNvPr id="11" name="文字方塊 10">
+            <a:extLst>
+              <a:ext uri="{FF2B5EF4-FFF2-40B4-BE49-F238E27FC236}">
+                <a16:creationId xmlns:a16="http://schemas.microsoft.com/office/drawing/2014/main" id="{1D201A93-727C-A223-AB3A-2F8F16FF165D}"/>
+              </a:ext>
+            </a:extLst>
+          </p:cNvPr>
+          <p:cNvSpPr txBox="1"/>
+          <p:nvPr/>
+        </p:nvSpPr>
+        <p:spPr>
+          <a:xfrm>
+            <a:off x="2914921" y="3234322"/>
+            <a:ext cx="571500" cy="369332"/>
+          </a:xfrm>
+          <a:prstGeom prst="rect">
+            <a:avLst/>
+          </a:prstGeom>
+          <a:noFill/>
+        </p:spPr>
+        <p:txBody>
+          <a:bodyPr wrap="square" rtlCol="0">
+            <a:spAutoFit/>
+          </a:bodyPr>
+          <a:lstStyle/>
+          <a:p>
+            <a:r>
+              <a:rPr lang="en-US" altLang="zh-TW" dirty="0">
+                <a:solidFill>
+                  <a:srgbClr val="FF0000"/>
+                </a:solidFill>
+                <a:latin typeface="Times New Roman" panose="02020603050405020304" pitchFamily="18" charset="0"/>
+                <a:ea typeface="標楷體" panose="03000509000000000000" pitchFamily="65" charset="-120"/>
+              </a:rPr>
+              <a:t>LV</a:t>
+            </a:r>
+            <a:endParaRPr lang="zh-TW" altLang="en-US" dirty="0">
+              <a:solidFill>
+                <a:srgbClr val="FF0000"/>
+              </a:solidFill>
+              <a:latin typeface="Times New Roman" panose="02020603050405020304" pitchFamily="18" charset="0"/>
+              <a:ea typeface="標楷體" panose="03000509000000000000" pitchFamily="65" charset="-120"/>
+            </a:endParaRPr>
+          </a:p>
+        </p:txBody>
+      </p:sp>
+      <p:sp>
+        <p:nvSpPr>
+          <p:cNvPr id="12" name="文字方塊 11">
+            <a:extLst>
+              <a:ext uri="{FF2B5EF4-FFF2-40B4-BE49-F238E27FC236}">
+                <a16:creationId xmlns:a16="http://schemas.microsoft.com/office/drawing/2014/main" id="{5B2EB962-0B4C-9C9C-3AFD-F79A3926A296}"/>
+              </a:ext>
+            </a:extLst>
+          </p:cNvPr>
+          <p:cNvSpPr txBox="1"/>
+          <p:nvPr/>
+        </p:nvSpPr>
+        <p:spPr>
+          <a:xfrm>
+            <a:off x="2320545" y="3691150"/>
+            <a:ext cx="839503" cy="369332"/>
+          </a:xfrm>
+          <a:prstGeom prst="rect">
+            <a:avLst/>
+          </a:prstGeom>
+          <a:noFill/>
+        </p:spPr>
+        <p:txBody>
+          <a:bodyPr wrap="square" rtlCol="0">
+            <a:spAutoFit/>
+          </a:bodyPr>
+          <a:lstStyle/>
+          <a:p>
+            <a:r>
+              <a:rPr lang="en-US" altLang="zh-TW" dirty="0">
+                <a:solidFill>
+                  <a:srgbClr val="FF0000"/>
+                </a:solidFill>
+                <a:latin typeface="Times New Roman" panose="02020603050405020304" pitchFamily="18" charset="0"/>
+                <a:ea typeface="標楷體" panose="03000509000000000000" pitchFamily="65" charset="-120"/>
+              </a:rPr>
+              <a:t>Aortic</a:t>
+            </a:r>
+            <a:endParaRPr lang="zh-TW" altLang="en-US" dirty="0">
+              <a:solidFill>
+                <a:srgbClr val="FF0000"/>
+              </a:solidFill>
+              <a:latin typeface="Times New Roman" panose="02020603050405020304" pitchFamily="18" charset="0"/>
+              <a:ea typeface="標楷體" panose="03000509000000000000" pitchFamily="65" charset="-120"/>
+            </a:endParaRPr>
+          </a:p>
+        </p:txBody>
+      </p:sp>
+      <p:sp>
+        <p:nvSpPr>
+          <p:cNvPr id="13" name="文字方塊 12">
+            <a:extLst>
+              <a:ext uri="{FF2B5EF4-FFF2-40B4-BE49-F238E27FC236}">
+                <a16:creationId xmlns:a16="http://schemas.microsoft.com/office/drawing/2014/main" id="{F775683A-F593-702A-E0B6-D614B5C95DC6}"/>
+              </a:ext>
+            </a:extLst>
+          </p:cNvPr>
+          <p:cNvSpPr txBox="1"/>
+          <p:nvPr/>
+        </p:nvSpPr>
+        <p:spPr>
+          <a:xfrm>
+            <a:off x="4487533" y="5414836"/>
+            <a:ext cx="2649764" cy="923330"/>
+          </a:xfrm>
+          <a:prstGeom prst="rect">
+            <a:avLst/>
+          </a:prstGeom>
+          <a:noFill/>
+        </p:spPr>
+        <p:txBody>
+          <a:bodyPr wrap="none" rtlCol="0">
+            <a:spAutoFit/>
+          </a:bodyPr>
+          <a:lstStyle/>
+          <a:p>
+            <a:r>
+              <a:rPr lang="en-US" altLang="zh-TW" dirty="0">
+                <a:latin typeface="Times New Roman" panose="02020603050405020304" pitchFamily="18" charset="0"/>
+                <a:ea typeface="標楷體" panose="03000509000000000000" pitchFamily="65" charset="-120"/>
+              </a:rPr>
+              <a:t>RV: </a:t>
+            </a:r>
+            <a:r>
+              <a:rPr lang="zh-TW" altLang="en-US" dirty="0">
+                <a:latin typeface="Times New Roman" panose="02020603050405020304" pitchFamily="18" charset="0"/>
+                <a:ea typeface="標楷體" panose="03000509000000000000" pitchFamily="65" charset="-120"/>
+              </a:rPr>
+              <a:t>右心室，</a:t>
+            </a:r>
+            <a:r>
+              <a:rPr lang="en-US" altLang="zh-TW" dirty="0">
+                <a:latin typeface="Times New Roman" panose="02020603050405020304" pitchFamily="18" charset="0"/>
+                <a:ea typeface="標楷體" panose="03000509000000000000" pitchFamily="65" charset="-120"/>
+              </a:rPr>
+              <a:t>RA:</a:t>
+            </a:r>
+            <a:r>
+              <a:rPr lang="zh-TW" altLang="en-US" dirty="0">
+                <a:latin typeface="Times New Roman" panose="02020603050405020304" pitchFamily="18" charset="0"/>
+                <a:ea typeface="標楷體" panose="03000509000000000000" pitchFamily="65" charset="-120"/>
+              </a:rPr>
+              <a:t> 右心房</a:t>
+            </a:r>
+            <a:endParaRPr lang="en-US" altLang="zh-TW" dirty="0">
+              <a:latin typeface="Times New Roman" panose="02020603050405020304" pitchFamily="18" charset="0"/>
+              <a:ea typeface="標楷體" panose="03000509000000000000" pitchFamily="65" charset="-120"/>
+            </a:endParaRPr>
+          </a:p>
+          <a:p>
+            <a:r>
+              <a:rPr lang="en-US" altLang="zh-TW" dirty="0">
+                <a:latin typeface="Times New Roman" panose="02020603050405020304" pitchFamily="18" charset="0"/>
+                <a:ea typeface="標楷體" panose="03000509000000000000" pitchFamily="65" charset="-120"/>
+              </a:rPr>
+              <a:t>LV:</a:t>
+            </a:r>
+            <a:r>
+              <a:rPr lang="zh-TW" altLang="en-US" dirty="0">
+                <a:latin typeface="Times New Roman" panose="02020603050405020304" pitchFamily="18" charset="0"/>
+                <a:ea typeface="標楷體" panose="03000509000000000000" pitchFamily="65" charset="-120"/>
+              </a:rPr>
+              <a:t> 左心室，</a:t>
+            </a:r>
+            <a:r>
+              <a:rPr lang="en-US" altLang="zh-TW" dirty="0">
+                <a:latin typeface="Times New Roman" panose="02020603050405020304" pitchFamily="18" charset="0"/>
+                <a:ea typeface="標楷體" panose="03000509000000000000" pitchFamily="65" charset="-120"/>
+              </a:rPr>
+              <a:t>LA:</a:t>
+            </a:r>
+            <a:r>
+              <a:rPr lang="zh-TW" altLang="en-US" dirty="0">
+                <a:latin typeface="Times New Roman" panose="02020603050405020304" pitchFamily="18" charset="0"/>
+                <a:ea typeface="標楷體" panose="03000509000000000000" pitchFamily="65" charset="-120"/>
+              </a:rPr>
+              <a:t> 左心房</a:t>
+            </a:r>
+            <a:endParaRPr lang="en-US" altLang="zh-TW" dirty="0">
+              <a:latin typeface="Times New Roman" panose="02020603050405020304" pitchFamily="18" charset="0"/>
+              <a:ea typeface="標楷體" panose="03000509000000000000" pitchFamily="65" charset="-120"/>
+            </a:endParaRPr>
+          </a:p>
+          <a:p>
+            <a:r>
+              <a:rPr lang="en-US" altLang="zh-TW" dirty="0">
+                <a:latin typeface="Times New Roman" panose="02020603050405020304" pitchFamily="18" charset="0"/>
+                <a:ea typeface="標楷體" panose="03000509000000000000" pitchFamily="65" charset="-120"/>
+              </a:rPr>
+              <a:t>Aortic: </a:t>
+            </a:r>
+            <a:r>
+              <a:rPr lang="zh-TW" altLang="en-US" dirty="0">
+                <a:latin typeface="Times New Roman" panose="02020603050405020304" pitchFamily="18" charset="0"/>
+                <a:ea typeface="標楷體" panose="03000509000000000000" pitchFamily="65" charset="-120"/>
+              </a:rPr>
+              <a:t>動脈</a:t>
+            </a:r>
+          </a:p>
+        </p:txBody>
+      </p:sp>
+      <p:sp>
+        <p:nvSpPr>
+          <p:cNvPr id="14" name="文字方塊 13">
+            <a:extLst>
+              <a:ext uri="{FF2B5EF4-FFF2-40B4-BE49-F238E27FC236}">
+                <a16:creationId xmlns:a16="http://schemas.microsoft.com/office/drawing/2014/main" id="{B755888F-7022-B667-FF7E-5508E848CF76}"/>
+              </a:ext>
+            </a:extLst>
+          </p:cNvPr>
+          <p:cNvSpPr txBox="1"/>
+          <p:nvPr/>
+        </p:nvSpPr>
+        <p:spPr>
+          <a:xfrm>
+            <a:off x="7659972" y="3244334"/>
+            <a:ext cx="571500" cy="369332"/>
+          </a:xfrm>
+          <a:prstGeom prst="rect">
+            <a:avLst/>
+          </a:prstGeom>
+          <a:noFill/>
+        </p:spPr>
+        <p:txBody>
+          <a:bodyPr wrap="square" rtlCol="0">
+            <a:spAutoFit/>
+          </a:bodyPr>
+          <a:lstStyle/>
+          <a:p>
+            <a:r>
+              <a:rPr lang="en-US" altLang="zh-TW" dirty="0">
+                <a:solidFill>
+                  <a:srgbClr val="FF0000"/>
+                </a:solidFill>
+                <a:latin typeface="Times New Roman" panose="02020603050405020304" pitchFamily="18" charset="0"/>
+                <a:ea typeface="標楷體" panose="03000509000000000000" pitchFamily="65" charset="-120"/>
+              </a:rPr>
+              <a:t>RV</a:t>
+            </a:r>
+            <a:endParaRPr lang="zh-TW" altLang="en-US" dirty="0">
+              <a:solidFill>
+                <a:srgbClr val="FF0000"/>
+              </a:solidFill>
+              <a:latin typeface="Times New Roman" panose="02020603050405020304" pitchFamily="18" charset="0"/>
+              <a:ea typeface="標楷體" panose="03000509000000000000" pitchFamily="65" charset="-120"/>
+            </a:endParaRPr>
+          </a:p>
+        </p:txBody>
+      </p:sp>
+      <p:sp>
+        <p:nvSpPr>
+          <p:cNvPr id="15" name="文字方塊 14">
+            <a:extLst>
+              <a:ext uri="{FF2B5EF4-FFF2-40B4-BE49-F238E27FC236}">
+                <a16:creationId xmlns:a16="http://schemas.microsoft.com/office/drawing/2014/main" id="{64DA67CA-0C70-77FC-F0F9-20596F445052}"/>
+              </a:ext>
+            </a:extLst>
+          </p:cNvPr>
+          <p:cNvSpPr txBox="1"/>
+          <p:nvPr/>
+        </p:nvSpPr>
+        <p:spPr>
+          <a:xfrm>
+            <a:off x="8123899" y="4066870"/>
+            <a:ext cx="571500" cy="369332"/>
+          </a:xfrm>
+          <a:prstGeom prst="rect">
+            <a:avLst/>
+          </a:prstGeom>
+          <a:noFill/>
+        </p:spPr>
+        <p:txBody>
+          <a:bodyPr wrap="square" rtlCol="0">
+            <a:spAutoFit/>
+          </a:bodyPr>
+          <a:lstStyle/>
+          <a:p>
+            <a:r>
+              <a:rPr lang="en-US" altLang="zh-TW" dirty="0">
+                <a:solidFill>
+                  <a:srgbClr val="FF0000"/>
+                </a:solidFill>
+                <a:latin typeface="Times New Roman" panose="02020603050405020304" pitchFamily="18" charset="0"/>
+                <a:ea typeface="標楷體" panose="03000509000000000000" pitchFamily="65" charset="-120"/>
+              </a:rPr>
+              <a:t>LA</a:t>
+            </a:r>
+            <a:endParaRPr lang="zh-TW" altLang="en-US" dirty="0">
+              <a:solidFill>
+                <a:srgbClr val="FF0000"/>
+              </a:solidFill>
+              <a:latin typeface="Times New Roman" panose="02020603050405020304" pitchFamily="18" charset="0"/>
+              <a:ea typeface="標楷體" panose="03000509000000000000" pitchFamily="65" charset="-120"/>
+            </a:endParaRPr>
+          </a:p>
+        </p:txBody>
+      </p:sp>
+      <p:sp>
+        <p:nvSpPr>
+          <p:cNvPr id="16" name="文字方塊 15">
+            <a:extLst>
+              <a:ext uri="{FF2B5EF4-FFF2-40B4-BE49-F238E27FC236}">
+                <a16:creationId xmlns:a16="http://schemas.microsoft.com/office/drawing/2014/main" id="{BB27B928-D0C5-F49E-4C24-F323C4DBBB1F}"/>
+              </a:ext>
+            </a:extLst>
+          </p:cNvPr>
+          <p:cNvSpPr txBox="1"/>
+          <p:nvPr/>
+        </p:nvSpPr>
+        <p:spPr>
+          <a:xfrm>
+            <a:off x="7549630" y="3987396"/>
+            <a:ext cx="571500" cy="369332"/>
+          </a:xfrm>
+          <a:prstGeom prst="rect">
+            <a:avLst/>
+          </a:prstGeom>
+          <a:noFill/>
+        </p:spPr>
+        <p:txBody>
+          <a:bodyPr wrap="square" rtlCol="0">
+            <a:spAutoFit/>
+          </a:bodyPr>
+          <a:lstStyle/>
+          <a:p>
+            <a:r>
+              <a:rPr lang="en-US" altLang="zh-TW" dirty="0">
+                <a:solidFill>
+                  <a:srgbClr val="FF0000"/>
+                </a:solidFill>
+                <a:latin typeface="Times New Roman" panose="02020603050405020304" pitchFamily="18" charset="0"/>
+                <a:ea typeface="標楷體" panose="03000509000000000000" pitchFamily="65" charset="-120"/>
+              </a:rPr>
+              <a:t>RA</a:t>
+            </a:r>
+            <a:endParaRPr lang="zh-TW" altLang="en-US" dirty="0">
+              <a:solidFill>
+                <a:srgbClr val="FF0000"/>
+              </a:solidFill>
+              <a:latin typeface="Times New Roman" panose="02020603050405020304" pitchFamily="18" charset="0"/>
+              <a:ea typeface="標楷體" panose="03000509000000000000" pitchFamily="65" charset="-120"/>
+            </a:endParaRPr>
+          </a:p>
+        </p:txBody>
+      </p:sp>
+      <p:sp>
+        <p:nvSpPr>
+          <p:cNvPr id="17" name="文字方塊 16">
+            <a:extLst>
+              <a:ext uri="{FF2B5EF4-FFF2-40B4-BE49-F238E27FC236}">
+                <a16:creationId xmlns:a16="http://schemas.microsoft.com/office/drawing/2014/main" id="{6FD1A2EC-119E-B687-0309-942EB26823A9}"/>
+              </a:ext>
+            </a:extLst>
+          </p:cNvPr>
+          <p:cNvSpPr txBox="1"/>
+          <p:nvPr/>
+        </p:nvSpPr>
+        <p:spPr>
+          <a:xfrm>
+            <a:off x="8349719" y="3244334"/>
+            <a:ext cx="571500" cy="369332"/>
+          </a:xfrm>
+          <a:prstGeom prst="rect">
+            <a:avLst/>
+          </a:prstGeom>
+          <a:noFill/>
+        </p:spPr>
+        <p:txBody>
+          <a:bodyPr wrap="square" rtlCol="0">
+            <a:spAutoFit/>
+          </a:bodyPr>
+          <a:lstStyle/>
+          <a:p>
+            <a:r>
+              <a:rPr lang="en-US" altLang="zh-TW" dirty="0">
+                <a:solidFill>
+                  <a:srgbClr val="FF0000"/>
+                </a:solidFill>
+                <a:latin typeface="Times New Roman" panose="02020603050405020304" pitchFamily="18" charset="0"/>
+                <a:ea typeface="標楷體" panose="03000509000000000000" pitchFamily="65" charset="-120"/>
+              </a:rPr>
+              <a:t>LV</a:t>
+            </a:r>
+            <a:endParaRPr lang="zh-TW" altLang="en-US" dirty="0">
+              <a:solidFill>
+                <a:srgbClr val="FF0000"/>
+              </a:solidFill>
+              <a:latin typeface="Times New Roman" panose="02020603050405020304" pitchFamily="18" charset="0"/>
+              <a:ea typeface="標楷體" panose="03000509000000000000" pitchFamily="65" charset="-120"/>
+            </a:endParaRPr>
+          </a:p>
+        </p:txBody>
+      </p:sp>
+      <p:sp>
+        <p:nvSpPr>
+          <p:cNvPr id="18" name="文字方塊 17">
+            <a:extLst>
+              <a:ext uri="{FF2B5EF4-FFF2-40B4-BE49-F238E27FC236}">
+                <a16:creationId xmlns:a16="http://schemas.microsoft.com/office/drawing/2014/main" id="{E113BA16-E5BF-8577-0302-9A8BD2D354C7}"/>
+              </a:ext>
+            </a:extLst>
+          </p:cNvPr>
+          <p:cNvSpPr txBox="1"/>
+          <p:nvPr/>
+        </p:nvSpPr>
+        <p:spPr>
+          <a:xfrm>
+            <a:off x="6766327" y="5062766"/>
+            <a:ext cx="2955937" cy="369332"/>
+          </a:xfrm>
+          <a:prstGeom prst="rect">
+            <a:avLst/>
+          </a:prstGeom>
+          <a:noFill/>
+        </p:spPr>
+        <p:txBody>
+          <a:bodyPr wrap="none" rtlCol="0">
+            <a:spAutoFit/>
+          </a:bodyPr>
+          <a:lstStyle/>
+          <a:p>
+            <a:r>
+              <a:rPr lang="en-US" altLang="zh-TW" dirty="0">
+                <a:latin typeface="Times New Roman" panose="02020603050405020304" pitchFamily="18" charset="0"/>
+                <a:ea typeface="標楷體" panose="03000509000000000000" pitchFamily="65" charset="-120"/>
+              </a:rPr>
+              <a:t>2.</a:t>
+            </a:r>
+            <a:r>
+              <a:rPr lang="zh-TW" altLang="en-US" dirty="0">
+                <a:latin typeface="Times New Roman" panose="02020603050405020304" pitchFamily="18" charset="0"/>
+                <a:ea typeface="標楷體" panose="03000509000000000000" pitchFamily="65" charset="-120"/>
+              </a:rPr>
+              <a:t> </a:t>
+            </a:r>
+            <a:r>
+              <a:rPr lang="en-US" altLang="zh-TW" dirty="0">
+                <a:latin typeface="Times New Roman" panose="02020603050405020304" pitchFamily="18" charset="0"/>
+                <a:ea typeface="標楷體" panose="03000509000000000000" pitchFamily="65" charset="-120"/>
+              </a:rPr>
+              <a:t>Apical Four Chamber View</a:t>
+            </a:r>
+            <a:endParaRPr lang="zh-TW" altLang="en-US" dirty="0">
+              <a:latin typeface="Times New Roman" panose="02020603050405020304" pitchFamily="18" charset="0"/>
+              <a:ea typeface="標楷體" panose="03000509000000000000" pitchFamily="65" charset="-120"/>
+            </a:endParaRPr>
+          </a:p>
+        </p:txBody>
+      </p:sp>
+    </p:spTree>
+    <p:extLst>
+      <p:ext uri="{BB962C8B-B14F-4D97-AF65-F5344CB8AC3E}">
+        <p14:creationId xmlns:p14="http://schemas.microsoft.com/office/powerpoint/2010/main" val="3674267202"/>
+      </p:ext>
+    </p:extLst>
+  </p:cSld>
+  <p:clrMapOvr>
+    <a:masterClrMapping/>
+  </p:clrMapOvr>
+</p:sld>
+</file>
+
+<file path=ppt/slides/slide7.xml><?xml version="1.0" encoding="utf-8"?>
+<p:sld xmlns:a="http://schemas.openxmlformats.org/drawingml/2006/main" xmlns:r="http://schemas.openxmlformats.org/officeDocument/2006/relationships" xmlns:p="http://schemas.openxmlformats.org/presentationml/2006/main">
+  <p:cSld>
+    <p:spTree>
+      <p:nvGrpSpPr>
+        <p:cNvPr id="1" name=""/>
+        <p:cNvGrpSpPr/>
+        <p:nvPr/>
+      </p:nvGrpSpPr>
+      <p:grpSpPr>
+        <a:xfrm>
+          <a:off x="0" y="0"/>
+          <a:ext cx="0" cy="0"/>
+          <a:chOff x="0" y="0"/>
+          <a:chExt cx="0" cy="0"/>
+        </a:xfrm>
+      </p:grpSpPr>
+      <p:sp>
+        <p:nvSpPr>
+          <p:cNvPr id="2" name="內容版面配置區 1">
+            <a:extLst>
+              <a:ext uri="{FF2B5EF4-FFF2-40B4-BE49-F238E27FC236}">
+                <a16:creationId xmlns:a16="http://schemas.microsoft.com/office/drawing/2014/main" id="{4E4E023D-3F40-4B3A-AEA0-AF9EA4EE7FCF}"/>
+              </a:ext>
+            </a:extLst>
+          </p:cNvPr>
+          <p:cNvSpPr>
+            <a:spLocks noGrp="1"/>
+          </p:cNvSpPr>
+          <p:nvPr>
+            <p:ph idx="1"/>
+          </p:nvPr>
+        </p:nvSpPr>
+        <p:spPr/>
+        <p:txBody>
+          <a:bodyPr>
+            <a:normAutofit/>
+          </a:bodyPr>
+          <a:lstStyle/>
+          <a:p>
+            <a:r>
+              <a:rPr lang="zh-TW" altLang="en-US" sz="2000" dirty="0"/>
+              <a:t>以下皆為不同 </a:t>
+            </a:r>
+            <a:r>
+              <a:rPr lang="en-US" altLang="zh-TW" sz="2000" dirty="0"/>
+              <a:t>View </a:t>
+            </a:r>
+            <a:r>
+              <a:rPr lang="zh-TW" altLang="en-US" sz="2000" dirty="0"/>
+              <a:t>的圖片</a:t>
+            </a:r>
+            <a:r>
+              <a:rPr lang="en-US" altLang="zh-TW" sz="2000" dirty="0"/>
+              <a:t>(</a:t>
+            </a:r>
+            <a:r>
+              <a:rPr lang="zh-TW" altLang="en-US" sz="2000" dirty="0"/>
+              <a:t>編號代表類別</a:t>
+            </a:r>
+            <a:r>
+              <a:rPr lang="en-US" altLang="zh-TW" sz="2000" dirty="0"/>
+              <a:t>)</a:t>
+            </a:r>
+            <a:r>
+              <a:rPr lang="zh-TW" altLang="en-US" sz="2000" dirty="0"/>
+              <a:t> </a:t>
+            </a:r>
+            <a:endParaRPr lang="en-US" altLang="zh-TW" sz="2000" dirty="0"/>
+          </a:p>
+        </p:txBody>
+      </p:sp>
+      <p:sp>
+        <p:nvSpPr>
+          <p:cNvPr id="3" name="標題 2">
+            <a:extLst>
+              <a:ext uri="{FF2B5EF4-FFF2-40B4-BE49-F238E27FC236}">
+                <a16:creationId xmlns:a16="http://schemas.microsoft.com/office/drawing/2014/main" id="{25064C52-DA7E-4B79-92ED-DAF7CB9A641A}"/>
+              </a:ext>
+            </a:extLst>
+          </p:cNvPr>
+          <p:cNvSpPr>
+            <a:spLocks noGrp="1"/>
+          </p:cNvSpPr>
+          <p:nvPr>
+            <p:ph type="title"/>
+          </p:nvPr>
+        </p:nvSpPr>
+        <p:spPr/>
+        <p:txBody>
+          <a:bodyPr/>
+          <a:lstStyle/>
+          <a:p>
+            <a:r>
+              <a:rPr lang="zh-TW" altLang="en-US" dirty="0"/>
+              <a:t>心臟超音波影像的 </a:t>
+            </a:r>
+            <a:r>
+              <a:rPr lang="en-US" altLang="zh-TW" dirty="0"/>
+              <a:t>9</a:t>
+            </a:r>
+            <a:r>
+              <a:rPr lang="zh-TW" altLang="en-US" dirty="0"/>
+              <a:t> 種 </a:t>
+            </a:r>
+            <a:r>
+              <a:rPr lang="en-US" altLang="zh-TW" dirty="0"/>
+              <a:t>View</a:t>
+            </a:r>
+            <a:endParaRPr lang="zh-TW" altLang="en-US" dirty="0"/>
+          </a:p>
+        </p:txBody>
+      </p:sp>
+      <p:sp>
+        <p:nvSpPr>
+          <p:cNvPr id="6" name="文字方塊 5">
+            <a:extLst>
+              <a:ext uri="{FF2B5EF4-FFF2-40B4-BE49-F238E27FC236}">
+                <a16:creationId xmlns:a16="http://schemas.microsoft.com/office/drawing/2014/main" id="{A84241F6-28ED-9D7B-0630-1E83A008B435}"/>
+              </a:ext>
+            </a:extLst>
+          </p:cNvPr>
+          <p:cNvSpPr txBox="1"/>
+          <p:nvPr/>
+        </p:nvSpPr>
+        <p:spPr>
+          <a:xfrm>
+            <a:off x="1275151" y="5070673"/>
+            <a:ext cx="3007233" cy="369332"/>
+          </a:xfrm>
+          <a:prstGeom prst="rect">
+            <a:avLst/>
+          </a:prstGeom>
+          <a:noFill/>
+        </p:spPr>
+        <p:txBody>
+          <a:bodyPr wrap="none" rtlCol="0">
+            <a:spAutoFit/>
+          </a:bodyPr>
+          <a:lstStyle/>
+          <a:p>
+            <a:r>
+              <a:rPr lang="en-US" altLang="zh-TW" dirty="0">
+                <a:latin typeface="Times New Roman" panose="02020603050405020304" pitchFamily="18" charset="0"/>
+                <a:ea typeface="標楷體" panose="03000509000000000000" pitchFamily="65" charset="-120"/>
+              </a:rPr>
+              <a:t>9.</a:t>
+            </a:r>
+            <a:r>
+              <a:rPr lang="zh-TW" altLang="en-US" dirty="0">
+                <a:latin typeface="Times New Roman" panose="02020603050405020304" pitchFamily="18" charset="0"/>
+                <a:ea typeface="標楷體" panose="03000509000000000000" pitchFamily="65" charset="-120"/>
+              </a:rPr>
+              <a:t> </a:t>
+            </a:r>
+            <a:r>
+              <a:rPr lang="en-US" altLang="zh-TW" dirty="0">
+                <a:latin typeface="Times New Roman" panose="02020603050405020304" pitchFamily="18" charset="0"/>
+                <a:ea typeface="標楷體" panose="03000509000000000000" pitchFamily="65" charset="-120"/>
+              </a:rPr>
+              <a:t>Parasternal Long Axis View</a:t>
+            </a:r>
+            <a:endParaRPr lang="zh-TW" altLang="en-US" dirty="0">
+              <a:latin typeface="Times New Roman" panose="02020603050405020304" pitchFamily="18" charset="0"/>
+              <a:ea typeface="標楷體" panose="03000509000000000000" pitchFamily="65" charset="-120"/>
+            </a:endParaRPr>
+          </a:p>
+        </p:txBody>
+      </p:sp>
+      <p:sp>
+        <p:nvSpPr>
+          <p:cNvPr id="13" name="文字方塊 12">
+            <a:extLst>
+              <a:ext uri="{FF2B5EF4-FFF2-40B4-BE49-F238E27FC236}">
+                <a16:creationId xmlns:a16="http://schemas.microsoft.com/office/drawing/2014/main" id="{F775683A-F593-702A-E0B6-D614B5C95DC6}"/>
+              </a:ext>
+            </a:extLst>
+          </p:cNvPr>
+          <p:cNvSpPr txBox="1"/>
+          <p:nvPr/>
+        </p:nvSpPr>
+        <p:spPr>
+          <a:xfrm>
+            <a:off x="4487533" y="5414836"/>
+            <a:ext cx="2649764" cy="923330"/>
+          </a:xfrm>
+          <a:prstGeom prst="rect">
+            <a:avLst/>
+          </a:prstGeom>
+          <a:noFill/>
+        </p:spPr>
+        <p:txBody>
+          <a:bodyPr wrap="none" rtlCol="0">
+            <a:spAutoFit/>
+          </a:bodyPr>
+          <a:lstStyle/>
+          <a:p>
+            <a:r>
+              <a:rPr lang="en-US" altLang="zh-TW" dirty="0">
+                <a:latin typeface="Times New Roman" panose="02020603050405020304" pitchFamily="18" charset="0"/>
+                <a:ea typeface="標楷體" panose="03000509000000000000" pitchFamily="65" charset="-120"/>
+              </a:rPr>
+              <a:t>RV: </a:t>
+            </a:r>
+            <a:r>
+              <a:rPr lang="zh-TW" altLang="en-US" dirty="0">
+                <a:latin typeface="Times New Roman" panose="02020603050405020304" pitchFamily="18" charset="0"/>
+                <a:ea typeface="標楷體" panose="03000509000000000000" pitchFamily="65" charset="-120"/>
+              </a:rPr>
+              <a:t>右心室，</a:t>
+            </a:r>
+            <a:r>
+              <a:rPr lang="en-US" altLang="zh-TW" dirty="0">
+                <a:latin typeface="Times New Roman" panose="02020603050405020304" pitchFamily="18" charset="0"/>
+                <a:ea typeface="標楷體" panose="03000509000000000000" pitchFamily="65" charset="-120"/>
+              </a:rPr>
+              <a:t>RA:</a:t>
+            </a:r>
+            <a:r>
+              <a:rPr lang="zh-TW" altLang="en-US" dirty="0">
+                <a:latin typeface="Times New Roman" panose="02020603050405020304" pitchFamily="18" charset="0"/>
+                <a:ea typeface="標楷體" panose="03000509000000000000" pitchFamily="65" charset="-120"/>
+              </a:rPr>
+              <a:t> 右心房</a:t>
+            </a:r>
+            <a:endParaRPr lang="en-US" altLang="zh-TW" dirty="0">
+              <a:latin typeface="Times New Roman" panose="02020603050405020304" pitchFamily="18" charset="0"/>
+              <a:ea typeface="標楷體" panose="03000509000000000000" pitchFamily="65" charset="-120"/>
+            </a:endParaRPr>
+          </a:p>
+          <a:p>
+            <a:r>
+              <a:rPr lang="en-US" altLang="zh-TW" dirty="0">
+                <a:latin typeface="Times New Roman" panose="02020603050405020304" pitchFamily="18" charset="0"/>
+                <a:ea typeface="標楷體" panose="03000509000000000000" pitchFamily="65" charset="-120"/>
+              </a:rPr>
+              <a:t>LV:</a:t>
+            </a:r>
+            <a:r>
+              <a:rPr lang="zh-TW" altLang="en-US" dirty="0">
+                <a:latin typeface="Times New Roman" panose="02020603050405020304" pitchFamily="18" charset="0"/>
+                <a:ea typeface="標楷體" panose="03000509000000000000" pitchFamily="65" charset="-120"/>
+              </a:rPr>
+              <a:t> 左心室，</a:t>
+            </a:r>
+            <a:r>
+              <a:rPr lang="en-US" altLang="zh-TW" dirty="0">
+                <a:latin typeface="Times New Roman" panose="02020603050405020304" pitchFamily="18" charset="0"/>
+                <a:ea typeface="標楷體" panose="03000509000000000000" pitchFamily="65" charset="-120"/>
+              </a:rPr>
+              <a:t>LA:</a:t>
+            </a:r>
+            <a:r>
+              <a:rPr lang="zh-TW" altLang="en-US" dirty="0">
+                <a:latin typeface="Times New Roman" panose="02020603050405020304" pitchFamily="18" charset="0"/>
+                <a:ea typeface="標楷體" panose="03000509000000000000" pitchFamily="65" charset="-120"/>
+              </a:rPr>
+              <a:t> 左心房</a:t>
+            </a:r>
+            <a:endParaRPr lang="en-US" altLang="zh-TW" dirty="0">
+              <a:latin typeface="Times New Roman" panose="02020603050405020304" pitchFamily="18" charset="0"/>
+              <a:ea typeface="標楷體" panose="03000509000000000000" pitchFamily="65" charset="-120"/>
+            </a:endParaRPr>
+          </a:p>
+          <a:p>
+            <a:r>
+              <a:rPr lang="en-US" altLang="zh-TW" dirty="0">
+                <a:latin typeface="Times New Roman" panose="02020603050405020304" pitchFamily="18" charset="0"/>
+                <a:ea typeface="標楷體" panose="03000509000000000000" pitchFamily="65" charset="-120"/>
+              </a:rPr>
+              <a:t>Aortic: </a:t>
+            </a:r>
+            <a:r>
+              <a:rPr lang="zh-TW" altLang="en-US" dirty="0">
+                <a:latin typeface="Times New Roman" panose="02020603050405020304" pitchFamily="18" charset="0"/>
+                <a:ea typeface="標楷體" panose="03000509000000000000" pitchFamily="65" charset="-120"/>
+              </a:rPr>
+              <a:t>動脈</a:t>
+            </a:r>
+          </a:p>
+        </p:txBody>
+      </p:sp>
+      <p:pic>
+        <p:nvPicPr>
+          <p:cNvPr id="19" name="圖片 18">
+            <a:extLst>
+              <a:ext uri="{FF2B5EF4-FFF2-40B4-BE49-F238E27FC236}">
+                <a16:creationId xmlns:a16="http://schemas.microsoft.com/office/drawing/2014/main" id="{C3F3A58A-9C8A-C589-A554-87D0135C628B}"/>
+              </a:ext>
+            </a:extLst>
+          </p:cNvPr>
+          <p:cNvPicPr>
+            <a:picLocks noChangeAspect="1"/>
+          </p:cNvPicPr>
+          <p:nvPr/>
+        </p:nvPicPr>
+        <p:blipFill>
+          <a:blip r:embed="rId2"/>
+          <a:stretch>
+            <a:fillRect/>
+          </a:stretch>
+        </p:blipFill>
+        <p:spPr>
+          <a:xfrm>
+            <a:off x="439637" y="1653448"/>
+            <a:ext cx="4679176" cy="3457150"/>
+          </a:xfrm>
+          <a:prstGeom prst="rect">
+            <a:avLst/>
+          </a:prstGeom>
+        </p:spPr>
+      </p:pic>
+      <p:sp>
+        <p:nvSpPr>
+          <p:cNvPr id="20" name="文字方塊 19">
+            <a:extLst>
+              <a:ext uri="{FF2B5EF4-FFF2-40B4-BE49-F238E27FC236}">
+                <a16:creationId xmlns:a16="http://schemas.microsoft.com/office/drawing/2014/main" id="{7C62583D-6D50-169A-153B-90E4314121AF}"/>
+              </a:ext>
+            </a:extLst>
+          </p:cNvPr>
+          <p:cNvSpPr txBox="1"/>
+          <p:nvPr/>
+        </p:nvSpPr>
+        <p:spPr>
+          <a:xfrm>
+            <a:off x="2878422" y="2522077"/>
+            <a:ext cx="571500" cy="369332"/>
+          </a:xfrm>
+          <a:prstGeom prst="rect">
+            <a:avLst/>
+          </a:prstGeom>
+          <a:noFill/>
+        </p:spPr>
+        <p:txBody>
+          <a:bodyPr wrap="square" rtlCol="0">
+            <a:spAutoFit/>
+          </a:bodyPr>
+          <a:lstStyle/>
+          <a:p>
+            <a:r>
+              <a:rPr lang="en-US" altLang="zh-TW" dirty="0">
+                <a:solidFill>
+                  <a:srgbClr val="FF0000"/>
+                </a:solidFill>
+                <a:latin typeface="Times New Roman" panose="02020603050405020304" pitchFamily="18" charset="0"/>
+                <a:ea typeface="標楷體" panose="03000509000000000000" pitchFamily="65" charset="-120"/>
+              </a:rPr>
+              <a:t>RV</a:t>
+            </a:r>
+            <a:endParaRPr lang="zh-TW" altLang="en-US" dirty="0">
+              <a:solidFill>
+                <a:srgbClr val="FF0000"/>
+              </a:solidFill>
+              <a:latin typeface="Times New Roman" panose="02020603050405020304" pitchFamily="18" charset="0"/>
+              <a:ea typeface="標楷體" panose="03000509000000000000" pitchFamily="65" charset="-120"/>
+            </a:endParaRPr>
+          </a:p>
+        </p:txBody>
+      </p:sp>
+      <p:sp>
+        <p:nvSpPr>
+          <p:cNvPr id="21" name="文字方塊 20">
+            <a:extLst>
+              <a:ext uri="{FF2B5EF4-FFF2-40B4-BE49-F238E27FC236}">
+                <a16:creationId xmlns:a16="http://schemas.microsoft.com/office/drawing/2014/main" id="{63269D04-629D-2F2F-22CA-4FD25ADCCFB9}"/>
+              </a:ext>
+            </a:extLst>
+          </p:cNvPr>
+          <p:cNvSpPr txBox="1"/>
+          <p:nvPr/>
+        </p:nvSpPr>
+        <p:spPr>
+          <a:xfrm>
+            <a:off x="2493017" y="3271257"/>
+            <a:ext cx="571500" cy="369332"/>
+          </a:xfrm>
+          <a:prstGeom prst="rect">
+            <a:avLst/>
+          </a:prstGeom>
+          <a:noFill/>
+        </p:spPr>
+        <p:txBody>
+          <a:bodyPr wrap="square" rtlCol="0">
+            <a:spAutoFit/>
+          </a:bodyPr>
+          <a:lstStyle/>
+          <a:p>
+            <a:r>
+              <a:rPr lang="en-US" altLang="zh-TW" dirty="0">
+                <a:solidFill>
+                  <a:srgbClr val="FF0000"/>
+                </a:solidFill>
+                <a:latin typeface="Times New Roman" panose="02020603050405020304" pitchFamily="18" charset="0"/>
+                <a:ea typeface="標楷體" panose="03000509000000000000" pitchFamily="65" charset="-120"/>
+              </a:rPr>
+              <a:t>LV</a:t>
+            </a:r>
+            <a:endParaRPr lang="zh-TW" altLang="en-US" dirty="0">
+              <a:solidFill>
+                <a:srgbClr val="FF0000"/>
+              </a:solidFill>
+              <a:latin typeface="Times New Roman" panose="02020603050405020304" pitchFamily="18" charset="0"/>
+              <a:ea typeface="標楷體" panose="03000509000000000000" pitchFamily="65" charset="-120"/>
+            </a:endParaRPr>
+          </a:p>
+        </p:txBody>
+      </p:sp>
+      <p:sp>
+        <p:nvSpPr>
+          <p:cNvPr id="22" name="文字方塊 21">
+            <a:extLst>
+              <a:ext uri="{FF2B5EF4-FFF2-40B4-BE49-F238E27FC236}">
+                <a16:creationId xmlns:a16="http://schemas.microsoft.com/office/drawing/2014/main" id="{E3D24249-F304-649E-EAB0-518B9253A91D}"/>
+              </a:ext>
+            </a:extLst>
+          </p:cNvPr>
+          <p:cNvSpPr txBox="1"/>
+          <p:nvPr/>
+        </p:nvSpPr>
+        <p:spPr>
+          <a:xfrm>
+            <a:off x="3338106" y="3197357"/>
+            <a:ext cx="839503" cy="369332"/>
+          </a:xfrm>
+          <a:prstGeom prst="rect">
+            <a:avLst/>
+          </a:prstGeom>
+          <a:noFill/>
+        </p:spPr>
+        <p:txBody>
+          <a:bodyPr wrap="square" rtlCol="0">
+            <a:spAutoFit/>
+          </a:bodyPr>
+          <a:lstStyle/>
+          <a:p>
+            <a:r>
+              <a:rPr lang="en-US" altLang="zh-TW" dirty="0">
+                <a:solidFill>
+                  <a:srgbClr val="FF0000"/>
+                </a:solidFill>
+                <a:latin typeface="Times New Roman" panose="02020603050405020304" pitchFamily="18" charset="0"/>
+                <a:ea typeface="標楷體" panose="03000509000000000000" pitchFamily="65" charset="-120"/>
+              </a:rPr>
+              <a:t>Aortic</a:t>
+            </a:r>
+            <a:endParaRPr lang="zh-TW" altLang="en-US" dirty="0">
+              <a:solidFill>
+                <a:srgbClr val="FF0000"/>
+              </a:solidFill>
+              <a:latin typeface="Times New Roman" panose="02020603050405020304" pitchFamily="18" charset="0"/>
+              <a:ea typeface="標楷體" panose="03000509000000000000" pitchFamily="65" charset="-120"/>
+            </a:endParaRPr>
+          </a:p>
+        </p:txBody>
+      </p:sp>
+      <p:sp>
+        <p:nvSpPr>
+          <p:cNvPr id="23" name="文字方塊 22">
+            <a:extLst>
+              <a:ext uri="{FF2B5EF4-FFF2-40B4-BE49-F238E27FC236}">
+                <a16:creationId xmlns:a16="http://schemas.microsoft.com/office/drawing/2014/main" id="{14E346DA-ADA8-9771-16A9-D9C0816741DF}"/>
+              </a:ext>
+            </a:extLst>
+          </p:cNvPr>
+          <p:cNvSpPr txBox="1"/>
+          <p:nvPr/>
+        </p:nvSpPr>
+        <p:spPr>
+          <a:xfrm>
+            <a:off x="3186357" y="3687971"/>
+            <a:ext cx="571500" cy="369332"/>
+          </a:xfrm>
+          <a:prstGeom prst="rect">
+            <a:avLst/>
+          </a:prstGeom>
+          <a:noFill/>
+        </p:spPr>
+        <p:txBody>
+          <a:bodyPr wrap="square" rtlCol="0">
+            <a:spAutoFit/>
+          </a:bodyPr>
+          <a:lstStyle/>
+          <a:p>
+            <a:r>
+              <a:rPr lang="en-US" altLang="zh-TW" dirty="0">
+                <a:solidFill>
+                  <a:srgbClr val="FF0000"/>
+                </a:solidFill>
+                <a:latin typeface="Times New Roman" panose="02020603050405020304" pitchFamily="18" charset="0"/>
+                <a:ea typeface="標楷體" panose="03000509000000000000" pitchFamily="65" charset="-120"/>
+              </a:rPr>
+              <a:t>LA</a:t>
+            </a:r>
+            <a:endParaRPr lang="zh-TW" altLang="en-US" dirty="0">
+              <a:solidFill>
+                <a:srgbClr val="FF0000"/>
+              </a:solidFill>
+              <a:latin typeface="Times New Roman" panose="02020603050405020304" pitchFamily="18" charset="0"/>
+              <a:ea typeface="標楷體" panose="03000509000000000000" pitchFamily="65" charset="-120"/>
+            </a:endParaRPr>
+          </a:p>
+        </p:txBody>
+      </p:sp>
+    </p:spTree>
+    <p:extLst>
+      <p:ext uri="{BB962C8B-B14F-4D97-AF65-F5344CB8AC3E}">
+        <p14:creationId xmlns:p14="http://schemas.microsoft.com/office/powerpoint/2010/main" val="1292618358"/>
+      </p:ext>
+    </p:extLst>
+  </p:cSld>
+  <p:clrMapOvr>
+    <a:masterClrMapping/>
+  </p:clrMapOvr>
+</p:sld>
+</file>
+
+<file path=ppt/slides/slide8.xml><?xml version="1.0" encoding="utf-8"?>
+<p:sld xmlns:a="http://schemas.openxmlformats.org/drawingml/2006/main" xmlns:r="http://schemas.openxmlformats.org/officeDocument/2006/relationships" xmlns:p="http://schemas.openxmlformats.org/presentationml/2006/main">
+  <p:cSld>
+    <p:spTree>
+      <p:nvGrpSpPr>
+        <p:cNvPr id="1" name=""/>
+        <p:cNvGrpSpPr/>
+        <p:nvPr/>
+      </p:nvGrpSpPr>
+      <p:grpSpPr>
+        <a:xfrm>
+          <a:off x="0" y="0"/>
+          <a:ext cx="0" cy="0"/>
+          <a:chOff x="0" y="0"/>
+          <a:chExt cx="0" cy="0"/>
+        </a:xfrm>
+      </p:grpSpPr>
+      <p:sp>
+        <p:nvSpPr>
+          <p:cNvPr id="2" name="內容版面配置區 1">
+            <a:extLst>
+              <a:ext uri="{FF2B5EF4-FFF2-40B4-BE49-F238E27FC236}">
+                <a16:creationId xmlns:a16="http://schemas.microsoft.com/office/drawing/2014/main" id="{4E4E023D-3F40-4B3A-AEA0-AF9EA4EE7FCF}"/>
+              </a:ext>
+            </a:extLst>
+          </p:cNvPr>
+          <p:cNvSpPr>
+            <a:spLocks noGrp="1"/>
+          </p:cNvSpPr>
+          <p:nvPr>
+            <p:ph idx="1"/>
+          </p:nvPr>
+        </p:nvSpPr>
+        <p:spPr/>
+        <p:txBody>
+          <a:bodyPr>
+            <a:normAutofit/>
+          </a:bodyPr>
+          <a:lstStyle/>
+          <a:p>
+            <a:r>
+              <a:rPr lang="zh-TW" altLang="en-US" sz="2000" dirty="0"/>
+              <a:t> </a:t>
+            </a:r>
+            <a:r>
+              <a:rPr lang="en-US" altLang="zh-TW" sz="2000" dirty="0" err="1"/>
+              <a:t>Dicom</a:t>
+            </a:r>
+            <a:r>
+              <a:rPr lang="zh-TW" altLang="en-US" sz="2000" dirty="0"/>
+              <a:t> 為醫學影像的檔案格式</a:t>
+            </a:r>
+            <a:r>
+              <a:rPr lang="en-US" altLang="zh-TW" sz="2000" dirty="0"/>
+              <a:t>(</a:t>
+            </a:r>
+            <a:r>
+              <a:rPr lang="zh-TW" altLang="en-US" sz="2000" dirty="0"/>
+              <a:t>副檔名為 </a:t>
+            </a:r>
+            <a:r>
+              <a:rPr lang="en-US" altLang="zh-TW" sz="2000" dirty="0"/>
+              <a:t>.</a:t>
+            </a:r>
+            <a:r>
+              <a:rPr lang="en-US" altLang="zh-TW" sz="2000" dirty="0" err="1"/>
+              <a:t>dcm</a:t>
+            </a:r>
+            <a:r>
+              <a:rPr lang="en-US" altLang="zh-TW" sz="2000" dirty="0"/>
+              <a:t>)</a:t>
+            </a:r>
+            <a:r>
+              <a:rPr lang="zh-TW" altLang="en-US" sz="2000" dirty="0"/>
+              <a:t>，裡面的資訊包含姓名、性別、生日、診斷日期、</a:t>
+            </a:r>
+            <a:r>
+              <a:rPr lang="en-US" altLang="zh-TW" sz="2000" dirty="0"/>
+              <a:t>FPS </a:t>
+            </a:r>
+            <a:r>
+              <a:rPr lang="zh-TW" altLang="en-US" sz="2000" dirty="0"/>
+              <a:t>等等。我們可以透過讀取內部資訊找出需要的資料。</a:t>
+            </a:r>
+            <a:endParaRPr lang="en-US" altLang="zh-TW" sz="2000" dirty="0"/>
+          </a:p>
+        </p:txBody>
+      </p:sp>
+      <p:sp>
+        <p:nvSpPr>
+          <p:cNvPr id="3" name="標題 2">
+            <a:extLst>
+              <a:ext uri="{FF2B5EF4-FFF2-40B4-BE49-F238E27FC236}">
+                <a16:creationId xmlns:a16="http://schemas.microsoft.com/office/drawing/2014/main" id="{25064C52-DA7E-4B79-92ED-DAF7CB9A641A}"/>
+              </a:ext>
+            </a:extLst>
+          </p:cNvPr>
+          <p:cNvSpPr>
+            <a:spLocks noGrp="1"/>
+          </p:cNvSpPr>
+          <p:nvPr>
+            <p:ph type="title"/>
+          </p:nvPr>
+        </p:nvSpPr>
+        <p:spPr/>
+        <p:txBody>
+          <a:bodyPr/>
+          <a:lstStyle/>
+          <a:p>
+            <a:r>
+              <a:rPr lang="zh-TW" altLang="en-US" dirty="0"/>
+              <a:t>醫學影像檔案格式</a:t>
+            </a:r>
+            <a:r>
+              <a:rPr lang="en-US" altLang="zh-TW" dirty="0"/>
+              <a:t>:</a:t>
+            </a:r>
+            <a:r>
+              <a:rPr lang="zh-TW" altLang="en-US" dirty="0"/>
+              <a:t> </a:t>
+            </a:r>
+            <a:r>
+              <a:rPr lang="en-US" altLang="zh-TW" dirty="0" err="1"/>
+              <a:t>Dicom</a:t>
+            </a:r>
+            <a:endParaRPr lang="zh-TW" altLang="en-US" dirty="0"/>
+          </a:p>
+        </p:txBody>
+      </p:sp>
+      <p:sp>
+        <p:nvSpPr>
+          <p:cNvPr id="4" name="文字方塊 3">
+            <a:extLst>
+              <a:ext uri="{FF2B5EF4-FFF2-40B4-BE49-F238E27FC236}">
+                <a16:creationId xmlns:a16="http://schemas.microsoft.com/office/drawing/2014/main" id="{28444A23-9DA1-FE7F-90E8-FFC7B68B98A7}"/>
+              </a:ext>
+            </a:extLst>
+          </p:cNvPr>
+          <p:cNvSpPr txBox="1"/>
+          <p:nvPr/>
+        </p:nvSpPr>
+        <p:spPr>
+          <a:xfrm>
+            <a:off x="838200" y="5753100"/>
+            <a:ext cx="5393977" cy="369332"/>
+          </a:xfrm>
+          <a:prstGeom prst="rect">
+            <a:avLst/>
+          </a:prstGeom>
+          <a:noFill/>
+        </p:spPr>
+        <p:txBody>
+          <a:bodyPr wrap="none" rtlCol="0">
+            <a:spAutoFit/>
+          </a:bodyPr>
+          <a:lstStyle/>
+          <a:p>
+            <a:r>
+              <a:rPr lang="zh-TW" altLang="en-US" dirty="0">
+                <a:latin typeface="Times New Roman" panose="02020603050405020304" pitchFamily="18" charset="0"/>
+                <a:ea typeface="標楷體" panose="03000509000000000000" pitchFamily="65" charset="-120"/>
+              </a:rPr>
+              <a:t>參考資料</a:t>
+            </a:r>
+            <a:r>
+              <a:rPr lang="en-US" altLang="zh-TW" dirty="0">
+                <a:latin typeface="Times New Roman" panose="02020603050405020304" pitchFamily="18" charset="0"/>
+                <a:ea typeface="標楷體" panose="03000509000000000000" pitchFamily="65" charset="-120"/>
+              </a:rPr>
+              <a:t>:</a:t>
+            </a:r>
+            <a:r>
+              <a:rPr lang="zh-TW" altLang="en-US" dirty="0">
+                <a:latin typeface="Times New Roman" panose="02020603050405020304" pitchFamily="18" charset="0"/>
+                <a:ea typeface="標楷體" panose="03000509000000000000" pitchFamily="65" charset="-120"/>
+              </a:rPr>
+              <a:t> </a:t>
+            </a:r>
+            <a:r>
+              <a:rPr lang="en-US" altLang="zh-TW" dirty="0">
+                <a:latin typeface="Times New Roman" panose="02020603050405020304" pitchFamily="18" charset="0"/>
+                <a:ea typeface="標楷體" panose="03000509000000000000" pitchFamily="65" charset="-120"/>
+                <a:hlinkClick r:id="rId2"/>
+              </a:rPr>
+              <a:t>https://dicom.innolitics.com/ciods/us-image</a:t>
+            </a:r>
+            <a:endParaRPr lang="zh-TW" altLang="en-US" dirty="0">
+              <a:latin typeface="Times New Roman" panose="02020603050405020304" pitchFamily="18" charset="0"/>
+              <a:ea typeface="標楷體" panose="03000509000000000000" pitchFamily="65" charset="-120"/>
+            </a:endParaRPr>
+          </a:p>
+        </p:txBody>
+      </p:sp>
+      <p:pic>
+        <p:nvPicPr>
+          <p:cNvPr id="6" name="圖片 5">
+            <a:extLst>
+              <a:ext uri="{FF2B5EF4-FFF2-40B4-BE49-F238E27FC236}">
+                <a16:creationId xmlns:a16="http://schemas.microsoft.com/office/drawing/2014/main" id="{F1DA1974-E064-FC4D-04C7-8D2402E5F7B9}"/>
+              </a:ext>
+            </a:extLst>
+          </p:cNvPr>
+          <p:cNvPicPr>
+            <a:picLocks noChangeAspect="1"/>
+          </p:cNvPicPr>
+          <p:nvPr/>
+        </p:nvPicPr>
+        <p:blipFill>
+          <a:blip r:embed="rId3"/>
+          <a:stretch>
+            <a:fillRect/>
+          </a:stretch>
+        </p:blipFill>
+        <p:spPr>
+          <a:xfrm>
+            <a:off x="839613" y="1920513"/>
+            <a:ext cx="7990062" cy="3219876"/>
+          </a:xfrm>
+          <a:prstGeom prst="rect">
+            <a:avLst/>
+          </a:prstGeom>
+        </p:spPr>
+      </p:pic>
+      <p:sp>
+        <p:nvSpPr>
+          <p:cNvPr id="9" name="文字方塊 8">
+            <a:extLst>
+              <a:ext uri="{FF2B5EF4-FFF2-40B4-BE49-F238E27FC236}">
+                <a16:creationId xmlns:a16="http://schemas.microsoft.com/office/drawing/2014/main" id="{639F69A5-F2D6-DA8F-C624-1C5F0756C262}"/>
+              </a:ext>
+            </a:extLst>
+          </p:cNvPr>
+          <p:cNvSpPr txBox="1"/>
+          <p:nvPr/>
+        </p:nvSpPr>
+        <p:spPr>
+          <a:xfrm>
+            <a:off x="3937603" y="5136009"/>
+            <a:ext cx="1794081" cy="369332"/>
+          </a:xfrm>
+          <a:prstGeom prst="rect">
+            <a:avLst/>
+          </a:prstGeom>
+          <a:noFill/>
+        </p:spPr>
+        <p:txBody>
+          <a:bodyPr wrap="none" rtlCol="0">
+            <a:spAutoFit/>
+          </a:bodyPr>
+          <a:lstStyle/>
+          <a:p>
+            <a:r>
+              <a:rPr lang="en-US" altLang="zh-TW" dirty="0" err="1">
+                <a:latin typeface="Times New Roman" panose="02020603050405020304" pitchFamily="18" charset="0"/>
+                <a:ea typeface="標楷體" panose="03000509000000000000" pitchFamily="65" charset="-120"/>
+              </a:rPr>
+              <a:t>Dicom</a:t>
+            </a:r>
+            <a:r>
+              <a:rPr lang="en-US" altLang="zh-TW" dirty="0">
+                <a:latin typeface="Times New Roman" panose="02020603050405020304" pitchFamily="18" charset="0"/>
+                <a:ea typeface="標楷體" panose="03000509000000000000" pitchFamily="65" charset="-120"/>
+              </a:rPr>
+              <a:t> </a:t>
+            </a:r>
+            <a:r>
+              <a:rPr lang="zh-TW" altLang="en-US" dirty="0">
+                <a:latin typeface="Times New Roman" panose="02020603050405020304" pitchFamily="18" charset="0"/>
+                <a:ea typeface="標楷體" panose="03000509000000000000" pitchFamily="65" charset="-120"/>
+              </a:rPr>
+              <a:t>資訊內容</a:t>
+            </a:r>
+          </a:p>
+        </p:txBody>
+      </p:sp>
+      <p:sp>
+        <p:nvSpPr>
+          <p:cNvPr id="10" name="文字方塊 9">
+            <a:extLst>
+              <a:ext uri="{FF2B5EF4-FFF2-40B4-BE49-F238E27FC236}">
+                <a16:creationId xmlns:a16="http://schemas.microsoft.com/office/drawing/2014/main" id="{1A320F7B-7806-87DB-FADB-357071B8778B}"/>
+              </a:ext>
+            </a:extLst>
+          </p:cNvPr>
+          <p:cNvSpPr txBox="1"/>
+          <p:nvPr/>
+        </p:nvSpPr>
+        <p:spPr>
+          <a:xfrm>
+            <a:off x="1197639" y="5414546"/>
+            <a:ext cx="7595349" cy="338554"/>
+          </a:xfrm>
+          <a:prstGeom prst="rect">
+            <a:avLst/>
+          </a:prstGeom>
+          <a:noFill/>
+        </p:spPr>
+        <p:txBody>
+          <a:bodyPr wrap="none" rtlCol="0">
+            <a:spAutoFit/>
+          </a:bodyPr>
+          <a:lstStyle/>
+          <a:p>
+            <a:r>
+              <a:rPr lang="en-US" altLang="zh-TW" sz="1600" dirty="0">
+                <a:latin typeface="Times New Roman" panose="02020603050405020304" pitchFamily="18" charset="0"/>
+                <a:ea typeface="標楷體" panose="03000509000000000000" pitchFamily="65" charset="-120"/>
+              </a:rPr>
+              <a:t>(</a:t>
+            </a:r>
+            <a:r>
+              <a:rPr lang="zh-TW" altLang="en-US" sz="1600" dirty="0">
+                <a:latin typeface="Times New Roman" panose="02020603050405020304" pitchFamily="18" charset="0"/>
+                <a:ea typeface="標楷體" panose="03000509000000000000" pitchFamily="65" charset="-120"/>
+              </a:rPr>
+              <a:t>上面資訊是有轉成 </a:t>
+            </a:r>
+            <a:r>
+              <a:rPr lang="en-US" altLang="zh-TW" sz="1600" dirty="0">
+                <a:latin typeface="Times New Roman" panose="02020603050405020304" pitchFamily="18" charset="0"/>
+                <a:ea typeface="標楷體" panose="03000509000000000000" pitchFamily="65" charset="-120"/>
+              </a:rPr>
+              <a:t>JSON</a:t>
+            </a:r>
+            <a:r>
+              <a:rPr lang="zh-TW" altLang="en-US" sz="1600" dirty="0">
+                <a:latin typeface="Times New Roman" panose="02020603050405020304" pitchFamily="18" charset="0"/>
+                <a:ea typeface="標楷體" panose="03000509000000000000" pitchFamily="65" charset="-120"/>
+              </a:rPr>
+              <a:t> 檔案後的結果，後面會說明 </a:t>
+            </a:r>
+            <a:r>
+              <a:rPr lang="en-US" altLang="zh-TW" sz="1600" dirty="0">
+                <a:latin typeface="Times New Roman" panose="02020603050405020304" pitchFamily="18" charset="0"/>
+                <a:ea typeface="標楷體" panose="03000509000000000000" pitchFamily="65" charset="-120"/>
+              </a:rPr>
+              <a:t>Python </a:t>
+            </a:r>
+            <a:r>
+              <a:rPr lang="zh-TW" altLang="en-US" sz="1600" dirty="0">
+                <a:latin typeface="Times New Roman" panose="02020603050405020304" pitchFamily="18" charset="0"/>
+                <a:ea typeface="標楷體" panose="03000509000000000000" pitchFamily="65" charset="-120"/>
+              </a:rPr>
+              <a:t>如何讀取 </a:t>
+            </a:r>
+            <a:r>
+              <a:rPr lang="en-US" altLang="zh-TW" sz="1600" dirty="0" err="1">
+                <a:latin typeface="Times New Roman" panose="02020603050405020304" pitchFamily="18" charset="0"/>
+                <a:ea typeface="標楷體" panose="03000509000000000000" pitchFamily="65" charset="-120"/>
+              </a:rPr>
+              <a:t>Dicom</a:t>
+            </a:r>
+            <a:r>
+              <a:rPr lang="en-US" altLang="zh-TW" sz="1600" dirty="0">
+                <a:latin typeface="Times New Roman" panose="02020603050405020304" pitchFamily="18" charset="0"/>
+                <a:ea typeface="標楷體" panose="03000509000000000000" pitchFamily="65" charset="-120"/>
+              </a:rPr>
+              <a:t> </a:t>
+            </a:r>
+            <a:r>
+              <a:rPr lang="zh-TW" altLang="en-US" sz="1600" dirty="0">
+                <a:latin typeface="Times New Roman" panose="02020603050405020304" pitchFamily="18" charset="0"/>
+                <a:ea typeface="標楷體" panose="03000509000000000000" pitchFamily="65" charset="-120"/>
+              </a:rPr>
+              <a:t>資訊</a:t>
+            </a:r>
+            <a:r>
+              <a:rPr lang="en-US" altLang="zh-TW" sz="1600" dirty="0">
+                <a:latin typeface="Times New Roman" panose="02020603050405020304" pitchFamily="18" charset="0"/>
+                <a:ea typeface="標楷體" panose="03000509000000000000" pitchFamily="65" charset="-120"/>
+              </a:rPr>
+              <a:t>)</a:t>
+            </a:r>
+            <a:endParaRPr lang="zh-TW" altLang="en-US" sz="1600" dirty="0">
+              <a:latin typeface="Times New Roman" panose="02020603050405020304" pitchFamily="18" charset="0"/>
+              <a:ea typeface="標楷體" panose="03000509000000000000" pitchFamily="65" charset="-120"/>
+            </a:endParaRPr>
+          </a:p>
+        </p:txBody>
+      </p:sp>
+    </p:spTree>
+    <p:extLst>
+      <p:ext uri="{BB962C8B-B14F-4D97-AF65-F5344CB8AC3E}">
+        <p14:creationId xmlns:p14="http://schemas.microsoft.com/office/powerpoint/2010/main" val="2680143111"/>
+      </p:ext>
+    </p:extLst>
+  </p:cSld>
+  <p:clrMapOvr>
+    <a:masterClrMapping/>
+  </p:clrMapOvr>
+</p:sld>
+</file>
+
+<file path=ppt/slides/slide9.xml><?xml version="1.0" encoding="utf-8"?>
+<p:sld xmlns:a="http://schemas.openxmlformats.org/drawingml/2006/main" xmlns:r="http://schemas.openxmlformats.org/officeDocument/2006/relationships" xmlns:p="http://schemas.openxmlformats.org/presentationml/2006/main">
+  <p:cSld>
+    <p:spTree>
+      <p:nvGrpSpPr>
+        <p:cNvPr id="1" name=""/>
+        <p:cNvGrpSpPr/>
+        <p:nvPr/>
+      </p:nvGrpSpPr>
+      <p:grpSpPr>
+        <a:xfrm>
+          <a:off x="0" y="0"/>
+          <a:ext cx="0" cy="0"/>
+          <a:chOff x="0" y="0"/>
+          <a:chExt cx="0" cy="0"/>
+        </a:xfrm>
+      </p:grpSpPr>
+      <p:sp>
+        <p:nvSpPr>
+          <p:cNvPr id="2" name="內容版面配置區 1">
+            <a:extLst>
+              <a:ext uri="{FF2B5EF4-FFF2-40B4-BE49-F238E27FC236}">
+                <a16:creationId xmlns:a16="http://schemas.microsoft.com/office/drawing/2014/main" id="{4E4E023D-3F40-4B3A-AEA0-AF9EA4EE7FCF}"/>
+              </a:ext>
+            </a:extLst>
+          </p:cNvPr>
+          <p:cNvSpPr>
+            <a:spLocks noGrp="1"/>
+          </p:cNvSpPr>
+          <p:nvPr>
+            <p:ph idx="1"/>
+          </p:nvPr>
+        </p:nvSpPr>
+        <p:spPr/>
+        <p:txBody>
+          <a:bodyPr>
+            <a:normAutofit/>
+          </a:bodyPr>
+          <a:lstStyle/>
+          <a:p>
+            <a:r>
+              <a:rPr lang="zh-TW" altLang="en-US" sz="2000" dirty="0"/>
+              <a:t> 由於 </a:t>
+            </a:r>
+            <a:r>
+              <a:rPr lang="en-US" altLang="zh-TW" sz="2000" dirty="0" err="1"/>
+              <a:t>Dicom</a:t>
+            </a:r>
+            <a:r>
+              <a:rPr lang="en-US" altLang="zh-TW" sz="2000" dirty="0"/>
+              <a:t> </a:t>
+            </a:r>
+            <a:r>
+              <a:rPr lang="zh-TW" altLang="en-US" sz="2000" dirty="0"/>
+              <a:t>檔案有特別的編碼格式，無法直接讀取。因此要使用 </a:t>
+            </a:r>
+            <a:r>
+              <a:rPr lang="en-US" altLang="zh-TW" sz="2000" dirty="0" err="1">
+                <a:solidFill>
+                  <a:srgbClr val="00B0F0"/>
+                </a:solidFill>
+              </a:rPr>
+              <a:t>pydicom</a:t>
+            </a:r>
+            <a:r>
+              <a:rPr lang="en-US" altLang="zh-TW" sz="2000" dirty="0"/>
+              <a:t> </a:t>
+            </a:r>
+            <a:r>
+              <a:rPr lang="zh-TW" altLang="en-US" sz="2000" dirty="0"/>
+              <a:t>模組將 </a:t>
+            </a:r>
+            <a:r>
+              <a:rPr lang="en-US" altLang="zh-TW" sz="2000" dirty="0"/>
+              <a:t>.</a:t>
+            </a:r>
+            <a:r>
+              <a:rPr lang="en-US" altLang="zh-TW" sz="2000" dirty="0" err="1"/>
+              <a:t>dcm</a:t>
+            </a:r>
+            <a:r>
+              <a:rPr lang="en-US" altLang="zh-TW" sz="2000" dirty="0"/>
+              <a:t> </a:t>
+            </a:r>
+            <a:r>
+              <a:rPr lang="zh-TW" altLang="en-US" sz="2000" dirty="0"/>
+              <a:t>的資料讀出。將資訊讀出後，我們使用 </a:t>
+            </a:r>
+            <a:r>
+              <a:rPr lang="en-US" altLang="zh-TW" sz="2000" dirty="0"/>
+              <a:t>JSON</a:t>
+            </a:r>
+            <a:r>
+              <a:rPr lang="zh-TW" altLang="en-US" sz="2000" dirty="0"/>
+              <a:t> 檔案格式儲存。</a:t>
+            </a:r>
+            <a:endParaRPr lang="en-US" altLang="zh-TW" sz="2000" dirty="0"/>
+          </a:p>
+          <a:p>
+            <a:pPr marL="0" indent="0">
+              <a:buNone/>
+            </a:pPr>
+            <a:r>
+              <a:rPr lang="en-US" altLang="zh-TW" dirty="0"/>
+              <a:t>(</a:t>
+            </a:r>
+            <a:r>
+              <a:rPr lang="zh-TW" altLang="en-US" dirty="0"/>
+              <a:t>可以使用其他方式，用 </a:t>
+            </a:r>
+            <a:r>
+              <a:rPr lang="en-US" altLang="zh-TW" dirty="0"/>
+              <a:t>JSON</a:t>
+            </a:r>
+            <a:r>
+              <a:rPr lang="zh-TW" altLang="en-US" dirty="0"/>
+              <a:t> 僅是因為 </a:t>
+            </a:r>
+            <a:r>
+              <a:rPr lang="en-US" altLang="zh-TW" dirty="0" err="1"/>
+              <a:t>Dicom</a:t>
+            </a:r>
+            <a:r>
+              <a:rPr lang="en-US" altLang="zh-TW" dirty="0"/>
+              <a:t> </a:t>
+            </a:r>
+            <a:r>
+              <a:rPr lang="zh-TW" altLang="en-US" dirty="0"/>
+              <a:t>資訊類似 </a:t>
+            </a:r>
+            <a:r>
+              <a:rPr lang="en-US" altLang="zh-TW" dirty="0"/>
+              <a:t>Python </a:t>
+            </a:r>
+            <a:r>
+              <a:rPr lang="zh-TW" altLang="en-US" dirty="0"/>
+              <a:t>字典的資料結構 </a:t>
+            </a:r>
+            <a:r>
+              <a:rPr lang="en-US" altLang="zh-TW" dirty="0"/>
+              <a:t>(</a:t>
+            </a:r>
+            <a:r>
+              <a:rPr lang="en-US" altLang="zh-TW" dirty="0" err="1"/>
+              <a:t>key:value</a:t>
+            </a:r>
+            <a:r>
+              <a:rPr lang="en-US" altLang="zh-TW" dirty="0"/>
+              <a:t>)</a:t>
+            </a:r>
+            <a:r>
+              <a:rPr lang="zh-TW" altLang="en-US" dirty="0"/>
+              <a:t> 也接近 </a:t>
+            </a:r>
+            <a:r>
+              <a:rPr lang="en-US" altLang="zh-TW" dirty="0"/>
+              <a:t>JSON</a:t>
+            </a:r>
+            <a:r>
+              <a:rPr lang="zh-TW" altLang="en-US" dirty="0"/>
+              <a:t> 的資料儲存格式，所以不用太多額外的處理</a:t>
+            </a:r>
+            <a:r>
+              <a:rPr lang="en-US" altLang="zh-TW" dirty="0"/>
+              <a:t>)</a:t>
+            </a:r>
+          </a:p>
+        </p:txBody>
+      </p:sp>
+      <p:sp>
+        <p:nvSpPr>
+          <p:cNvPr id="3" name="標題 2">
+            <a:extLst>
+              <a:ext uri="{FF2B5EF4-FFF2-40B4-BE49-F238E27FC236}">
+                <a16:creationId xmlns:a16="http://schemas.microsoft.com/office/drawing/2014/main" id="{25064C52-DA7E-4B79-92ED-DAF7CB9A641A}"/>
+              </a:ext>
+            </a:extLst>
+          </p:cNvPr>
+          <p:cNvSpPr>
+            <a:spLocks noGrp="1"/>
+          </p:cNvSpPr>
+          <p:nvPr>
+            <p:ph type="title"/>
+          </p:nvPr>
+        </p:nvSpPr>
+        <p:spPr/>
+        <p:txBody>
+          <a:bodyPr/>
+          <a:lstStyle/>
+          <a:p>
+            <a:r>
+              <a:rPr lang="en-US" altLang="zh-TW" dirty="0"/>
+              <a:t>Python </a:t>
+            </a:r>
+            <a:r>
+              <a:rPr lang="zh-TW" altLang="en-US" dirty="0"/>
+              <a:t>讀取 </a:t>
+            </a:r>
+            <a:r>
+              <a:rPr lang="en-US" altLang="zh-TW" dirty="0" err="1"/>
+              <a:t>Dicom</a:t>
+            </a:r>
+            <a:r>
+              <a:rPr lang="en-US" altLang="zh-TW" dirty="0"/>
+              <a:t> </a:t>
+            </a:r>
+            <a:r>
+              <a:rPr lang="zh-TW" altLang="en-US" dirty="0"/>
+              <a:t>檔案資訊</a:t>
+            </a:r>
+          </a:p>
+        </p:txBody>
+      </p:sp>
+      <p:sp>
+        <p:nvSpPr>
+          <p:cNvPr id="5" name="文字方塊 4">
+            <a:extLst>
+              <a:ext uri="{FF2B5EF4-FFF2-40B4-BE49-F238E27FC236}">
+                <a16:creationId xmlns:a16="http://schemas.microsoft.com/office/drawing/2014/main" id="{5E221B54-8A9C-2526-13DD-553D743A0971}"/>
+              </a:ext>
+            </a:extLst>
+          </p:cNvPr>
+          <p:cNvSpPr txBox="1"/>
+          <p:nvPr/>
+        </p:nvSpPr>
+        <p:spPr>
+          <a:xfrm>
+            <a:off x="838200" y="5363762"/>
+            <a:ext cx="9696437" cy="584775"/>
+          </a:xfrm>
+          <a:prstGeom prst="rect">
+            <a:avLst/>
+          </a:prstGeom>
+          <a:noFill/>
+        </p:spPr>
+        <p:txBody>
+          <a:bodyPr wrap="none" rtlCol="0">
+            <a:spAutoFit/>
+          </a:bodyPr>
+          <a:lstStyle/>
+          <a:p>
+            <a:r>
+              <a:rPr lang="zh-TW" altLang="en-US" sz="1600" dirty="0">
+                <a:latin typeface="Times New Roman" panose="02020603050405020304" pitchFamily="18" charset="0"/>
+                <a:ea typeface="標楷體" panose="03000509000000000000" pitchFamily="65" charset="-120"/>
+              </a:rPr>
+              <a:t>在 </a:t>
+            </a:r>
+            <a:r>
+              <a:rPr lang="en-US" altLang="zh-TW" sz="1600" dirty="0">
+                <a:latin typeface="Times New Roman" panose="02020603050405020304" pitchFamily="18" charset="0"/>
+                <a:ea typeface="標楷體" panose="03000509000000000000" pitchFamily="65" charset="-120"/>
+              </a:rPr>
+              <a:t>G01-SourceCode/</a:t>
+            </a:r>
+            <a:r>
+              <a:rPr lang="zh-TW" altLang="en-US" sz="1600" dirty="0">
+                <a:latin typeface="Times New Roman" panose="02020603050405020304" pitchFamily="18" charset="0"/>
+                <a:ea typeface="標楷體" panose="03000509000000000000" pitchFamily="65" charset="-120"/>
+              </a:rPr>
+              <a:t>心臟超音波影像 </a:t>
+            </a:r>
+            <a:r>
+              <a:rPr lang="en-US" altLang="zh-TW" sz="1600" dirty="0">
+                <a:latin typeface="Times New Roman" panose="02020603050405020304" pitchFamily="18" charset="0"/>
+                <a:ea typeface="標楷體" panose="03000509000000000000" pitchFamily="65" charset="-120"/>
+              </a:rPr>
+              <a:t>1100507_1110429/Read </a:t>
+            </a:r>
+            <a:r>
+              <a:rPr lang="en-US" altLang="zh-TW" sz="1600" dirty="0" err="1">
+                <a:latin typeface="Times New Roman" panose="02020603050405020304" pitchFamily="18" charset="0"/>
+                <a:ea typeface="標楷體" panose="03000509000000000000" pitchFamily="65" charset="-120"/>
+              </a:rPr>
+              <a:t>Dicom</a:t>
+            </a:r>
+            <a:r>
+              <a:rPr lang="en-US" altLang="zh-TW" sz="1600" dirty="0">
+                <a:latin typeface="Times New Roman" panose="02020603050405020304" pitchFamily="18" charset="0"/>
+                <a:ea typeface="標楷體" panose="03000509000000000000" pitchFamily="65" charset="-120"/>
+              </a:rPr>
+              <a:t> Data</a:t>
+            </a:r>
+            <a:r>
+              <a:rPr lang="zh-TW" altLang="en-US" sz="1600" dirty="0">
+                <a:latin typeface="Times New Roman" panose="02020603050405020304" pitchFamily="18" charset="0"/>
+                <a:ea typeface="標楷體" panose="03000509000000000000" pitchFamily="65" charset="-120"/>
+              </a:rPr>
+              <a:t> 資料夾裡有 </a:t>
+            </a:r>
+            <a:r>
+              <a:rPr lang="en-US" altLang="zh-TW" sz="1600" dirty="0">
+                <a:latin typeface="Times New Roman" panose="02020603050405020304" pitchFamily="18" charset="0"/>
+                <a:ea typeface="標楷體" panose="03000509000000000000" pitchFamily="65" charset="-120"/>
+              </a:rPr>
+              <a:t>“handle_dcm.py”</a:t>
+            </a:r>
+            <a:r>
+              <a:rPr lang="zh-TW" altLang="en-US" sz="1600" dirty="0">
+                <a:latin typeface="Times New Roman" panose="02020603050405020304" pitchFamily="18" charset="0"/>
+                <a:ea typeface="標楷體" panose="03000509000000000000" pitchFamily="65" charset="-120"/>
+              </a:rPr>
+              <a:t> 的程式</a:t>
+            </a:r>
+            <a:endParaRPr lang="en-US" altLang="zh-TW" sz="1600" dirty="0">
+              <a:latin typeface="Times New Roman" panose="02020603050405020304" pitchFamily="18" charset="0"/>
+              <a:ea typeface="標楷體" panose="03000509000000000000" pitchFamily="65" charset="-120"/>
+            </a:endParaRPr>
+          </a:p>
+          <a:p>
+            <a:r>
+              <a:rPr lang="zh-TW" altLang="en-US" sz="1600" dirty="0">
+                <a:latin typeface="Times New Roman" panose="02020603050405020304" pitchFamily="18" charset="0"/>
+                <a:ea typeface="標楷體" panose="03000509000000000000" pitchFamily="65" charset="-120"/>
+              </a:rPr>
+              <a:t>在 </a:t>
+            </a:r>
+            <a:r>
+              <a:rPr lang="en-US" altLang="zh-TW" sz="1600" dirty="0">
+                <a:latin typeface="Times New Roman" panose="02020603050405020304" pitchFamily="18" charset="0"/>
+                <a:ea typeface="標楷體" panose="03000509000000000000" pitchFamily="65" charset="-120"/>
+              </a:rPr>
+              <a:t>N01-API</a:t>
+            </a:r>
+            <a:r>
+              <a:rPr lang="zh-TW" altLang="en-US" sz="1600" dirty="0">
+                <a:latin typeface="Times New Roman" panose="02020603050405020304" pitchFamily="18" charset="0"/>
+                <a:ea typeface="標楷體" panose="03000509000000000000" pitchFamily="65" charset="-120"/>
+              </a:rPr>
+              <a:t> 資料夾有 </a:t>
+            </a:r>
+            <a:r>
+              <a:rPr lang="en-US" altLang="zh-TW" sz="1600" dirty="0">
+                <a:latin typeface="Times New Roman" panose="02020603050405020304" pitchFamily="18" charset="0"/>
+                <a:ea typeface="標楷體" panose="03000509000000000000" pitchFamily="65" charset="-120"/>
+              </a:rPr>
+              <a:t>Read </a:t>
+            </a:r>
+            <a:r>
+              <a:rPr lang="en-US" altLang="zh-TW" sz="1600" dirty="0" err="1">
+                <a:latin typeface="Times New Roman" panose="02020603050405020304" pitchFamily="18" charset="0"/>
+                <a:ea typeface="標楷體" panose="03000509000000000000" pitchFamily="65" charset="-120"/>
+              </a:rPr>
+              <a:t>Dicom</a:t>
+            </a:r>
+            <a:r>
+              <a:rPr lang="en-US" altLang="zh-TW" sz="1600" dirty="0">
+                <a:latin typeface="Times New Roman" panose="02020603050405020304" pitchFamily="18" charset="0"/>
+                <a:ea typeface="標楷體" panose="03000509000000000000" pitchFamily="65" charset="-120"/>
+              </a:rPr>
+              <a:t> Data </a:t>
+            </a:r>
+            <a:r>
+              <a:rPr lang="zh-TW" altLang="en-US" sz="1600" dirty="0">
+                <a:latin typeface="Times New Roman" panose="02020603050405020304" pitchFamily="18" charset="0"/>
+                <a:ea typeface="標楷體" panose="03000509000000000000" pitchFamily="65" charset="-120"/>
+              </a:rPr>
+              <a:t>的文件。</a:t>
+            </a:r>
+          </a:p>
+        </p:txBody>
+      </p:sp>
+    </p:spTree>
+    <p:extLst>
+      <p:ext uri="{BB962C8B-B14F-4D97-AF65-F5344CB8AC3E}">
+        <p14:creationId xmlns:p14="http://schemas.microsoft.com/office/powerpoint/2010/main" val="2789256390"/>
       </p:ext>
     </p:extLst>
   </p:cSld>
